--- a/AI4Youth.pptx
+++ b/AI4Youth.pptx
@@ -1,35 +1,35 @@
 
 <file path=ppt/presentation.xml><?xml version="1.0" encoding="utf-8"?>
-<p:presentation xmlns:a="http://schemas.openxmlformats.org/drawingml/2006/main" xmlns:r="http://schemas.openxmlformats.org/officeDocument/2006/relationships" xmlns:mc="http://schemas.openxmlformats.org/markup-compatibility/2006" xmlns:mv="urn:schemas-microsoft-com:mac:vml" xmlns:p="http://schemas.openxmlformats.org/presentationml/2006/main" xmlns:c="http://schemas.openxmlformats.org/drawingml/2006/chart" xmlns:dgm="http://schemas.openxmlformats.org/drawingml/2006/diagram" xmlns:o="urn:schemas-microsoft-com:office:office" xmlns:v="urn:schemas-microsoft-com:vml" xmlns:pvml="urn:schemas-microsoft-com:office:powerpoint" xmlns:com="http://schemas.openxmlformats.org/drawingml/2006/compatibility" xmlns:p14="http://schemas.microsoft.com/office/powerpoint/2010/main" xmlns:p15="http://schemas.microsoft.com/office/powerpoint/2012/main" xmlns:ahyp="http://schemas.microsoft.com/office/drawing/2018/hyperlinkcolor" autoCompressPictures="0" embedTrueTypeFonts="1" strictFirstAndLastChars="0" saveSubsetFonts="1">
+<p:presentation xmlns:a="http://schemas.openxmlformats.org/drawingml/2006/main" xmlns:r="http://schemas.openxmlformats.org/officeDocument/2006/relationships" xmlns:p="http://schemas.openxmlformats.org/presentationml/2006/main" strictFirstAndLastChars="0" embedTrueTypeFonts="1" saveSubsetFonts="1" autoCompressPictures="0">
   <p:sldMasterIdLst>
-    <p:sldMasterId id="2147483659" r:id="rId4"/>
+    <p:sldMasterId id="2147483659" r:id="rId1"/>
   </p:sldMasterIdLst>
   <p:notesMasterIdLst>
-    <p:notesMasterId r:id="rId5"/>
+    <p:notesMasterId r:id="rId10"/>
   </p:notesMasterIdLst>
   <p:sldIdLst>
-    <p:sldId id="256" r:id="rId6"/>
-    <p:sldId id="257" r:id="rId7"/>
-    <p:sldId id="258" r:id="rId8"/>
-    <p:sldId id="259" r:id="rId9"/>
-    <p:sldId id="260" r:id="rId10"/>
-    <p:sldId id="261" r:id="rId11"/>
-    <p:sldId id="262" r:id="rId12"/>
-    <p:sldId id="263" r:id="rId13"/>
+    <p:sldId id="256" r:id="rId2"/>
+    <p:sldId id="257" r:id="rId3"/>
+    <p:sldId id="258" r:id="rId4"/>
+    <p:sldId id="259" r:id="rId5"/>
+    <p:sldId id="260" r:id="rId6"/>
+    <p:sldId id="261" r:id="rId7"/>
+    <p:sldId id="262" r:id="rId8"/>
+    <p:sldId id="263" r:id="rId9"/>
   </p:sldIdLst>
-  <p:sldSz cy="5143500" cx="9144000"/>
+  <p:sldSz cx="9144000" cy="5143500" type="screen16x9"/>
   <p:notesSz cx="6858000" cy="9144000"/>
   <p:embeddedFontLst>
     <p:embeddedFont>
-      <p:font typeface="Roboto"/>
-      <p:regular r:id="rId14"/>
-      <p:bold r:id="rId15"/>
-      <p:italic r:id="rId16"/>
-      <p:boldItalic r:id="rId17"/>
+      <p:font typeface="Roboto" panose="02000000000000000000" pitchFamily="2" charset="0"/>
+      <p:regular r:id="rId11"/>
+      <p:bold r:id="rId12"/>
+      <p:italic r:id="rId13"/>
+      <p:boldItalic r:id="rId14"/>
     </p:embeddedFont>
   </p:embeddedFontLst>
   <p:defaultTextStyle>
-    <a:defPPr lvl="0" marR="0" rtl="0" algn="l">
+    <a:defPPr marR="0" lvl="0" algn="l" rtl="0">
       <a:lnSpc>
         <a:spcPct val="100000"/>
       </a:lnSpc>
@@ -40,7 +40,7 @@
         <a:spcPts val="0"/>
       </a:spcAft>
     </a:defPPr>
-    <a:lvl1pPr lvl="0" marR="0" rtl="0" algn="l">
+    <a:lvl1pPr marR="0" lvl="0" algn="l" rtl="0">
       <a:lnSpc>
         <a:spcPct val="100000"/>
       </a:lnSpc>
@@ -54,7 +54,7 @@
         <a:srgbClr val="000000"/>
       </a:buClr>
       <a:buFont typeface="Arial"/>
-      <a:defRPr b="0" i="0" sz="1400" u="none" cap="none" strike="noStrike">
+      <a:defRPr sz="1400" b="0" i="0" u="none" strike="noStrike" cap="none">
         <a:solidFill>
           <a:srgbClr val="000000"/>
         </a:solidFill>
@@ -64,7 +64,7 @@
         <a:sym typeface="Arial"/>
       </a:defRPr>
     </a:lvl1pPr>
-    <a:lvl2pPr lvl="1" marR="0" rtl="0" algn="l">
+    <a:lvl2pPr marR="0" lvl="1" algn="l" rtl="0">
       <a:lnSpc>
         <a:spcPct val="100000"/>
       </a:lnSpc>
@@ -78,7 +78,7 @@
         <a:srgbClr val="000000"/>
       </a:buClr>
       <a:buFont typeface="Arial"/>
-      <a:defRPr b="0" i="0" sz="1400" u="none" cap="none" strike="noStrike">
+      <a:defRPr sz="1400" b="0" i="0" u="none" strike="noStrike" cap="none">
         <a:solidFill>
           <a:srgbClr val="000000"/>
         </a:solidFill>
@@ -88,7 +88,7 @@
         <a:sym typeface="Arial"/>
       </a:defRPr>
     </a:lvl2pPr>
-    <a:lvl3pPr lvl="2" marR="0" rtl="0" algn="l">
+    <a:lvl3pPr marR="0" lvl="2" algn="l" rtl="0">
       <a:lnSpc>
         <a:spcPct val="100000"/>
       </a:lnSpc>
@@ -102,7 +102,7 @@
         <a:srgbClr val="000000"/>
       </a:buClr>
       <a:buFont typeface="Arial"/>
-      <a:defRPr b="0" i="0" sz="1400" u="none" cap="none" strike="noStrike">
+      <a:defRPr sz="1400" b="0" i="0" u="none" strike="noStrike" cap="none">
         <a:solidFill>
           <a:srgbClr val="000000"/>
         </a:solidFill>
@@ -112,7 +112,7 @@
         <a:sym typeface="Arial"/>
       </a:defRPr>
     </a:lvl3pPr>
-    <a:lvl4pPr lvl="3" marR="0" rtl="0" algn="l">
+    <a:lvl4pPr marR="0" lvl="3" algn="l" rtl="0">
       <a:lnSpc>
         <a:spcPct val="100000"/>
       </a:lnSpc>
@@ -126,7 +126,7 @@
         <a:srgbClr val="000000"/>
       </a:buClr>
       <a:buFont typeface="Arial"/>
-      <a:defRPr b="0" i="0" sz="1400" u="none" cap="none" strike="noStrike">
+      <a:defRPr sz="1400" b="0" i="0" u="none" strike="noStrike" cap="none">
         <a:solidFill>
           <a:srgbClr val="000000"/>
         </a:solidFill>
@@ -136,7 +136,7 @@
         <a:sym typeface="Arial"/>
       </a:defRPr>
     </a:lvl4pPr>
-    <a:lvl5pPr lvl="4" marR="0" rtl="0" algn="l">
+    <a:lvl5pPr marR="0" lvl="4" algn="l" rtl="0">
       <a:lnSpc>
         <a:spcPct val="100000"/>
       </a:lnSpc>
@@ -150,7 +150,7 @@
         <a:srgbClr val="000000"/>
       </a:buClr>
       <a:buFont typeface="Arial"/>
-      <a:defRPr b="0" i="0" sz="1400" u="none" cap="none" strike="noStrike">
+      <a:defRPr sz="1400" b="0" i="0" u="none" strike="noStrike" cap="none">
         <a:solidFill>
           <a:srgbClr val="000000"/>
         </a:solidFill>
@@ -160,7 +160,7 @@
         <a:sym typeface="Arial"/>
       </a:defRPr>
     </a:lvl5pPr>
-    <a:lvl6pPr lvl="5" marR="0" rtl="0" algn="l">
+    <a:lvl6pPr marR="0" lvl="5" algn="l" rtl="0">
       <a:lnSpc>
         <a:spcPct val="100000"/>
       </a:lnSpc>
@@ -174,7 +174,7 @@
         <a:srgbClr val="000000"/>
       </a:buClr>
       <a:buFont typeface="Arial"/>
-      <a:defRPr b="0" i="0" sz="1400" u="none" cap="none" strike="noStrike">
+      <a:defRPr sz="1400" b="0" i="0" u="none" strike="noStrike" cap="none">
         <a:solidFill>
           <a:srgbClr val="000000"/>
         </a:solidFill>
@@ -184,7 +184,7 @@
         <a:sym typeface="Arial"/>
       </a:defRPr>
     </a:lvl6pPr>
-    <a:lvl7pPr lvl="6" marR="0" rtl="0" algn="l">
+    <a:lvl7pPr marR="0" lvl="6" algn="l" rtl="0">
       <a:lnSpc>
         <a:spcPct val="100000"/>
       </a:lnSpc>
@@ -198,7 +198,7 @@
         <a:srgbClr val="000000"/>
       </a:buClr>
       <a:buFont typeface="Arial"/>
-      <a:defRPr b="0" i="0" sz="1400" u="none" cap="none" strike="noStrike">
+      <a:defRPr sz="1400" b="0" i="0" u="none" strike="noStrike" cap="none">
         <a:solidFill>
           <a:srgbClr val="000000"/>
         </a:solidFill>
@@ -208,7 +208,7 @@
         <a:sym typeface="Arial"/>
       </a:defRPr>
     </a:lvl7pPr>
-    <a:lvl8pPr lvl="7" marR="0" rtl="0" algn="l">
+    <a:lvl8pPr marR="0" lvl="7" algn="l" rtl="0">
       <a:lnSpc>
         <a:spcPct val="100000"/>
       </a:lnSpc>
@@ -222,7 +222,7 @@
         <a:srgbClr val="000000"/>
       </a:buClr>
       <a:buFont typeface="Arial"/>
-      <a:defRPr b="0" i="0" sz="1400" u="none" cap="none" strike="noStrike">
+      <a:defRPr sz="1400" b="0" i="0" u="none" strike="noStrike" cap="none">
         <a:solidFill>
           <a:srgbClr val="000000"/>
         </a:solidFill>
@@ -232,7 +232,7 @@
         <a:sym typeface="Arial"/>
       </a:defRPr>
     </a:lvl8pPr>
-    <a:lvl9pPr lvl="8" marR="0" rtl="0" algn="l">
+    <a:lvl9pPr marR="0" lvl="8" algn="l" rtl="0">
       <a:lnSpc>
         <a:spcPct val="100000"/>
       </a:lnSpc>
@@ -246,7 +246,7 @@
         <a:srgbClr val="000000"/>
       </a:buClr>
       <a:buFont typeface="Arial"/>
-      <a:defRPr b="0" i="0" sz="1400" u="none" cap="none" strike="noStrike">
+      <a:defRPr sz="1400" b="0" i="0" u="none" strike="noStrike" cap="none">
         <a:solidFill>
           <a:srgbClr val="000000"/>
         </a:solidFill>
@@ -259,7 +259,7 @@
   </p:defaultTextStyle>
   <p:extLst>
     <p:ext uri="{EFAFB233-063F-42B5-8137-9DF3F51BA10A}">
-      <p15:sldGuideLst>
+      <p15:sldGuideLst xmlns:p15="http://schemas.microsoft.com/office/powerpoint/2012/main">
         <p15:guide id="1" orient="horz" pos="1620">
           <p15:clr>
             <a:srgbClr val="A4A3A4"/>
@@ -276,12 +276,43 @@
 </p:presentation>
 </file>
 
+<file path=ppt/commentAuthors.xml><?xml version="1.0" encoding="utf-8"?>
+<p:cmAuthorLst xmlns:a="http://schemas.openxmlformats.org/drawingml/2006/main" xmlns:r="http://schemas.openxmlformats.org/officeDocument/2006/relationships" xmlns:p="http://schemas.openxmlformats.org/presentationml/2006/main">
+  <p:cmAuthor id="1" name="Wiktor Koźlik" initials="WK" lastIdx="1" clrIdx="0">
+    <p:extLst>
+      <p:ext uri="{19B8F6BF-5375-455C-9EA6-DF929625EA0E}">
+        <p15:presenceInfo xmlns:p15="http://schemas.microsoft.com/office/powerpoint/2012/main" userId="28498fcedc28d7f1" providerId="Windows Live"/>
+      </p:ext>
+    </p:extLst>
+  </p:cmAuthor>
+</p:cmAuthorLst>
+</file>
+
+<file path=ppt/comments/comment1.xml><?xml version="1.0" encoding="utf-8"?>
+<p:cmLst xmlns:a="http://schemas.openxmlformats.org/drawingml/2006/main" xmlns:r="http://schemas.openxmlformats.org/officeDocument/2006/relationships" xmlns:p="http://schemas.openxmlformats.org/presentationml/2006/main">
+  <p:cm authorId="1" dt="2022-10-16T11:12:30.886" idx="1">
+    <p:pos x="10" y="10"/>
+    <p:text/>
+    <p:extLst>
+      <p:ext uri="{C676402C-5697-4E1C-873F-D02D1690AC5C}">
+        <p15:threadingInfo xmlns:p15="http://schemas.microsoft.com/office/powerpoint/2012/main" timeZoneBias="-120"/>
+      </p:ext>
+    </p:extLst>
+  </p:cm>
+</p:cmLst>
+</file>
+
 <file path=ppt/notesMasters/notesMaster1.xml><?xml version="1.0" encoding="utf-8"?>
-<p:notesMaster xmlns:a="http://schemas.openxmlformats.org/drawingml/2006/main" xmlns:r="http://schemas.openxmlformats.org/officeDocument/2006/relationships" xmlns:mc="http://schemas.openxmlformats.org/markup-compatibility/2006" xmlns:mv="urn:schemas-microsoft-com:mac:vml" xmlns:p="http://schemas.openxmlformats.org/presentationml/2006/main" xmlns:c="http://schemas.openxmlformats.org/drawingml/2006/chart" xmlns:dgm="http://schemas.openxmlformats.org/drawingml/2006/diagram" xmlns:o="urn:schemas-microsoft-com:office:office" xmlns:v="urn:schemas-microsoft-com:vml" xmlns:pvml="urn:schemas-microsoft-com:office:powerpoint" xmlns:com="http://schemas.openxmlformats.org/drawingml/2006/compatibility" xmlns:p14="http://schemas.microsoft.com/office/powerpoint/2010/main" xmlns:p15="http://schemas.microsoft.com/office/powerpoint/2012/main" xmlns:ahyp="http://schemas.microsoft.com/office/drawing/2018/hyperlinkcolor">
+<p:notesMaster xmlns:a="http://schemas.openxmlformats.org/drawingml/2006/main" xmlns:r="http://schemas.openxmlformats.org/officeDocument/2006/relationships" xmlns:p="http://schemas.openxmlformats.org/presentationml/2006/main">
   <p:cSld>
+    <p:bg>
+      <p:bgRef idx="1001">
+        <a:schemeClr val="bg1"/>
+      </p:bgRef>
+    </p:bg>
     <p:spTree>
       <p:nvGrpSpPr>
-        <p:cNvPr id="2" name="Shape 2"/>
+        <p:cNvPr id="1" name="Shape 2"/>
         <p:cNvGrpSpPr/>
         <p:nvPr/>
       </p:nvGrpSpPr>
@@ -296,9 +327,11 @@
       <p:sp>
         <p:nvSpPr>
           <p:cNvPr id="3" name="Google Shape;3;n"/>
-          <p:cNvSpPr/>
+          <p:cNvSpPr>
+            <a:spLocks noGrp="1" noRot="1" noChangeAspect="1"/>
+          </p:cNvSpPr>
           <p:nvPr>
-            <p:ph idx="2" type="sldImg"/>
+            <p:ph type="sldImg" idx="2"/>
           </p:nvPr>
         </p:nvSpPr>
         <p:spPr>
@@ -307,9 +340,13 @@
             <a:ext cx="6096075" cy="3429000"/>
           </a:xfrm>
           <a:custGeom>
-            <a:rect b="b" l="l" r="r" t="t"/>
+            <a:avLst/>
+            <a:gdLst/>
+            <a:ahLst/>
+            <a:cxnLst/>
+            <a:rect l="l" t="t" r="r" b="b"/>
             <a:pathLst>
-              <a:path extrusionOk="0" h="120000" w="120000">
+              <a:path w="120000" h="120000" extrusionOk="0">
                 <a:moveTo>
                   <a:pt x="0" y="0"/>
                 </a:moveTo>
@@ -327,23 +364,25 @@
             </a:pathLst>
           </a:custGeom>
           <a:noFill/>
-          <a:ln cap="flat" cmpd="sng" w="9525">
+          <a:ln w="9525" cap="flat" cmpd="sng">
             <a:solidFill>
               <a:srgbClr val="000000"/>
             </a:solidFill>
             <a:prstDash val="solid"/>
             <a:round/>
-            <a:headEnd len="sm" w="sm" type="none"/>
-            <a:tailEnd len="sm" w="sm" type="none"/>
+            <a:headEnd type="none" w="sm" len="sm"/>
+            <a:tailEnd type="none" w="sm" len="sm"/>
           </a:ln>
         </p:spPr>
       </p:sp>
       <p:sp>
         <p:nvSpPr>
           <p:cNvPr id="4" name="Google Shape;4;n"/>
-          <p:cNvSpPr txBox="1"/>
+          <p:cNvSpPr txBox="1">
+            <a:spLocks noGrp="1"/>
+          </p:cNvSpPr>
           <p:nvPr>
-            <p:ph idx="1" type="body"/>
+            <p:ph type="body" idx="1"/>
           </p:nvPr>
         </p:nvSpPr>
         <p:spPr>
@@ -360,11 +399,11 @@
           </a:ln>
         </p:spPr>
         <p:txBody>
-          <a:bodyPr anchorCtr="0" anchor="t" bIns="91425" lIns="91425" spcFirstLastPara="1" rIns="91425" wrap="square" tIns="91425">
+          <a:bodyPr spcFirstLastPara="1" wrap="square" lIns="91425" tIns="91425" rIns="91425" bIns="91425" anchor="t" anchorCtr="0">
             <a:noAutofit/>
           </a:bodyPr>
           <a:lstStyle>
-            <a:lvl1pPr indent="-298450" lvl="0" marL="457200">
+            <a:lvl1pPr marL="457200" lvl="0" indent="-298450">
               <a:spcBef>
                 <a:spcPts val="0"/>
               </a:spcBef>
@@ -375,7 +414,7 @@
               <a:buChar char="●"/>
               <a:defRPr sz="1100"/>
             </a:lvl1pPr>
-            <a:lvl2pPr indent="-298450" lvl="1" marL="914400">
+            <a:lvl2pPr marL="914400" lvl="1" indent="-298450">
               <a:spcBef>
                 <a:spcPts val="0"/>
               </a:spcBef>
@@ -386,7 +425,7 @@
               <a:buChar char="○"/>
               <a:defRPr sz="1100"/>
             </a:lvl2pPr>
-            <a:lvl3pPr indent="-298450" lvl="2" marL="1371600">
+            <a:lvl3pPr marL="1371600" lvl="2" indent="-298450">
               <a:spcBef>
                 <a:spcPts val="0"/>
               </a:spcBef>
@@ -397,7 +436,7 @@
               <a:buChar char="■"/>
               <a:defRPr sz="1100"/>
             </a:lvl3pPr>
-            <a:lvl4pPr indent="-298450" lvl="3" marL="1828800">
+            <a:lvl4pPr marL="1828800" lvl="3" indent="-298450">
               <a:spcBef>
                 <a:spcPts val="0"/>
               </a:spcBef>
@@ -408,7 +447,7 @@
               <a:buChar char="●"/>
               <a:defRPr sz="1100"/>
             </a:lvl4pPr>
-            <a:lvl5pPr indent="-298450" lvl="4" marL="2286000">
+            <a:lvl5pPr marL="2286000" lvl="4" indent="-298450">
               <a:spcBef>
                 <a:spcPts val="0"/>
               </a:spcBef>
@@ -419,7 +458,7 @@
               <a:buChar char="○"/>
               <a:defRPr sz="1100"/>
             </a:lvl5pPr>
-            <a:lvl6pPr indent="-298450" lvl="5" marL="2743200">
+            <a:lvl6pPr marL="2743200" lvl="5" indent="-298450">
               <a:spcBef>
                 <a:spcPts val="0"/>
               </a:spcBef>
@@ -430,7 +469,7 @@
               <a:buChar char="■"/>
               <a:defRPr sz="1100"/>
             </a:lvl6pPr>
-            <a:lvl7pPr indent="-298450" lvl="6" marL="3200400">
+            <a:lvl7pPr marL="3200400" lvl="6" indent="-298450">
               <a:spcBef>
                 <a:spcPts val="0"/>
               </a:spcBef>
@@ -441,7 +480,7 @@
               <a:buChar char="●"/>
               <a:defRPr sz="1100"/>
             </a:lvl7pPr>
-            <a:lvl8pPr indent="-298450" lvl="7" marL="3657600">
+            <a:lvl8pPr marL="3657600" lvl="7" indent="-298450">
               <a:spcBef>
                 <a:spcPts val="0"/>
               </a:spcBef>
@@ -452,7 +491,7 @@
               <a:buChar char="○"/>
               <a:defRPr sz="1100"/>
             </a:lvl8pPr>
-            <a:lvl9pPr indent="-298450" lvl="8" marL="4114800">
+            <a:lvl9pPr marL="4114800" lvl="8" indent="-298450">
               <a:spcBef>
                 <a:spcPts val="0"/>
               </a:spcBef>
@@ -464,14 +503,16 @@
               <a:defRPr sz="1100"/>
             </a:lvl9pPr>
           </a:lstStyle>
-          <a:p/>
+          <a:p>
+            <a:endParaRPr/>
+          </a:p>
         </p:txBody>
       </p:sp>
     </p:spTree>
   </p:cSld>
-  <p:clrMap accent1="accent1" accent2="accent2" accent3="accent3" accent4="accent4" accent5="accent5" accent6="accent6" bg1="lt1" bg2="dk2" tx1="dk1" tx2="lt2" folHlink="folHlink" hlink="hlink"/>
+  <p:clrMap bg1="lt1" tx1="dk1" bg2="dk2" tx2="lt2" accent1="accent1" accent2="accent2" accent3="accent3" accent4="accent4" accent5="accent5" accent6="accent6" hlink="hlink" folHlink="folHlink"/>
   <p:notesStyle>
-    <a:defPPr lvl="0" marR="0" rtl="0" algn="l">
+    <a:defPPr marR="0" lvl="0" algn="l" rtl="0">
       <a:lnSpc>
         <a:spcPct val="100000"/>
       </a:lnSpc>
@@ -482,7 +523,7 @@
         <a:spcPts val="0"/>
       </a:spcAft>
     </a:defPPr>
-    <a:lvl1pPr lvl="0" marR="0" rtl="0" algn="l">
+    <a:lvl1pPr marR="0" lvl="0" algn="l" rtl="0">
       <a:lnSpc>
         <a:spcPct val="100000"/>
       </a:lnSpc>
@@ -496,7 +537,7 @@
         <a:srgbClr val="000000"/>
       </a:buClr>
       <a:buFont typeface="Arial"/>
-      <a:defRPr b="0" i="0" sz="1400" u="none" cap="none" strike="noStrike">
+      <a:defRPr sz="1400" b="0" i="0" u="none" strike="noStrike" cap="none">
         <a:solidFill>
           <a:srgbClr val="000000"/>
         </a:solidFill>
@@ -506,7 +547,7 @@
         <a:sym typeface="Arial"/>
       </a:defRPr>
     </a:lvl1pPr>
-    <a:lvl2pPr lvl="1" marR="0" rtl="0" algn="l">
+    <a:lvl2pPr marR="0" lvl="1" algn="l" rtl="0">
       <a:lnSpc>
         <a:spcPct val="100000"/>
       </a:lnSpc>
@@ -520,7 +561,7 @@
         <a:srgbClr val="000000"/>
       </a:buClr>
       <a:buFont typeface="Arial"/>
-      <a:defRPr b="0" i="0" sz="1400" u="none" cap="none" strike="noStrike">
+      <a:defRPr sz="1400" b="0" i="0" u="none" strike="noStrike" cap="none">
         <a:solidFill>
           <a:srgbClr val="000000"/>
         </a:solidFill>
@@ -530,7 +571,7 @@
         <a:sym typeface="Arial"/>
       </a:defRPr>
     </a:lvl2pPr>
-    <a:lvl3pPr lvl="2" marR="0" rtl="0" algn="l">
+    <a:lvl3pPr marR="0" lvl="2" algn="l" rtl="0">
       <a:lnSpc>
         <a:spcPct val="100000"/>
       </a:lnSpc>
@@ -544,7 +585,7 @@
         <a:srgbClr val="000000"/>
       </a:buClr>
       <a:buFont typeface="Arial"/>
-      <a:defRPr b="0" i="0" sz="1400" u="none" cap="none" strike="noStrike">
+      <a:defRPr sz="1400" b="0" i="0" u="none" strike="noStrike" cap="none">
         <a:solidFill>
           <a:srgbClr val="000000"/>
         </a:solidFill>
@@ -554,7 +595,7 @@
         <a:sym typeface="Arial"/>
       </a:defRPr>
     </a:lvl3pPr>
-    <a:lvl4pPr lvl="3" marR="0" rtl="0" algn="l">
+    <a:lvl4pPr marR="0" lvl="3" algn="l" rtl="0">
       <a:lnSpc>
         <a:spcPct val="100000"/>
       </a:lnSpc>
@@ -568,7 +609,7 @@
         <a:srgbClr val="000000"/>
       </a:buClr>
       <a:buFont typeface="Arial"/>
-      <a:defRPr b="0" i="0" sz="1400" u="none" cap="none" strike="noStrike">
+      <a:defRPr sz="1400" b="0" i="0" u="none" strike="noStrike" cap="none">
         <a:solidFill>
           <a:srgbClr val="000000"/>
         </a:solidFill>
@@ -578,7 +619,7 @@
         <a:sym typeface="Arial"/>
       </a:defRPr>
     </a:lvl4pPr>
-    <a:lvl5pPr lvl="4" marR="0" rtl="0" algn="l">
+    <a:lvl5pPr marR="0" lvl="4" algn="l" rtl="0">
       <a:lnSpc>
         <a:spcPct val="100000"/>
       </a:lnSpc>
@@ -592,7 +633,7 @@
         <a:srgbClr val="000000"/>
       </a:buClr>
       <a:buFont typeface="Arial"/>
-      <a:defRPr b="0" i="0" sz="1400" u="none" cap="none" strike="noStrike">
+      <a:defRPr sz="1400" b="0" i="0" u="none" strike="noStrike" cap="none">
         <a:solidFill>
           <a:srgbClr val="000000"/>
         </a:solidFill>
@@ -602,7 +643,7 @@
         <a:sym typeface="Arial"/>
       </a:defRPr>
     </a:lvl5pPr>
-    <a:lvl6pPr lvl="5" marR="0" rtl="0" algn="l">
+    <a:lvl6pPr marR="0" lvl="5" algn="l" rtl="0">
       <a:lnSpc>
         <a:spcPct val="100000"/>
       </a:lnSpc>
@@ -616,7 +657,7 @@
         <a:srgbClr val="000000"/>
       </a:buClr>
       <a:buFont typeface="Arial"/>
-      <a:defRPr b="0" i="0" sz="1400" u="none" cap="none" strike="noStrike">
+      <a:defRPr sz="1400" b="0" i="0" u="none" strike="noStrike" cap="none">
         <a:solidFill>
           <a:srgbClr val="000000"/>
         </a:solidFill>
@@ -626,7 +667,7 @@
         <a:sym typeface="Arial"/>
       </a:defRPr>
     </a:lvl6pPr>
-    <a:lvl7pPr lvl="6" marR="0" rtl="0" algn="l">
+    <a:lvl7pPr marR="0" lvl="6" algn="l" rtl="0">
       <a:lnSpc>
         <a:spcPct val="100000"/>
       </a:lnSpc>
@@ -640,7 +681,7 @@
         <a:srgbClr val="000000"/>
       </a:buClr>
       <a:buFont typeface="Arial"/>
-      <a:defRPr b="0" i="0" sz="1400" u="none" cap="none" strike="noStrike">
+      <a:defRPr sz="1400" b="0" i="0" u="none" strike="noStrike" cap="none">
         <a:solidFill>
           <a:srgbClr val="000000"/>
         </a:solidFill>
@@ -650,7 +691,7 @@
         <a:sym typeface="Arial"/>
       </a:defRPr>
     </a:lvl7pPr>
-    <a:lvl8pPr lvl="7" marR="0" rtl="0" algn="l">
+    <a:lvl8pPr marR="0" lvl="7" algn="l" rtl="0">
       <a:lnSpc>
         <a:spcPct val="100000"/>
       </a:lnSpc>
@@ -664,7 +705,7 @@
         <a:srgbClr val="000000"/>
       </a:buClr>
       <a:buFont typeface="Arial"/>
-      <a:defRPr b="0" i="0" sz="1400" u="none" cap="none" strike="noStrike">
+      <a:defRPr sz="1400" b="0" i="0" u="none" strike="noStrike" cap="none">
         <a:solidFill>
           <a:srgbClr val="000000"/>
         </a:solidFill>
@@ -674,7 +715,7 @@
         <a:sym typeface="Arial"/>
       </a:defRPr>
     </a:lvl8pPr>
-    <a:lvl9pPr lvl="8" marR="0" rtl="0" algn="l">
+    <a:lvl9pPr marR="0" lvl="8" algn="l" rtl="0">
       <a:lnSpc>
         <a:spcPct val="100000"/>
       </a:lnSpc>
@@ -688,7 +729,7 @@
         <a:srgbClr val="000000"/>
       </a:buClr>
       <a:buFont typeface="Arial"/>
-      <a:defRPr b="0" i="0" sz="1400" u="none" cap="none" strike="noStrike">
+      <a:defRPr sz="1400" b="0" i="0" u="none" strike="noStrike" cap="none">
         <a:solidFill>
           <a:srgbClr val="000000"/>
         </a:solidFill>
@@ -703,11 +744,11 @@
 </file>
 
 <file path=ppt/notesSlides/notesSlide1.xml><?xml version="1.0" encoding="utf-8"?>
-<p:notes xmlns:a="http://schemas.openxmlformats.org/drawingml/2006/main" xmlns:r="http://schemas.openxmlformats.org/officeDocument/2006/relationships" xmlns:mc="http://schemas.openxmlformats.org/markup-compatibility/2006" xmlns:mv="urn:schemas-microsoft-com:mac:vml" xmlns:p="http://schemas.openxmlformats.org/presentationml/2006/main" xmlns:c="http://schemas.openxmlformats.org/drawingml/2006/chart" xmlns:dgm="http://schemas.openxmlformats.org/drawingml/2006/diagram" xmlns:o="urn:schemas-microsoft-com:office:office" xmlns:v="urn:schemas-microsoft-com:vml" xmlns:pvml="urn:schemas-microsoft-com:office:powerpoint" xmlns:com="http://schemas.openxmlformats.org/drawingml/2006/compatibility" xmlns:p14="http://schemas.microsoft.com/office/powerpoint/2010/main" xmlns:p15="http://schemas.microsoft.com/office/powerpoint/2012/main" xmlns:ahyp="http://schemas.microsoft.com/office/drawing/2018/hyperlinkcolor" showMasterPhAnim="0" showMasterSp="0">
+<p:notes xmlns:a="http://schemas.openxmlformats.org/drawingml/2006/main" xmlns:r="http://schemas.openxmlformats.org/officeDocument/2006/relationships" xmlns:p="http://schemas.openxmlformats.org/presentationml/2006/main" showMasterSp="0" showMasterPhAnim="0">
   <p:cSld>
     <p:spTree>
       <p:nvGrpSpPr>
-        <p:cNvPr id="81" name="Shape 81"/>
+        <p:cNvPr id="1" name="Shape 81"/>
         <p:cNvGrpSpPr/>
         <p:nvPr/>
       </p:nvGrpSpPr>
@@ -722,20 +763,26 @@
       <p:sp>
         <p:nvSpPr>
           <p:cNvPr id="82" name="Google Shape;82;p:notes"/>
-          <p:cNvSpPr/>
+          <p:cNvSpPr>
+            <a:spLocks noGrp="1" noRot="1" noChangeAspect="1"/>
+          </p:cNvSpPr>
           <p:nvPr>
-            <p:ph idx="2" type="sldImg"/>
+            <p:ph type="sldImg" idx="2"/>
           </p:nvPr>
         </p:nvSpPr>
         <p:spPr>
           <a:xfrm>
-            <a:off x="381300" y="685800"/>
-            <a:ext cx="6096075" cy="3429000"/>
+            <a:off x="381000" y="685800"/>
+            <a:ext cx="6096000" cy="3429000"/>
           </a:xfrm>
           <a:custGeom>
-            <a:rect b="b" l="l" r="r" t="t"/>
+            <a:avLst/>
+            <a:gdLst/>
+            <a:ahLst/>
+            <a:cxnLst/>
+            <a:rect l="l" t="t" r="r" b="b"/>
             <a:pathLst>
-              <a:path extrusionOk="0" h="120000" w="120000">
+              <a:path w="120000" h="120000" extrusionOk="0">
                 <a:moveTo>
                   <a:pt x="0" y="0"/>
                 </a:moveTo>
@@ -757,9 +804,11 @@
       <p:sp>
         <p:nvSpPr>
           <p:cNvPr id="83" name="Google Shape;83;p:notes"/>
-          <p:cNvSpPr txBox="1"/>
+          <p:cNvSpPr txBox="1">
+            <a:spLocks noGrp="1"/>
+          </p:cNvSpPr>
           <p:nvPr>
-            <p:ph idx="1" type="body"/>
+            <p:ph type="body" idx="1"/>
           </p:nvPr>
         </p:nvSpPr>
         <p:spPr>
@@ -772,12 +821,12 @@
           </a:prstGeom>
         </p:spPr>
         <p:txBody>
-          <a:bodyPr anchorCtr="0" anchor="t" bIns="91425" lIns="91425" spcFirstLastPara="1" rIns="91425" wrap="square" tIns="91425">
+          <a:bodyPr spcFirstLastPara="1" wrap="square" lIns="91425" tIns="91425" rIns="91425" bIns="91425" anchor="t" anchorCtr="0">
             <a:noAutofit/>
           </a:bodyPr>
           <a:lstStyle/>
           <a:p>
-            <a:pPr indent="0" lvl="0" marL="0" rtl="0" algn="l">
+            <a:pPr marL="0" lvl="0" indent="0" algn="l" rtl="0">
               <a:spcBef>
                 <a:spcPts val="0"/>
               </a:spcBef>
@@ -786,9 +835,6 @@
               </a:spcAft>
               <a:buNone/>
             </a:pPr>
-            <a:r>
-              <a:t/>
-            </a:r>
             <a:endParaRPr/>
           </a:p>
         </p:txBody>
@@ -802,11 +848,11 @@
 </file>
 
 <file path=ppt/notesSlides/notesSlide2.xml><?xml version="1.0" encoding="utf-8"?>
-<p:notes xmlns:a="http://schemas.openxmlformats.org/drawingml/2006/main" xmlns:r="http://schemas.openxmlformats.org/officeDocument/2006/relationships" xmlns:mc="http://schemas.openxmlformats.org/markup-compatibility/2006" xmlns:mv="urn:schemas-microsoft-com:mac:vml" xmlns:p="http://schemas.openxmlformats.org/presentationml/2006/main" xmlns:c="http://schemas.openxmlformats.org/drawingml/2006/chart" xmlns:dgm="http://schemas.openxmlformats.org/drawingml/2006/diagram" xmlns:o="urn:schemas-microsoft-com:office:office" xmlns:v="urn:schemas-microsoft-com:vml" xmlns:pvml="urn:schemas-microsoft-com:office:powerpoint" xmlns:com="http://schemas.openxmlformats.org/drawingml/2006/compatibility" xmlns:p14="http://schemas.microsoft.com/office/powerpoint/2010/main" xmlns:p15="http://schemas.microsoft.com/office/powerpoint/2012/main" xmlns:ahyp="http://schemas.microsoft.com/office/drawing/2018/hyperlinkcolor" showMasterPhAnim="0" showMasterSp="0">
+<p:notes xmlns:a="http://schemas.openxmlformats.org/drawingml/2006/main" xmlns:r="http://schemas.openxmlformats.org/officeDocument/2006/relationships" xmlns:p="http://schemas.openxmlformats.org/presentationml/2006/main" showMasterSp="0" showMasterPhAnim="0">
   <p:cSld>
     <p:spTree>
       <p:nvGrpSpPr>
-        <p:cNvPr id="88" name="Shape 88"/>
+        <p:cNvPr id="1" name="Shape 88"/>
         <p:cNvGrpSpPr/>
         <p:nvPr/>
       </p:nvGrpSpPr>
@@ -821,20 +867,26 @@
       <p:sp>
         <p:nvSpPr>
           <p:cNvPr id="89" name="Google Shape;89;g15e9eeee84b_1_0:notes"/>
-          <p:cNvSpPr/>
+          <p:cNvSpPr>
+            <a:spLocks noGrp="1" noRot="1" noChangeAspect="1"/>
+          </p:cNvSpPr>
           <p:nvPr>
-            <p:ph idx="2" type="sldImg"/>
+            <p:ph type="sldImg" idx="2"/>
           </p:nvPr>
         </p:nvSpPr>
         <p:spPr>
           <a:xfrm>
-            <a:off x="381300" y="685800"/>
+            <a:off x="381000" y="685800"/>
             <a:ext cx="6096000" cy="3429000"/>
           </a:xfrm>
           <a:custGeom>
-            <a:rect b="b" l="l" r="r" t="t"/>
+            <a:avLst/>
+            <a:gdLst/>
+            <a:ahLst/>
+            <a:cxnLst/>
+            <a:rect l="l" t="t" r="r" b="b"/>
             <a:pathLst>
-              <a:path extrusionOk="0" h="120000" w="120000">
+              <a:path w="120000" h="120000" extrusionOk="0">
                 <a:moveTo>
                   <a:pt x="0" y="0"/>
                 </a:moveTo>
@@ -856,9 +908,11 @@
       <p:sp>
         <p:nvSpPr>
           <p:cNvPr id="90" name="Google Shape;90;g15e9eeee84b_1_0:notes"/>
-          <p:cNvSpPr txBox="1"/>
+          <p:cNvSpPr txBox="1">
+            <a:spLocks noGrp="1"/>
+          </p:cNvSpPr>
           <p:nvPr>
-            <p:ph idx="1" type="body"/>
+            <p:ph type="body" idx="1"/>
           </p:nvPr>
         </p:nvSpPr>
         <p:spPr>
@@ -871,12 +925,12 @@
           </a:prstGeom>
         </p:spPr>
         <p:txBody>
-          <a:bodyPr anchorCtr="0" anchor="t" bIns="91425" lIns="91425" spcFirstLastPara="1" rIns="91425" wrap="square" tIns="91425">
+          <a:bodyPr spcFirstLastPara="1" wrap="square" lIns="91425" tIns="91425" rIns="91425" bIns="91425" anchor="t" anchorCtr="0">
             <a:noAutofit/>
           </a:bodyPr>
           <a:lstStyle/>
           <a:p>
-            <a:pPr indent="0" lvl="0" marL="0" rtl="0" algn="l">
+            <a:pPr marL="0" lvl="0" indent="0" algn="l" rtl="0">
               <a:spcBef>
                 <a:spcPts val="0"/>
               </a:spcBef>
@@ -885,9 +939,6 @@
               </a:spcAft>
               <a:buNone/>
             </a:pPr>
-            <a:r>
-              <a:t/>
-            </a:r>
             <a:endParaRPr/>
           </a:p>
         </p:txBody>
@@ -901,11 +952,11 @@
 </file>
 
 <file path=ppt/notesSlides/notesSlide3.xml><?xml version="1.0" encoding="utf-8"?>
-<p:notes xmlns:a="http://schemas.openxmlformats.org/drawingml/2006/main" xmlns:r="http://schemas.openxmlformats.org/officeDocument/2006/relationships" xmlns:mc="http://schemas.openxmlformats.org/markup-compatibility/2006" xmlns:mv="urn:schemas-microsoft-com:mac:vml" xmlns:p="http://schemas.openxmlformats.org/presentationml/2006/main" xmlns:c="http://schemas.openxmlformats.org/drawingml/2006/chart" xmlns:dgm="http://schemas.openxmlformats.org/drawingml/2006/diagram" xmlns:o="urn:schemas-microsoft-com:office:office" xmlns:v="urn:schemas-microsoft-com:vml" xmlns:pvml="urn:schemas-microsoft-com:office:powerpoint" xmlns:com="http://schemas.openxmlformats.org/drawingml/2006/compatibility" xmlns:p14="http://schemas.microsoft.com/office/powerpoint/2010/main" xmlns:p15="http://schemas.microsoft.com/office/powerpoint/2012/main" xmlns:ahyp="http://schemas.microsoft.com/office/drawing/2018/hyperlinkcolor" showMasterPhAnim="0" showMasterSp="0">
+<p:notes xmlns:a="http://schemas.openxmlformats.org/drawingml/2006/main" xmlns:r="http://schemas.openxmlformats.org/officeDocument/2006/relationships" xmlns:p="http://schemas.openxmlformats.org/presentationml/2006/main" showMasterSp="0" showMasterPhAnim="0">
   <p:cSld>
     <p:spTree>
       <p:nvGrpSpPr>
-        <p:cNvPr id="96" name="Shape 96"/>
+        <p:cNvPr id="1" name="Shape 96"/>
         <p:cNvGrpSpPr/>
         <p:nvPr/>
       </p:nvGrpSpPr>
@@ -920,20 +971,26 @@
       <p:sp>
         <p:nvSpPr>
           <p:cNvPr id="97" name="Google Shape;97;g140e73003ce_0_0:notes"/>
-          <p:cNvSpPr/>
+          <p:cNvSpPr>
+            <a:spLocks noGrp="1" noRot="1" noChangeAspect="1"/>
+          </p:cNvSpPr>
           <p:nvPr>
-            <p:ph idx="2" type="sldImg"/>
+            <p:ph type="sldImg" idx="2"/>
           </p:nvPr>
         </p:nvSpPr>
         <p:spPr>
           <a:xfrm>
-            <a:off x="381300" y="685800"/>
+            <a:off x="381000" y="685800"/>
             <a:ext cx="6096000" cy="3429000"/>
           </a:xfrm>
           <a:custGeom>
-            <a:rect b="b" l="l" r="r" t="t"/>
+            <a:avLst/>
+            <a:gdLst/>
+            <a:ahLst/>
+            <a:cxnLst/>
+            <a:rect l="l" t="t" r="r" b="b"/>
             <a:pathLst>
-              <a:path extrusionOk="0" h="120000" w="120000">
+              <a:path w="120000" h="120000" extrusionOk="0">
                 <a:moveTo>
                   <a:pt x="0" y="0"/>
                 </a:moveTo>
@@ -955,9 +1012,11 @@
       <p:sp>
         <p:nvSpPr>
           <p:cNvPr id="98" name="Google Shape;98;g140e73003ce_0_0:notes"/>
-          <p:cNvSpPr txBox="1"/>
+          <p:cNvSpPr txBox="1">
+            <a:spLocks noGrp="1"/>
+          </p:cNvSpPr>
           <p:nvPr>
-            <p:ph idx="1" type="body"/>
+            <p:ph type="body" idx="1"/>
           </p:nvPr>
         </p:nvSpPr>
         <p:spPr>
@@ -970,12 +1029,12 @@
           </a:prstGeom>
         </p:spPr>
         <p:txBody>
-          <a:bodyPr anchorCtr="0" anchor="t" bIns="91425" lIns="91425" spcFirstLastPara="1" rIns="91425" wrap="square" tIns="91425">
+          <a:bodyPr spcFirstLastPara="1" wrap="square" lIns="91425" tIns="91425" rIns="91425" bIns="91425" anchor="t" anchorCtr="0">
             <a:noAutofit/>
           </a:bodyPr>
           <a:lstStyle/>
           <a:p>
-            <a:pPr indent="0" lvl="0" marL="0" rtl="0" algn="l">
+            <a:pPr marL="0" lvl="0" indent="0" algn="l" rtl="0">
               <a:spcBef>
                 <a:spcPts val="0"/>
               </a:spcBef>
@@ -984,9 +1043,6 @@
               </a:spcAft>
               <a:buNone/>
             </a:pPr>
-            <a:r>
-              <a:t/>
-            </a:r>
             <a:endParaRPr/>
           </a:p>
         </p:txBody>
@@ -1000,11 +1056,11 @@
 </file>
 
 <file path=ppt/notesSlides/notesSlide4.xml><?xml version="1.0" encoding="utf-8"?>
-<p:notes xmlns:a="http://schemas.openxmlformats.org/drawingml/2006/main" xmlns:r="http://schemas.openxmlformats.org/officeDocument/2006/relationships" xmlns:mc="http://schemas.openxmlformats.org/markup-compatibility/2006" xmlns:mv="urn:schemas-microsoft-com:mac:vml" xmlns:p="http://schemas.openxmlformats.org/presentationml/2006/main" xmlns:c="http://schemas.openxmlformats.org/drawingml/2006/chart" xmlns:dgm="http://schemas.openxmlformats.org/drawingml/2006/diagram" xmlns:o="urn:schemas-microsoft-com:office:office" xmlns:v="urn:schemas-microsoft-com:vml" xmlns:pvml="urn:schemas-microsoft-com:office:powerpoint" xmlns:com="http://schemas.openxmlformats.org/drawingml/2006/compatibility" xmlns:p14="http://schemas.microsoft.com/office/powerpoint/2010/main" xmlns:p15="http://schemas.microsoft.com/office/powerpoint/2012/main" xmlns:ahyp="http://schemas.microsoft.com/office/drawing/2018/hyperlinkcolor" showMasterPhAnim="0" showMasterSp="0">
+<p:notes xmlns:a="http://schemas.openxmlformats.org/drawingml/2006/main" xmlns:r="http://schemas.openxmlformats.org/officeDocument/2006/relationships" xmlns:p="http://schemas.openxmlformats.org/presentationml/2006/main" showMasterSp="0" showMasterPhAnim="0">
   <p:cSld>
     <p:spTree>
       <p:nvGrpSpPr>
-        <p:cNvPr id="104" name="Shape 104"/>
+        <p:cNvPr id="1" name="Shape 104"/>
         <p:cNvGrpSpPr/>
         <p:nvPr/>
       </p:nvGrpSpPr>
@@ -1019,20 +1075,26 @@
       <p:sp>
         <p:nvSpPr>
           <p:cNvPr id="105" name="Google Shape;105;g15e9eeee84b_1_11:notes"/>
-          <p:cNvSpPr/>
+          <p:cNvSpPr>
+            <a:spLocks noGrp="1" noRot="1" noChangeAspect="1"/>
+          </p:cNvSpPr>
           <p:nvPr>
-            <p:ph idx="2" type="sldImg"/>
+            <p:ph type="sldImg" idx="2"/>
           </p:nvPr>
         </p:nvSpPr>
         <p:spPr>
           <a:xfrm>
-            <a:off x="381300" y="685800"/>
+            <a:off x="381000" y="685800"/>
             <a:ext cx="6096000" cy="3429000"/>
           </a:xfrm>
           <a:custGeom>
-            <a:rect b="b" l="l" r="r" t="t"/>
+            <a:avLst/>
+            <a:gdLst/>
+            <a:ahLst/>
+            <a:cxnLst/>
+            <a:rect l="l" t="t" r="r" b="b"/>
             <a:pathLst>
-              <a:path extrusionOk="0" h="120000" w="120000">
+              <a:path w="120000" h="120000" extrusionOk="0">
                 <a:moveTo>
                   <a:pt x="0" y="0"/>
                 </a:moveTo>
@@ -1054,9 +1116,11 @@
       <p:sp>
         <p:nvSpPr>
           <p:cNvPr id="106" name="Google Shape;106;g15e9eeee84b_1_11:notes"/>
-          <p:cNvSpPr txBox="1"/>
+          <p:cNvSpPr txBox="1">
+            <a:spLocks noGrp="1"/>
+          </p:cNvSpPr>
           <p:nvPr>
-            <p:ph idx="1" type="body"/>
+            <p:ph type="body" idx="1"/>
           </p:nvPr>
         </p:nvSpPr>
         <p:spPr>
@@ -1069,12 +1133,12 @@
           </a:prstGeom>
         </p:spPr>
         <p:txBody>
-          <a:bodyPr anchorCtr="0" anchor="t" bIns="91425" lIns="91425" spcFirstLastPara="1" rIns="91425" wrap="square" tIns="91425">
+          <a:bodyPr spcFirstLastPara="1" wrap="square" lIns="91425" tIns="91425" rIns="91425" bIns="91425" anchor="t" anchorCtr="0">
             <a:noAutofit/>
           </a:bodyPr>
           <a:lstStyle/>
           <a:p>
-            <a:pPr indent="0" lvl="0" marL="0" rtl="0" algn="l">
+            <a:pPr marL="0" lvl="0" indent="0" algn="l" rtl="0">
               <a:spcBef>
                 <a:spcPts val="0"/>
               </a:spcBef>
@@ -1083,9 +1147,6 @@
               </a:spcAft>
               <a:buNone/>
             </a:pPr>
-            <a:r>
-              <a:t/>
-            </a:r>
             <a:endParaRPr/>
           </a:p>
         </p:txBody>
@@ -1099,11 +1160,11 @@
 </file>
 
 <file path=ppt/notesSlides/notesSlide5.xml><?xml version="1.0" encoding="utf-8"?>
-<p:notes xmlns:a="http://schemas.openxmlformats.org/drawingml/2006/main" xmlns:r="http://schemas.openxmlformats.org/officeDocument/2006/relationships" xmlns:mc="http://schemas.openxmlformats.org/markup-compatibility/2006" xmlns:mv="urn:schemas-microsoft-com:mac:vml" xmlns:p="http://schemas.openxmlformats.org/presentationml/2006/main" xmlns:c="http://schemas.openxmlformats.org/drawingml/2006/chart" xmlns:dgm="http://schemas.openxmlformats.org/drawingml/2006/diagram" xmlns:o="urn:schemas-microsoft-com:office:office" xmlns:v="urn:schemas-microsoft-com:vml" xmlns:pvml="urn:schemas-microsoft-com:office:powerpoint" xmlns:com="http://schemas.openxmlformats.org/drawingml/2006/compatibility" xmlns:p14="http://schemas.microsoft.com/office/powerpoint/2010/main" xmlns:p15="http://schemas.microsoft.com/office/powerpoint/2012/main" xmlns:ahyp="http://schemas.microsoft.com/office/drawing/2018/hyperlinkcolor" showMasterPhAnim="0" showMasterSp="0">
+<p:notes xmlns:a="http://schemas.openxmlformats.org/drawingml/2006/main" xmlns:r="http://schemas.openxmlformats.org/officeDocument/2006/relationships" xmlns:p="http://schemas.openxmlformats.org/presentationml/2006/main" showMasterSp="0" showMasterPhAnim="0">
   <p:cSld>
     <p:spTree>
       <p:nvGrpSpPr>
-        <p:cNvPr id="112" name="Shape 112"/>
+        <p:cNvPr id="1" name="Shape 112"/>
         <p:cNvGrpSpPr/>
         <p:nvPr/>
       </p:nvGrpSpPr>
@@ -1118,20 +1179,26 @@
       <p:sp>
         <p:nvSpPr>
           <p:cNvPr id="113" name="Google Shape;113;g15e9eeee84b_1_16:notes"/>
-          <p:cNvSpPr/>
+          <p:cNvSpPr>
+            <a:spLocks noGrp="1" noRot="1" noChangeAspect="1"/>
+          </p:cNvSpPr>
           <p:nvPr>
-            <p:ph idx="2" type="sldImg"/>
+            <p:ph type="sldImg" idx="2"/>
           </p:nvPr>
         </p:nvSpPr>
         <p:spPr>
           <a:xfrm>
-            <a:off x="381300" y="685800"/>
+            <a:off x="381000" y="685800"/>
             <a:ext cx="6096000" cy="3429000"/>
           </a:xfrm>
           <a:custGeom>
-            <a:rect b="b" l="l" r="r" t="t"/>
+            <a:avLst/>
+            <a:gdLst/>
+            <a:ahLst/>
+            <a:cxnLst/>
+            <a:rect l="l" t="t" r="r" b="b"/>
             <a:pathLst>
-              <a:path extrusionOk="0" h="120000" w="120000">
+              <a:path w="120000" h="120000" extrusionOk="0">
                 <a:moveTo>
                   <a:pt x="0" y="0"/>
                 </a:moveTo>
@@ -1153,9 +1220,11 @@
       <p:sp>
         <p:nvSpPr>
           <p:cNvPr id="114" name="Google Shape;114;g15e9eeee84b_1_16:notes"/>
-          <p:cNvSpPr txBox="1"/>
+          <p:cNvSpPr txBox="1">
+            <a:spLocks noGrp="1"/>
+          </p:cNvSpPr>
           <p:nvPr>
-            <p:ph idx="1" type="body"/>
+            <p:ph type="body" idx="1"/>
           </p:nvPr>
         </p:nvSpPr>
         <p:spPr>
@@ -1168,12 +1237,12 @@
           </a:prstGeom>
         </p:spPr>
         <p:txBody>
-          <a:bodyPr anchorCtr="0" anchor="t" bIns="91425" lIns="91425" spcFirstLastPara="1" rIns="91425" wrap="square" tIns="91425">
+          <a:bodyPr spcFirstLastPara="1" wrap="square" lIns="91425" tIns="91425" rIns="91425" bIns="91425" anchor="t" anchorCtr="0">
             <a:noAutofit/>
           </a:bodyPr>
           <a:lstStyle/>
           <a:p>
-            <a:pPr indent="0" lvl="0" marL="0" rtl="0" algn="l">
+            <a:pPr marL="0" lvl="0" indent="0" algn="l" rtl="0">
               <a:spcBef>
                 <a:spcPts val="0"/>
               </a:spcBef>
@@ -1182,9 +1251,6 @@
               </a:spcAft>
               <a:buNone/>
             </a:pPr>
-            <a:r>
-              <a:t/>
-            </a:r>
             <a:endParaRPr/>
           </a:p>
         </p:txBody>
@@ -1198,11 +1264,11 @@
 </file>
 
 <file path=ppt/notesSlides/notesSlide6.xml><?xml version="1.0" encoding="utf-8"?>
-<p:notes xmlns:a="http://schemas.openxmlformats.org/drawingml/2006/main" xmlns:r="http://schemas.openxmlformats.org/officeDocument/2006/relationships" xmlns:mc="http://schemas.openxmlformats.org/markup-compatibility/2006" xmlns:mv="urn:schemas-microsoft-com:mac:vml" xmlns:p="http://schemas.openxmlformats.org/presentationml/2006/main" xmlns:c="http://schemas.openxmlformats.org/drawingml/2006/chart" xmlns:dgm="http://schemas.openxmlformats.org/drawingml/2006/diagram" xmlns:o="urn:schemas-microsoft-com:office:office" xmlns:v="urn:schemas-microsoft-com:vml" xmlns:pvml="urn:schemas-microsoft-com:office:powerpoint" xmlns:com="http://schemas.openxmlformats.org/drawingml/2006/compatibility" xmlns:p14="http://schemas.microsoft.com/office/powerpoint/2010/main" xmlns:p15="http://schemas.microsoft.com/office/powerpoint/2012/main" xmlns:ahyp="http://schemas.microsoft.com/office/drawing/2018/hyperlinkcolor" showMasterPhAnim="0" showMasterSp="0">
+<p:notes xmlns:a="http://schemas.openxmlformats.org/drawingml/2006/main" xmlns:r="http://schemas.openxmlformats.org/officeDocument/2006/relationships" xmlns:p="http://schemas.openxmlformats.org/presentationml/2006/main" showMasterSp="0" showMasterPhAnim="0">
   <p:cSld>
     <p:spTree>
       <p:nvGrpSpPr>
-        <p:cNvPr id="122" name="Shape 122"/>
+        <p:cNvPr id="1" name="Shape 122"/>
         <p:cNvGrpSpPr/>
         <p:nvPr/>
       </p:nvGrpSpPr>
@@ -1217,20 +1283,26 @@
       <p:sp>
         <p:nvSpPr>
           <p:cNvPr id="123" name="Google Shape;123;g15e9eeee84b_1_31:notes"/>
-          <p:cNvSpPr/>
+          <p:cNvSpPr>
+            <a:spLocks noGrp="1" noRot="1" noChangeAspect="1"/>
+          </p:cNvSpPr>
           <p:nvPr>
-            <p:ph idx="2" type="sldImg"/>
+            <p:ph type="sldImg" idx="2"/>
           </p:nvPr>
         </p:nvSpPr>
         <p:spPr>
           <a:xfrm>
-            <a:off x="381300" y="685800"/>
+            <a:off x="381000" y="685800"/>
             <a:ext cx="6096000" cy="3429000"/>
           </a:xfrm>
           <a:custGeom>
-            <a:rect b="b" l="l" r="r" t="t"/>
+            <a:avLst/>
+            <a:gdLst/>
+            <a:ahLst/>
+            <a:cxnLst/>
+            <a:rect l="l" t="t" r="r" b="b"/>
             <a:pathLst>
-              <a:path extrusionOk="0" h="120000" w="120000">
+              <a:path w="120000" h="120000" extrusionOk="0">
                 <a:moveTo>
                   <a:pt x="0" y="0"/>
                 </a:moveTo>
@@ -1252,9 +1324,11 @@
       <p:sp>
         <p:nvSpPr>
           <p:cNvPr id="124" name="Google Shape;124;g15e9eeee84b_1_31:notes"/>
-          <p:cNvSpPr txBox="1"/>
+          <p:cNvSpPr txBox="1">
+            <a:spLocks noGrp="1"/>
+          </p:cNvSpPr>
           <p:nvPr>
-            <p:ph idx="1" type="body"/>
+            <p:ph type="body" idx="1"/>
           </p:nvPr>
         </p:nvSpPr>
         <p:spPr>
@@ -1267,12 +1341,12 @@
           </a:prstGeom>
         </p:spPr>
         <p:txBody>
-          <a:bodyPr anchorCtr="0" anchor="t" bIns="91425" lIns="91425" spcFirstLastPara="1" rIns="91425" wrap="square" tIns="91425">
+          <a:bodyPr spcFirstLastPara="1" wrap="square" lIns="91425" tIns="91425" rIns="91425" bIns="91425" anchor="t" anchorCtr="0">
             <a:noAutofit/>
           </a:bodyPr>
           <a:lstStyle/>
           <a:p>
-            <a:pPr indent="0" lvl="0" marL="0" rtl="0" algn="l">
+            <a:pPr marL="0" lvl="0" indent="0" algn="l" rtl="0">
               <a:spcBef>
                 <a:spcPts val="0"/>
               </a:spcBef>
@@ -1281,9 +1355,6 @@
               </a:spcAft>
               <a:buNone/>
             </a:pPr>
-            <a:r>
-              <a:t/>
-            </a:r>
             <a:endParaRPr/>
           </a:p>
         </p:txBody>
@@ -1297,11 +1368,11 @@
 </file>
 
 <file path=ppt/notesSlides/notesSlide7.xml><?xml version="1.0" encoding="utf-8"?>
-<p:notes xmlns:a="http://schemas.openxmlformats.org/drawingml/2006/main" xmlns:r="http://schemas.openxmlformats.org/officeDocument/2006/relationships" xmlns:mc="http://schemas.openxmlformats.org/markup-compatibility/2006" xmlns:mv="urn:schemas-microsoft-com:mac:vml" xmlns:p="http://schemas.openxmlformats.org/presentationml/2006/main" xmlns:c="http://schemas.openxmlformats.org/drawingml/2006/chart" xmlns:dgm="http://schemas.openxmlformats.org/drawingml/2006/diagram" xmlns:o="urn:schemas-microsoft-com:office:office" xmlns:v="urn:schemas-microsoft-com:vml" xmlns:pvml="urn:schemas-microsoft-com:office:powerpoint" xmlns:com="http://schemas.openxmlformats.org/drawingml/2006/compatibility" xmlns:p14="http://schemas.microsoft.com/office/powerpoint/2010/main" xmlns:p15="http://schemas.microsoft.com/office/powerpoint/2012/main" xmlns:ahyp="http://schemas.microsoft.com/office/drawing/2018/hyperlinkcolor" showMasterPhAnim="0" showMasterSp="0">
+<p:notes xmlns:a="http://schemas.openxmlformats.org/drawingml/2006/main" xmlns:r="http://schemas.openxmlformats.org/officeDocument/2006/relationships" xmlns:p="http://schemas.openxmlformats.org/presentationml/2006/main" showMasterSp="0" showMasterPhAnim="0">
   <p:cSld>
     <p:spTree>
       <p:nvGrpSpPr>
-        <p:cNvPr id="130" name="Shape 130"/>
+        <p:cNvPr id="1" name="Shape 130"/>
         <p:cNvGrpSpPr/>
         <p:nvPr/>
       </p:nvGrpSpPr>
@@ -1316,9 +1387,11 @@
       <p:sp>
         <p:nvSpPr>
           <p:cNvPr id="131" name="Google Shape;131;g15e9eeee84b_1_21:notes"/>
-          <p:cNvSpPr/>
+          <p:cNvSpPr>
+            <a:spLocks noGrp="1" noRot="1" noChangeAspect="1"/>
+          </p:cNvSpPr>
           <p:nvPr>
-            <p:ph idx="2" type="sldImg"/>
+            <p:ph type="sldImg" idx="2"/>
           </p:nvPr>
         </p:nvSpPr>
         <p:spPr>
@@ -1327,9 +1400,13 @@
             <a:ext cx="6096000" cy="3429000"/>
           </a:xfrm>
           <a:custGeom>
-            <a:rect b="b" l="l" r="r" t="t"/>
+            <a:avLst/>
+            <a:gdLst/>
+            <a:ahLst/>
+            <a:cxnLst/>
+            <a:rect l="l" t="t" r="r" b="b"/>
             <a:pathLst>
-              <a:path extrusionOk="0" h="120000" w="120000">
+              <a:path w="120000" h="120000" extrusionOk="0">
                 <a:moveTo>
                   <a:pt x="0" y="0"/>
                 </a:moveTo>
@@ -1351,9 +1428,11 @@
       <p:sp>
         <p:nvSpPr>
           <p:cNvPr id="132" name="Google Shape;132;g15e9eeee84b_1_21:notes"/>
-          <p:cNvSpPr txBox="1"/>
+          <p:cNvSpPr txBox="1">
+            <a:spLocks noGrp="1"/>
+          </p:cNvSpPr>
           <p:nvPr>
-            <p:ph idx="1" type="body"/>
+            <p:ph type="body" idx="1"/>
           </p:nvPr>
         </p:nvSpPr>
         <p:spPr>
@@ -1366,12 +1445,12 @@
           </a:prstGeom>
         </p:spPr>
         <p:txBody>
-          <a:bodyPr anchorCtr="0" anchor="t" bIns="91425" lIns="91425" spcFirstLastPara="1" rIns="91425" wrap="square" tIns="91425">
+          <a:bodyPr spcFirstLastPara="1" wrap="square" lIns="91425" tIns="91425" rIns="91425" bIns="91425" anchor="t" anchorCtr="0">
             <a:noAutofit/>
           </a:bodyPr>
           <a:lstStyle/>
           <a:p>
-            <a:pPr indent="0" lvl="0" marL="0" rtl="0" algn="l">
+            <a:pPr marL="0" lvl="0" indent="0" algn="l" rtl="0">
               <a:spcBef>
                 <a:spcPts val="0"/>
               </a:spcBef>
@@ -1380,9 +1459,6 @@
               </a:spcAft>
               <a:buNone/>
             </a:pPr>
-            <a:r>
-              <a:t/>
-            </a:r>
             <a:endParaRPr/>
           </a:p>
         </p:txBody>
@@ -1396,11 +1472,11 @@
 </file>
 
 <file path=ppt/notesSlides/notesSlide8.xml><?xml version="1.0" encoding="utf-8"?>
-<p:notes xmlns:a="http://schemas.openxmlformats.org/drawingml/2006/main" xmlns:r="http://schemas.openxmlformats.org/officeDocument/2006/relationships" xmlns:mc="http://schemas.openxmlformats.org/markup-compatibility/2006" xmlns:mv="urn:schemas-microsoft-com:mac:vml" xmlns:p="http://schemas.openxmlformats.org/presentationml/2006/main" xmlns:c="http://schemas.openxmlformats.org/drawingml/2006/chart" xmlns:dgm="http://schemas.openxmlformats.org/drawingml/2006/diagram" xmlns:o="urn:schemas-microsoft-com:office:office" xmlns:v="urn:schemas-microsoft-com:vml" xmlns:pvml="urn:schemas-microsoft-com:office:powerpoint" xmlns:com="http://schemas.openxmlformats.org/drawingml/2006/compatibility" xmlns:p14="http://schemas.microsoft.com/office/powerpoint/2010/main" xmlns:p15="http://schemas.microsoft.com/office/powerpoint/2012/main" xmlns:ahyp="http://schemas.microsoft.com/office/drawing/2018/hyperlinkcolor" showMasterPhAnim="0" showMasterSp="0">
+<p:notes xmlns:a="http://schemas.openxmlformats.org/drawingml/2006/main" xmlns:r="http://schemas.openxmlformats.org/officeDocument/2006/relationships" xmlns:p="http://schemas.openxmlformats.org/presentationml/2006/main" showMasterSp="0" showMasterPhAnim="0">
   <p:cSld>
     <p:spTree>
       <p:nvGrpSpPr>
-        <p:cNvPr id="136" name="Shape 136"/>
+        <p:cNvPr id="1" name="Shape 136"/>
         <p:cNvGrpSpPr/>
         <p:nvPr/>
       </p:nvGrpSpPr>
@@ -1415,20 +1491,26 @@
       <p:sp>
         <p:nvSpPr>
           <p:cNvPr id="137" name="Google Shape;137;g15e9eeee84b_1_26:notes"/>
-          <p:cNvSpPr/>
+          <p:cNvSpPr>
+            <a:spLocks noGrp="1" noRot="1" noChangeAspect="1"/>
+          </p:cNvSpPr>
           <p:nvPr>
-            <p:ph idx="2" type="sldImg"/>
+            <p:ph type="sldImg" idx="2"/>
           </p:nvPr>
         </p:nvSpPr>
         <p:spPr>
           <a:xfrm>
-            <a:off x="381300" y="685800"/>
+            <a:off x="381000" y="685800"/>
             <a:ext cx="6096000" cy="3429000"/>
           </a:xfrm>
           <a:custGeom>
-            <a:rect b="b" l="l" r="r" t="t"/>
+            <a:avLst/>
+            <a:gdLst/>
+            <a:ahLst/>
+            <a:cxnLst/>
+            <a:rect l="l" t="t" r="r" b="b"/>
             <a:pathLst>
-              <a:path extrusionOk="0" h="120000" w="120000">
+              <a:path w="120000" h="120000" extrusionOk="0">
                 <a:moveTo>
                   <a:pt x="0" y="0"/>
                 </a:moveTo>
@@ -1450,9 +1532,11 @@
       <p:sp>
         <p:nvSpPr>
           <p:cNvPr id="138" name="Google Shape;138;g15e9eeee84b_1_26:notes"/>
-          <p:cNvSpPr txBox="1"/>
+          <p:cNvSpPr txBox="1">
+            <a:spLocks noGrp="1"/>
+          </p:cNvSpPr>
           <p:nvPr>
-            <p:ph idx="1" type="body"/>
+            <p:ph type="body" idx="1"/>
           </p:nvPr>
         </p:nvSpPr>
         <p:spPr>
@@ -1465,12 +1549,12 @@
           </a:prstGeom>
         </p:spPr>
         <p:txBody>
-          <a:bodyPr anchorCtr="0" anchor="t" bIns="91425" lIns="91425" spcFirstLastPara="1" rIns="91425" wrap="square" tIns="91425">
+          <a:bodyPr spcFirstLastPara="1" wrap="square" lIns="91425" tIns="91425" rIns="91425" bIns="91425" anchor="t" anchorCtr="0">
             <a:noAutofit/>
           </a:bodyPr>
           <a:lstStyle/>
           <a:p>
-            <a:pPr indent="0" lvl="0" marL="0" rtl="0" algn="l">
+            <a:pPr marL="0" lvl="0" indent="0" algn="l" rtl="0">
               <a:spcBef>
                 <a:spcPts val="0"/>
               </a:spcBef>
@@ -1479,9 +1563,6 @@
               </a:spcAft>
               <a:buNone/>
             </a:pPr>
-            <a:r>
-              <a:t/>
-            </a:r>
             <a:endParaRPr/>
           </a:p>
         </p:txBody>
@@ -1495,18 +1576,19 @@
 </file>
 
 <file path=ppt/slideLayouts/slideLayout1.xml><?xml version="1.0" encoding="utf-8"?>
-<p:sldLayout xmlns:a="http://schemas.openxmlformats.org/drawingml/2006/main" xmlns:r="http://schemas.openxmlformats.org/officeDocument/2006/relationships" xmlns:mc="http://schemas.openxmlformats.org/markup-compatibility/2006" xmlns:mv="urn:schemas-microsoft-com:mac:vml" xmlns:p="http://schemas.openxmlformats.org/presentationml/2006/main" xmlns:c="http://schemas.openxmlformats.org/drawingml/2006/chart" xmlns:dgm="http://schemas.openxmlformats.org/drawingml/2006/diagram" xmlns:o="urn:schemas-microsoft-com:office:office" xmlns:v="urn:schemas-microsoft-com:vml" xmlns:pvml="urn:schemas-microsoft-com:office:powerpoint" xmlns:com="http://schemas.openxmlformats.org/drawingml/2006/compatibility" xmlns:p14="http://schemas.microsoft.com/office/powerpoint/2010/main" xmlns:p15="http://schemas.microsoft.com/office/powerpoint/2012/main" xmlns:ahyp="http://schemas.microsoft.com/office/drawing/2018/hyperlinkcolor" matchingName="Title slide" type="title">
+<p:sldLayout xmlns:a="http://schemas.openxmlformats.org/drawingml/2006/main" xmlns:r="http://schemas.openxmlformats.org/officeDocument/2006/relationships" xmlns:p="http://schemas.openxmlformats.org/presentationml/2006/main" matchingName="Title slide" type="title">
   <p:cSld name="TITLE">
     <p:bg>
       <p:bgPr>
         <a:solidFill>
           <a:schemeClr val="dk1"/>
         </a:solidFill>
+        <a:effectLst/>
       </p:bgPr>
     </p:bg>
     <p:spTree>
       <p:nvGrpSpPr>
-        <p:cNvPr id="9" name="Shape 9"/>
+        <p:cNvPr id="1" name="Shape 9"/>
         <p:cNvGrpSpPr/>
         <p:nvPr/>
       </p:nvGrpSpPr>
@@ -1554,12 +1636,12 @@
             </a:ln>
           </p:spPr>
           <p:txBody>
-            <a:bodyPr anchorCtr="0" anchor="ctr" bIns="91425" lIns="91425" spcFirstLastPara="1" rIns="91425" wrap="square" tIns="91425">
+            <a:bodyPr spcFirstLastPara="1" wrap="square" lIns="91425" tIns="91425" rIns="91425" bIns="91425" anchor="ctr" anchorCtr="0">
               <a:noAutofit/>
             </a:bodyPr>
             <a:lstStyle/>
             <a:p>
-              <a:pPr indent="0" lvl="0" marL="0" rtl="0" algn="l">
+              <a:pPr marL="0" lvl="0" indent="0" algn="l" rtl="0">
                 <a:spcBef>
                   <a:spcPts val="0"/>
                 </a:spcBef>
@@ -1568,9 +1650,6 @@
                 </a:spcAft>
                 <a:buNone/>
               </a:pPr>
-              <a:r>
-                <a:t/>
-              </a:r>
               <a:endParaRPr/>
             </a:p>
           </p:txBody>
@@ -1597,12 +1676,12 @@
             </a:ln>
           </p:spPr>
           <p:txBody>
-            <a:bodyPr anchorCtr="0" anchor="ctr" bIns="91425" lIns="91425" spcFirstLastPara="1" rIns="91425" wrap="square" tIns="91425">
+            <a:bodyPr spcFirstLastPara="1" wrap="square" lIns="91425" tIns="91425" rIns="91425" bIns="91425" anchor="ctr" anchorCtr="0">
               <a:noAutofit/>
             </a:bodyPr>
             <a:lstStyle/>
             <a:p>
-              <a:pPr indent="0" lvl="0" marL="0" rtl="0" algn="l">
+              <a:pPr marL="0" lvl="0" indent="0" algn="l" rtl="0">
                 <a:spcBef>
                   <a:spcPts val="0"/>
                 </a:spcBef>
@@ -1611,9 +1690,6 @@
                 </a:spcAft>
                 <a:buNone/>
               </a:pPr>
-              <a:r>
-                <a:t/>
-              </a:r>
               <a:endParaRPr/>
             </a:p>
           </p:txBody>
@@ -1625,7 +1701,7 @@
             <p:nvPr/>
           </p:nvSpPr>
           <p:spPr>
-            <a:xfrm flipH="1" rot="10800000">
+            <a:xfrm rot="10800000" flipH="1">
               <a:off x="7113588" y="107"/>
               <a:ext cx="1015200" cy="1015200"/>
             </a:xfrm>
@@ -1640,12 +1716,12 @@
             </a:ln>
           </p:spPr>
           <p:txBody>
-            <a:bodyPr anchorCtr="0" anchor="ctr" bIns="91425" lIns="91425" spcFirstLastPara="1" rIns="91425" wrap="square" tIns="91425">
+            <a:bodyPr spcFirstLastPara="1" wrap="square" lIns="91425" tIns="91425" rIns="91425" bIns="91425" anchor="ctr" anchorCtr="0">
               <a:noAutofit/>
             </a:bodyPr>
             <a:lstStyle/>
             <a:p>
-              <a:pPr indent="0" lvl="0" marL="0" rtl="0" algn="l">
+              <a:pPr marL="0" lvl="0" indent="0" algn="l" rtl="0">
                 <a:spcBef>
                   <a:spcPts val="0"/>
                 </a:spcBef>
@@ -1654,9 +1730,6 @@
                 </a:spcAft>
                 <a:buNone/>
               </a:pPr>
-              <a:r>
-                <a:t/>
-              </a:r>
               <a:endParaRPr/>
             </a:p>
           </p:txBody>
@@ -1683,12 +1756,12 @@
             </a:ln>
           </p:spPr>
           <p:txBody>
-            <a:bodyPr anchorCtr="0" anchor="ctr" bIns="91425" lIns="91425" spcFirstLastPara="1" rIns="91425" wrap="square" tIns="91425">
+            <a:bodyPr spcFirstLastPara="1" wrap="square" lIns="91425" tIns="91425" rIns="91425" bIns="91425" anchor="ctr" anchorCtr="0">
               <a:noAutofit/>
             </a:bodyPr>
             <a:lstStyle/>
             <a:p>
-              <a:pPr indent="0" lvl="0" marL="0" rtl="0" algn="l">
+              <a:pPr marL="0" lvl="0" indent="0" algn="l" rtl="0">
                 <a:spcBef>
                   <a:spcPts val="0"/>
                 </a:spcBef>
@@ -1697,9 +1770,6 @@
                 </a:spcAft>
                 <a:buNone/>
               </a:pPr>
-              <a:r>
-                <a:t/>
-              </a:r>
               <a:endParaRPr/>
             </a:p>
           </p:txBody>
@@ -1726,12 +1796,12 @@
             </a:ln>
           </p:spPr>
           <p:txBody>
-            <a:bodyPr anchorCtr="0" anchor="ctr" bIns="91425" lIns="91425" spcFirstLastPara="1" rIns="91425" wrap="square" tIns="91425">
+            <a:bodyPr spcFirstLastPara="1" wrap="square" lIns="91425" tIns="91425" rIns="91425" bIns="91425" anchor="ctr" anchorCtr="0">
               <a:noAutofit/>
             </a:bodyPr>
             <a:lstStyle/>
             <a:p>
-              <a:pPr indent="0" lvl="0" marL="0" rtl="0" algn="l">
+              <a:pPr marL="0" lvl="0" indent="0" algn="l" rtl="0">
                 <a:spcBef>
                   <a:spcPts val="0"/>
                 </a:spcBef>
@@ -1740,9 +1810,6 @@
                 </a:spcAft>
                 <a:buNone/>
               </a:pPr>
-              <a:r>
-                <a:t/>
-              </a:r>
               <a:endParaRPr/>
             </a:p>
           </p:txBody>
@@ -1751,7 +1818,9 @@
       <p:sp>
         <p:nvSpPr>
           <p:cNvPr id="16" name="Google Shape;16;p2"/>
-          <p:cNvSpPr txBox="1"/>
+          <p:cNvSpPr txBox="1">
+            <a:spLocks noGrp="1"/>
+          </p:cNvSpPr>
           <p:nvPr>
             <p:ph type="ctrTitle"/>
           </p:nvPr>
@@ -1766,7 +1835,7 @@
           </a:prstGeom>
         </p:spPr>
         <p:txBody>
-          <a:bodyPr anchorCtr="0" anchor="b" bIns="91425" lIns="91425" spcFirstLastPara="1" rIns="91425" wrap="square" tIns="91425">
+          <a:bodyPr spcFirstLastPara="1" wrap="square" lIns="91425" tIns="91425" rIns="91425" bIns="91425" anchor="b" anchorCtr="0">
             <a:normAutofit/>
           </a:bodyPr>
           <a:lstStyle>
@@ -1933,15 +2002,19 @@
               </a:defRPr>
             </a:lvl9pPr>
           </a:lstStyle>
-          <a:p/>
+          <a:p>
+            <a:endParaRPr/>
+          </a:p>
         </p:txBody>
       </p:sp>
       <p:sp>
         <p:nvSpPr>
           <p:cNvPr id="17" name="Google Shape;17;p2"/>
-          <p:cNvSpPr txBox="1"/>
+          <p:cNvSpPr txBox="1">
+            <a:spLocks noGrp="1"/>
+          </p:cNvSpPr>
           <p:nvPr>
-            <p:ph idx="1" type="subTitle"/>
+            <p:ph type="subTitle" idx="1"/>
           </p:nvPr>
         </p:nvSpPr>
         <p:spPr>
@@ -1954,7 +2027,7 @@
           </a:prstGeom>
         </p:spPr>
         <p:txBody>
-          <a:bodyPr anchorCtr="0" anchor="t" bIns="91425" lIns="91425" spcFirstLastPara="1" rIns="91425" wrap="square" tIns="91425">
+          <a:bodyPr spcFirstLastPara="1" wrap="square" lIns="91425" tIns="91425" rIns="91425" bIns="91425" anchor="t" anchorCtr="0">
             <a:normAutofit/>
           </a:bodyPr>
           <a:lstStyle>
@@ -2148,15 +2221,19 @@
               </a:defRPr>
             </a:lvl9pPr>
           </a:lstStyle>
-          <a:p/>
+          <a:p>
+            <a:endParaRPr/>
+          </a:p>
         </p:txBody>
       </p:sp>
       <p:sp>
         <p:nvSpPr>
           <p:cNvPr id="18" name="Google Shape;18;p2"/>
-          <p:cNvSpPr txBox="1"/>
+          <p:cNvSpPr txBox="1">
+            <a:spLocks noGrp="1"/>
+          </p:cNvSpPr>
           <p:nvPr>
-            <p:ph idx="12" type="sldNum"/>
+            <p:ph type="sldNum" idx="12"/>
           </p:nvPr>
         </p:nvSpPr>
         <p:spPr>
@@ -2169,7 +2246,7 @@
           </a:prstGeom>
         </p:spPr>
         <p:txBody>
-          <a:bodyPr anchorCtr="0" anchor="ctr" bIns="91425" lIns="91425" spcFirstLastPara="1" rIns="91425" wrap="square" tIns="91425">
+          <a:bodyPr spcFirstLastPara="1" wrap="square" lIns="91425" tIns="91425" rIns="91425" bIns="91425" anchor="ctr" anchorCtr="0">
             <a:normAutofit/>
           </a:bodyPr>
           <a:lstStyle>
@@ -2211,7 +2288,7 @@
             </a:lvl9pPr>
           </a:lstStyle>
           <a:p>
-            <a:pPr indent="0" lvl="0" marL="0" rtl="0" algn="r">
+            <a:pPr marL="0" lvl="0" indent="0" algn="r" rtl="0">
               <a:spcBef>
                 <a:spcPts val="0"/>
               </a:spcBef>
@@ -2237,18 +2314,19 @@
 </file>
 
 <file path=ppt/slideLayouts/slideLayout10.xml><?xml version="1.0" encoding="utf-8"?>
-<p:sldLayout xmlns:a="http://schemas.openxmlformats.org/drawingml/2006/main" xmlns:r="http://schemas.openxmlformats.org/officeDocument/2006/relationships" xmlns:mc="http://schemas.openxmlformats.org/markup-compatibility/2006" xmlns:mv="urn:schemas-microsoft-com:mac:vml" xmlns:p="http://schemas.openxmlformats.org/presentationml/2006/main" xmlns:c="http://schemas.openxmlformats.org/drawingml/2006/chart" xmlns:dgm="http://schemas.openxmlformats.org/drawingml/2006/diagram" xmlns:o="urn:schemas-microsoft-com:office:office" xmlns:v="urn:schemas-microsoft-com:vml" xmlns:pvml="urn:schemas-microsoft-com:office:powerpoint" xmlns:com="http://schemas.openxmlformats.org/drawingml/2006/compatibility" xmlns:p14="http://schemas.microsoft.com/office/powerpoint/2010/main" xmlns:p15="http://schemas.microsoft.com/office/powerpoint/2012/main" xmlns:ahyp="http://schemas.microsoft.com/office/drawing/2018/hyperlinkcolor" matchingName="Big number">
+<p:sldLayout xmlns:a="http://schemas.openxmlformats.org/drawingml/2006/main" xmlns:r="http://schemas.openxmlformats.org/officeDocument/2006/relationships" xmlns:p="http://schemas.openxmlformats.org/presentationml/2006/main" matchingName="Big number">
   <p:cSld name="BIG_NUMBER">
     <p:bg>
       <p:bgPr>
         <a:solidFill>
           <a:schemeClr val="dk1"/>
         </a:solidFill>
+        <a:effectLst/>
       </p:bgPr>
     </p:bg>
     <p:spTree>
       <p:nvGrpSpPr>
-        <p:cNvPr id="69" name="Shape 69"/>
+        <p:cNvPr id="1" name="Shape 69"/>
         <p:cNvGrpSpPr/>
         <p:nvPr/>
       </p:nvGrpSpPr>
@@ -2296,12 +2374,12 @@
             </a:ln>
           </p:spPr>
           <p:txBody>
-            <a:bodyPr anchorCtr="0" anchor="ctr" bIns="91425" lIns="91425" spcFirstLastPara="1" rIns="91425" wrap="square" tIns="91425">
+            <a:bodyPr spcFirstLastPara="1" wrap="square" lIns="91425" tIns="91425" rIns="91425" bIns="91425" anchor="ctr" anchorCtr="0">
               <a:noAutofit/>
             </a:bodyPr>
             <a:lstStyle/>
             <a:p>
-              <a:pPr indent="0" lvl="0" marL="0" rtl="0" algn="l">
+              <a:pPr marL="0" lvl="0" indent="0" algn="l" rtl="0">
                 <a:spcBef>
                   <a:spcPts val="0"/>
                 </a:spcBef>
@@ -2310,9 +2388,6 @@
                 </a:spcAft>
                 <a:buNone/>
               </a:pPr>
-              <a:r>
-                <a:t/>
-              </a:r>
               <a:endParaRPr/>
             </a:p>
           </p:txBody>
@@ -2339,12 +2414,12 @@
             </a:ln>
           </p:spPr>
           <p:txBody>
-            <a:bodyPr anchorCtr="0" anchor="ctr" bIns="91425" lIns="91425" spcFirstLastPara="1" rIns="91425" wrap="square" tIns="91425">
+            <a:bodyPr spcFirstLastPara="1" wrap="square" lIns="91425" tIns="91425" rIns="91425" bIns="91425" anchor="ctr" anchorCtr="0">
               <a:noAutofit/>
             </a:bodyPr>
             <a:lstStyle/>
             <a:p>
-              <a:pPr indent="0" lvl="0" marL="0" rtl="0" algn="l">
+              <a:pPr marL="0" lvl="0" indent="0" algn="l" rtl="0">
                 <a:spcBef>
                   <a:spcPts val="0"/>
                 </a:spcBef>
@@ -2353,9 +2428,6 @@
                 </a:spcAft>
                 <a:buNone/>
               </a:pPr>
-              <a:r>
-                <a:t/>
-              </a:r>
               <a:endParaRPr/>
             </a:p>
           </p:txBody>
@@ -2367,7 +2439,7 @@
             <p:nvPr/>
           </p:nvSpPr>
           <p:spPr>
-            <a:xfrm flipH="1" rot="10800000">
+            <a:xfrm rot="10800000" flipH="1">
               <a:off x="7113588" y="107"/>
               <a:ext cx="1015200" cy="1015200"/>
             </a:xfrm>
@@ -2382,12 +2454,12 @@
             </a:ln>
           </p:spPr>
           <p:txBody>
-            <a:bodyPr anchorCtr="0" anchor="ctr" bIns="91425" lIns="91425" spcFirstLastPara="1" rIns="91425" wrap="square" tIns="91425">
+            <a:bodyPr spcFirstLastPara="1" wrap="square" lIns="91425" tIns="91425" rIns="91425" bIns="91425" anchor="ctr" anchorCtr="0">
               <a:noAutofit/>
             </a:bodyPr>
             <a:lstStyle/>
             <a:p>
-              <a:pPr indent="0" lvl="0" marL="0" rtl="0" algn="l">
+              <a:pPr marL="0" lvl="0" indent="0" algn="l" rtl="0">
                 <a:spcBef>
                   <a:spcPts val="0"/>
                 </a:spcBef>
@@ -2396,9 +2468,6 @@
                 </a:spcAft>
                 <a:buNone/>
               </a:pPr>
-              <a:r>
-                <a:t/>
-              </a:r>
               <a:endParaRPr/>
             </a:p>
           </p:txBody>
@@ -2425,12 +2494,12 @@
             </a:ln>
           </p:spPr>
           <p:txBody>
-            <a:bodyPr anchorCtr="0" anchor="ctr" bIns="91425" lIns="91425" spcFirstLastPara="1" rIns="91425" wrap="square" tIns="91425">
+            <a:bodyPr spcFirstLastPara="1" wrap="square" lIns="91425" tIns="91425" rIns="91425" bIns="91425" anchor="ctr" anchorCtr="0">
               <a:noAutofit/>
             </a:bodyPr>
             <a:lstStyle/>
             <a:p>
-              <a:pPr indent="0" lvl="0" marL="0" rtl="0" algn="l">
+              <a:pPr marL="0" lvl="0" indent="0" algn="l" rtl="0">
                 <a:spcBef>
                   <a:spcPts val="0"/>
                 </a:spcBef>
@@ -2439,9 +2508,6 @@
                 </a:spcAft>
                 <a:buNone/>
               </a:pPr>
-              <a:r>
-                <a:t/>
-              </a:r>
               <a:endParaRPr/>
             </a:p>
           </p:txBody>
@@ -2468,12 +2534,12 @@
             </a:ln>
           </p:spPr>
           <p:txBody>
-            <a:bodyPr anchorCtr="0" anchor="ctr" bIns="91425" lIns="91425" spcFirstLastPara="1" rIns="91425" wrap="square" tIns="91425">
+            <a:bodyPr spcFirstLastPara="1" wrap="square" lIns="91425" tIns="91425" rIns="91425" bIns="91425" anchor="ctr" anchorCtr="0">
               <a:noAutofit/>
             </a:bodyPr>
             <a:lstStyle/>
             <a:p>
-              <a:pPr indent="0" lvl="0" marL="0" rtl="0" algn="l">
+              <a:pPr marL="0" lvl="0" indent="0" algn="l" rtl="0">
                 <a:spcBef>
                   <a:spcPts val="0"/>
                 </a:spcBef>
@@ -2482,9 +2548,6 @@
                 </a:spcAft>
                 <a:buNone/>
               </a:pPr>
-              <a:r>
-                <a:t/>
-              </a:r>
               <a:endParaRPr/>
             </a:p>
           </p:txBody>
@@ -2493,9 +2556,11 @@
       <p:sp>
         <p:nvSpPr>
           <p:cNvPr id="76" name="Google Shape;76;p11"/>
-          <p:cNvSpPr txBox="1"/>
+          <p:cNvSpPr txBox="1">
+            <a:spLocks noGrp="1"/>
+          </p:cNvSpPr>
           <p:nvPr>
-            <p:ph hasCustomPrompt="1" type="title"/>
+            <p:ph type="title" hasCustomPrompt="1"/>
           </p:nvPr>
         </p:nvSpPr>
         <p:spPr>
@@ -2508,7 +2573,7 @@
           </a:prstGeom>
         </p:spPr>
         <p:txBody>
-          <a:bodyPr anchorCtr="0" anchor="b" bIns="91425" lIns="91425" spcFirstLastPara="1" rIns="91425" wrap="square" tIns="91425">
+          <a:bodyPr spcFirstLastPara="1" wrap="square" lIns="91425" tIns="91425" rIns="91425" bIns="91425" anchor="b" anchorCtr="0">
             <a:normAutofit/>
           </a:bodyPr>
           <a:lstStyle>
@@ -2685,9 +2750,11 @@
       <p:sp>
         <p:nvSpPr>
           <p:cNvPr id="77" name="Google Shape;77;p11"/>
-          <p:cNvSpPr txBox="1"/>
+          <p:cNvSpPr txBox="1">
+            <a:spLocks noGrp="1"/>
+          </p:cNvSpPr>
           <p:nvPr>
-            <p:ph idx="1" type="body"/>
+            <p:ph type="body" idx="1"/>
           </p:nvPr>
         </p:nvSpPr>
         <p:spPr>
@@ -2700,11 +2767,11 @@
           </a:prstGeom>
         </p:spPr>
         <p:txBody>
-          <a:bodyPr anchorCtr="0" anchor="t" bIns="91425" lIns="91425" spcFirstLastPara="1" rIns="91425" wrap="square" tIns="91425">
+          <a:bodyPr spcFirstLastPara="1" wrap="square" lIns="91425" tIns="91425" rIns="91425" bIns="91425" anchor="t" anchorCtr="0">
             <a:normAutofit/>
           </a:bodyPr>
           <a:lstStyle>
-            <a:lvl1pPr indent="-342900" lvl="0" marL="457200" algn="ctr">
+            <a:lvl1pPr marL="457200" lvl="0" indent="-342900" algn="ctr">
               <a:spcBef>
                 <a:spcPts val="0"/>
               </a:spcBef>
@@ -2722,7 +2789,7 @@
                 </a:solidFill>
               </a:defRPr>
             </a:lvl1pPr>
-            <a:lvl2pPr indent="-317500" lvl="1" marL="914400" algn="ctr">
+            <a:lvl2pPr marL="914400" lvl="1" indent="-317500" algn="ctr">
               <a:spcBef>
                 <a:spcPts val="0"/>
               </a:spcBef>
@@ -2740,7 +2807,7 @@
                 </a:solidFill>
               </a:defRPr>
             </a:lvl2pPr>
-            <a:lvl3pPr indent="-317500" lvl="2" marL="1371600" algn="ctr">
+            <a:lvl3pPr marL="1371600" lvl="2" indent="-317500" algn="ctr">
               <a:spcBef>
                 <a:spcPts val="0"/>
               </a:spcBef>
@@ -2758,7 +2825,7 @@
                 </a:solidFill>
               </a:defRPr>
             </a:lvl3pPr>
-            <a:lvl4pPr indent="-317500" lvl="3" marL="1828800" algn="ctr">
+            <a:lvl4pPr marL="1828800" lvl="3" indent="-317500" algn="ctr">
               <a:spcBef>
                 <a:spcPts val="0"/>
               </a:spcBef>
@@ -2776,7 +2843,7 @@
                 </a:solidFill>
               </a:defRPr>
             </a:lvl4pPr>
-            <a:lvl5pPr indent="-317500" lvl="4" marL="2286000" algn="ctr">
+            <a:lvl5pPr marL="2286000" lvl="4" indent="-317500" algn="ctr">
               <a:spcBef>
                 <a:spcPts val="0"/>
               </a:spcBef>
@@ -2794,7 +2861,7 @@
                 </a:solidFill>
               </a:defRPr>
             </a:lvl5pPr>
-            <a:lvl6pPr indent="-317500" lvl="5" marL="2743200" algn="ctr">
+            <a:lvl6pPr marL="2743200" lvl="5" indent="-317500" algn="ctr">
               <a:spcBef>
                 <a:spcPts val="0"/>
               </a:spcBef>
@@ -2812,7 +2879,7 @@
                 </a:solidFill>
               </a:defRPr>
             </a:lvl6pPr>
-            <a:lvl7pPr indent="-317500" lvl="6" marL="3200400" algn="ctr">
+            <a:lvl7pPr marL="3200400" lvl="6" indent="-317500" algn="ctr">
               <a:spcBef>
                 <a:spcPts val="0"/>
               </a:spcBef>
@@ -2830,7 +2897,7 @@
                 </a:solidFill>
               </a:defRPr>
             </a:lvl7pPr>
-            <a:lvl8pPr indent="-317500" lvl="7" marL="3657600" algn="ctr">
+            <a:lvl8pPr marL="3657600" lvl="7" indent="-317500" algn="ctr">
               <a:spcBef>
                 <a:spcPts val="0"/>
               </a:spcBef>
@@ -2848,7 +2915,7 @@
                 </a:solidFill>
               </a:defRPr>
             </a:lvl8pPr>
-            <a:lvl9pPr indent="-317500" lvl="8" marL="4114800" algn="ctr">
+            <a:lvl9pPr marL="4114800" lvl="8" indent="-317500" algn="ctr">
               <a:spcBef>
                 <a:spcPts val="0"/>
               </a:spcBef>
@@ -2867,15 +2934,19 @@
               </a:defRPr>
             </a:lvl9pPr>
           </a:lstStyle>
-          <a:p/>
+          <a:p>
+            <a:endParaRPr/>
+          </a:p>
         </p:txBody>
       </p:sp>
       <p:sp>
         <p:nvSpPr>
           <p:cNvPr id="78" name="Google Shape;78;p11"/>
-          <p:cNvSpPr txBox="1"/>
+          <p:cNvSpPr txBox="1">
+            <a:spLocks noGrp="1"/>
+          </p:cNvSpPr>
           <p:nvPr>
-            <p:ph idx="12" type="sldNum"/>
+            <p:ph type="sldNum" idx="12"/>
           </p:nvPr>
         </p:nvSpPr>
         <p:spPr>
@@ -2888,7 +2959,7 @@
           </a:prstGeom>
         </p:spPr>
         <p:txBody>
-          <a:bodyPr anchorCtr="0" anchor="ctr" bIns="91425" lIns="91425" spcFirstLastPara="1" rIns="91425" wrap="square" tIns="91425">
+          <a:bodyPr spcFirstLastPara="1" wrap="square" lIns="91425" tIns="91425" rIns="91425" bIns="91425" anchor="ctr" anchorCtr="0">
             <a:normAutofit/>
           </a:bodyPr>
           <a:lstStyle>
@@ -2930,7 +3001,7 @@
             </a:lvl9pPr>
           </a:lstStyle>
           <a:p>
-            <a:pPr indent="0" lvl="0" marL="0" rtl="0" algn="r">
+            <a:pPr marL="0" lvl="0" indent="0" algn="r" rtl="0">
               <a:spcBef>
                 <a:spcPts val="0"/>
               </a:spcBef>
@@ -2956,11 +3027,11 @@
 </file>
 
 <file path=ppt/slideLayouts/slideLayout11.xml><?xml version="1.0" encoding="utf-8"?>
-<p:sldLayout xmlns:a="http://schemas.openxmlformats.org/drawingml/2006/main" xmlns:r="http://schemas.openxmlformats.org/officeDocument/2006/relationships" xmlns:mc="http://schemas.openxmlformats.org/markup-compatibility/2006" xmlns:mv="urn:schemas-microsoft-com:mac:vml" xmlns:p="http://schemas.openxmlformats.org/presentationml/2006/main" xmlns:c="http://schemas.openxmlformats.org/drawingml/2006/chart" xmlns:dgm="http://schemas.openxmlformats.org/drawingml/2006/diagram" xmlns:o="urn:schemas-microsoft-com:office:office" xmlns:v="urn:schemas-microsoft-com:vml" xmlns:pvml="urn:schemas-microsoft-com:office:powerpoint" xmlns:com="http://schemas.openxmlformats.org/drawingml/2006/compatibility" xmlns:p14="http://schemas.microsoft.com/office/powerpoint/2010/main" xmlns:p15="http://schemas.microsoft.com/office/powerpoint/2012/main" xmlns:ahyp="http://schemas.microsoft.com/office/drawing/2018/hyperlinkcolor" matchingName="Blank" type="blank">
+<p:sldLayout xmlns:a="http://schemas.openxmlformats.org/drawingml/2006/main" xmlns:r="http://schemas.openxmlformats.org/officeDocument/2006/relationships" xmlns:p="http://schemas.openxmlformats.org/presentationml/2006/main" matchingName="Blank" type="blank">
   <p:cSld name="BLANK">
     <p:spTree>
       <p:nvGrpSpPr>
-        <p:cNvPr id="79" name="Shape 79"/>
+        <p:cNvPr id="1" name="Shape 79"/>
         <p:cNvGrpSpPr/>
         <p:nvPr/>
       </p:nvGrpSpPr>
@@ -2975,9 +3046,11 @@
       <p:sp>
         <p:nvSpPr>
           <p:cNvPr id="80" name="Google Shape;80;p12"/>
-          <p:cNvSpPr txBox="1"/>
+          <p:cNvSpPr txBox="1">
+            <a:spLocks noGrp="1"/>
+          </p:cNvSpPr>
           <p:nvPr>
-            <p:ph idx="12" type="sldNum"/>
+            <p:ph type="sldNum" idx="12"/>
           </p:nvPr>
         </p:nvSpPr>
         <p:spPr>
@@ -2990,7 +3063,7 @@
           </a:prstGeom>
         </p:spPr>
         <p:txBody>
-          <a:bodyPr anchorCtr="0" anchor="ctr" bIns="91425" lIns="91425" spcFirstLastPara="1" rIns="91425" wrap="square" tIns="91425">
+          <a:bodyPr spcFirstLastPara="1" wrap="square" lIns="91425" tIns="91425" rIns="91425" bIns="91425" anchor="ctr" anchorCtr="0">
             <a:normAutofit/>
           </a:bodyPr>
           <a:lstStyle>
@@ -3068,7 +3141,7 @@
             </a:lvl9pPr>
           </a:lstStyle>
           <a:p>
-            <a:pPr indent="0" lvl="0" marL="0" rtl="0" algn="r">
+            <a:pPr marL="0" lvl="0" indent="0" algn="r" rtl="0">
               <a:spcBef>
                 <a:spcPts val="0"/>
               </a:spcBef>
@@ -3094,18 +3167,19 @@
 </file>
 
 <file path=ppt/slideLayouts/slideLayout2.xml><?xml version="1.0" encoding="utf-8"?>
-<p:sldLayout xmlns:a="http://schemas.openxmlformats.org/drawingml/2006/main" xmlns:r="http://schemas.openxmlformats.org/officeDocument/2006/relationships" xmlns:mc="http://schemas.openxmlformats.org/markup-compatibility/2006" xmlns:mv="urn:schemas-microsoft-com:mac:vml" xmlns:p="http://schemas.openxmlformats.org/presentationml/2006/main" xmlns:c="http://schemas.openxmlformats.org/drawingml/2006/chart" xmlns:dgm="http://schemas.openxmlformats.org/drawingml/2006/diagram" xmlns:o="urn:schemas-microsoft-com:office:office" xmlns:v="urn:schemas-microsoft-com:vml" xmlns:pvml="urn:schemas-microsoft-com:office:powerpoint" xmlns:com="http://schemas.openxmlformats.org/drawingml/2006/compatibility" xmlns:p14="http://schemas.microsoft.com/office/powerpoint/2010/main" xmlns:p15="http://schemas.microsoft.com/office/powerpoint/2012/main" xmlns:ahyp="http://schemas.microsoft.com/office/drawing/2018/hyperlinkcolor" matchingName="Section header" type="secHead">
+<p:sldLayout xmlns:a="http://schemas.openxmlformats.org/drawingml/2006/main" xmlns:r="http://schemas.openxmlformats.org/officeDocument/2006/relationships" xmlns:p="http://schemas.openxmlformats.org/presentationml/2006/main" matchingName="Section header" type="secHead">
   <p:cSld name="SECTION_HEADER">
     <p:bg>
       <p:bgPr>
         <a:solidFill>
           <a:schemeClr val="dk1"/>
         </a:solidFill>
+        <a:effectLst/>
       </p:bgPr>
     </p:bg>
     <p:spTree>
       <p:nvGrpSpPr>
-        <p:cNvPr id="19" name="Shape 19"/>
+        <p:cNvPr id="1" name="Shape 19"/>
         <p:cNvGrpSpPr/>
         <p:nvPr/>
       </p:nvGrpSpPr>
@@ -3153,12 +3227,12 @@
             </a:ln>
           </p:spPr>
           <p:txBody>
-            <a:bodyPr anchorCtr="0" anchor="ctr" bIns="91425" lIns="91425" spcFirstLastPara="1" rIns="91425" wrap="square" tIns="91425">
+            <a:bodyPr spcFirstLastPara="1" wrap="square" lIns="91425" tIns="91425" rIns="91425" bIns="91425" anchor="ctr" anchorCtr="0">
               <a:noAutofit/>
             </a:bodyPr>
             <a:lstStyle/>
             <a:p>
-              <a:pPr indent="0" lvl="0" marL="0" rtl="0" algn="l">
+              <a:pPr marL="0" lvl="0" indent="0" algn="l" rtl="0">
                 <a:spcBef>
                   <a:spcPts val="0"/>
                 </a:spcBef>
@@ -3167,9 +3241,6 @@
                 </a:spcAft>
                 <a:buNone/>
               </a:pPr>
-              <a:r>
-                <a:t/>
-              </a:r>
               <a:endParaRPr/>
             </a:p>
           </p:txBody>
@@ -3196,12 +3267,12 @@
             </a:ln>
           </p:spPr>
           <p:txBody>
-            <a:bodyPr anchorCtr="0" anchor="ctr" bIns="91425" lIns="91425" spcFirstLastPara="1" rIns="91425" wrap="square" tIns="91425">
+            <a:bodyPr spcFirstLastPara="1" wrap="square" lIns="91425" tIns="91425" rIns="91425" bIns="91425" anchor="ctr" anchorCtr="0">
               <a:noAutofit/>
             </a:bodyPr>
             <a:lstStyle/>
             <a:p>
-              <a:pPr indent="0" lvl="0" marL="0" rtl="0" algn="l">
+              <a:pPr marL="0" lvl="0" indent="0" algn="l" rtl="0">
                 <a:spcBef>
                   <a:spcPts val="0"/>
                 </a:spcBef>
@@ -3210,9 +3281,6 @@
                 </a:spcAft>
                 <a:buNone/>
               </a:pPr>
-              <a:r>
-                <a:t/>
-              </a:r>
               <a:endParaRPr/>
             </a:p>
           </p:txBody>
@@ -3224,7 +3292,7 @@
             <p:nvPr/>
           </p:nvSpPr>
           <p:spPr>
-            <a:xfrm flipH="1" rot="10800000">
+            <a:xfrm rot="10800000" flipH="1">
               <a:off x="7113588" y="107"/>
               <a:ext cx="1015200" cy="1015200"/>
             </a:xfrm>
@@ -3239,12 +3307,12 @@
             </a:ln>
           </p:spPr>
           <p:txBody>
-            <a:bodyPr anchorCtr="0" anchor="ctr" bIns="91425" lIns="91425" spcFirstLastPara="1" rIns="91425" wrap="square" tIns="91425">
+            <a:bodyPr spcFirstLastPara="1" wrap="square" lIns="91425" tIns="91425" rIns="91425" bIns="91425" anchor="ctr" anchorCtr="0">
               <a:noAutofit/>
             </a:bodyPr>
             <a:lstStyle/>
             <a:p>
-              <a:pPr indent="0" lvl="0" marL="0" rtl="0" algn="l">
+              <a:pPr marL="0" lvl="0" indent="0" algn="l" rtl="0">
                 <a:spcBef>
                   <a:spcPts val="0"/>
                 </a:spcBef>
@@ -3253,9 +3321,6 @@
                 </a:spcAft>
                 <a:buNone/>
               </a:pPr>
-              <a:r>
-                <a:t/>
-              </a:r>
               <a:endParaRPr/>
             </a:p>
           </p:txBody>
@@ -3282,12 +3347,12 @@
             </a:ln>
           </p:spPr>
           <p:txBody>
-            <a:bodyPr anchorCtr="0" anchor="ctr" bIns="91425" lIns="91425" spcFirstLastPara="1" rIns="91425" wrap="square" tIns="91425">
+            <a:bodyPr spcFirstLastPara="1" wrap="square" lIns="91425" tIns="91425" rIns="91425" bIns="91425" anchor="ctr" anchorCtr="0">
               <a:noAutofit/>
             </a:bodyPr>
             <a:lstStyle/>
             <a:p>
-              <a:pPr indent="0" lvl="0" marL="0" rtl="0" algn="l">
+              <a:pPr marL="0" lvl="0" indent="0" algn="l" rtl="0">
                 <a:spcBef>
                   <a:spcPts val="0"/>
                 </a:spcBef>
@@ -3296,9 +3361,6 @@
                 </a:spcAft>
                 <a:buNone/>
               </a:pPr>
-              <a:r>
-                <a:t/>
-              </a:r>
               <a:endParaRPr/>
             </a:p>
           </p:txBody>
@@ -3325,12 +3387,12 @@
             </a:ln>
           </p:spPr>
           <p:txBody>
-            <a:bodyPr anchorCtr="0" anchor="ctr" bIns="91425" lIns="91425" spcFirstLastPara="1" rIns="91425" wrap="square" tIns="91425">
+            <a:bodyPr spcFirstLastPara="1" wrap="square" lIns="91425" tIns="91425" rIns="91425" bIns="91425" anchor="ctr" anchorCtr="0">
               <a:noAutofit/>
             </a:bodyPr>
             <a:lstStyle/>
             <a:p>
-              <a:pPr indent="0" lvl="0" marL="0" rtl="0" algn="l">
+              <a:pPr marL="0" lvl="0" indent="0" algn="l" rtl="0">
                 <a:spcBef>
                   <a:spcPts val="0"/>
                 </a:spcBef>
@@ -3339,9 +3401,6 @@
                 </a:spcAft>
                 <a:buNone/>
               </a:pPr>
-              <a:r>
-                <a:t/>
-              </a:r>
               <a:endParaRPr/>
             </a:p>
           </p:txBody>
@@ -3350,7 +3409,9 @@
       <p:sp>
         <p:nvSpPr>
           <p:cNvPr id="26" name="Google Shape;26;p3"/>
-          <p:cNvSpPr txBox="1"/>
+          <p:cNvSpPr txBox="1">
+            <a:spLocks noGrp="1"/>
+          </p:cNvSpPr>
           <p:nvPr>
             <p:ph type="title"/>
           </p:nvPr>
@@ -3365,7 +3426,7 @@
           </a:prstGeom>
         </p:spPr>
         <p:txBody>
-          <a:bodyPr anchorCtr="0" anchor="ctr" bIns="91425" lIns="91425" spcFirstLastPara="1" rIns="91425" wrap="square" tIns="91425">
+          <a:bodyPr spcFirstLastPara="1" wrap="square" lIns="91425" tIns="91425" rIns="91425" bIns="91425" anchor="ctr" anchorCtr="0">
             <a:normAutofit/>
           </a:bodyPr>
           <a:lstStyle>
@@ -3532,15 +3593,19 @@
               </a:defRPr>
             </a:lvl9pPr>
           </a:lstStyle>
-          <a:p/>
+          <a:p>
+            <a:endParaRPr/>
+          </a:p>
         </p:txBody>
       </p:sp>
       <p:sp>
         <p:nvSpPr>
           <p:cNvPr id="27" name="Google Shape;27;p3"/>
-          <p:cNvSpPr txBox="1"/>
+          <p:cNvSpPr txBox="1">
+            <a:spLocks noGrp="1"/>
+          </p:cNvSpPr>
           <p:nvPr>
-            <p:ph idx="12" type="sldNum"/>
+            <p:ph type="sldNum" idx="12"/>
           </p:nvPr>
         </p:nvSpPr>
         <p:spPr>
@@ -3553,7 +3618,7 @@
           </a:prstGeom>
         </p:spPr>
         <p:txBody>
-          <a:bodyPr anchorCtr="0" anchor="ctr" bIns="91425" lIns="91425" spcFirstLastPara="1" rIns="91425" wrap="square" tIns="91425">
+          <a:bodyPr spcFirstLastPara="1" wrap="square" lIns="91425" tIns="91425" rIns="91425" bIns="91425" anchor="ctr" anchorCtr="0">
             <a:normAutofit/>
           </a:bodyPr>
           <a:lstStyle>
@@ -3595,7 +3660,7 @@
             </a:lvl9pPr>
           </a:lstStyle>
           <a:p>
-            <a:pPr indent="0" lvl="0" marL="0" rtl="0" algn="r">
+            <a:pPr marL="0" lvl="0" indent="0" algn="r" rtl="0">
               <a:spcBef>
                 <a:spcPts val="0"/>
               </a:spcBef>
@@ -3621,11 +3686,11 @@
 </file>
 
 <file path=ppt/slideLayouts/slideLayout3.xml><?xml version="1.0" encoding="utf-8"?>
-<p:sldLayout xmlns:a="http://schemas.openxmlformats.org/drawingml/2006/main" xmlns:r="http://schemas.openxmlformats.org/officeDocument/2006/relationships" xmlns:mc="http://schemas.openxmlformats.org/markup-compatibility/2006" xmlns:mv="urn:schemas-microsoft-com:mac:vml" xmlns:p="http://schemas.openxmlformats.org/presentationml/2006/main" xmlns:c="http://schemas.openxmlformats.org/drawingml/2006/chart" xmlns:dgm="http://schemas.openxmlformats.org/drawingml/2006/diagram" xmlns:o="urn:schemas-microsoft-com:office:office" xmlns:v="urn:schemas-microsoft-com:vml" xmlns:pvml="urn:schemas-microsoft-com:office:powerpoint" xmlns:com="http://schemas.openxmlformats.org/drawingml/2006/compatibility" xmlns:p14="http://schemas.microsoft.com/office/powerpoint/2010/main" xmlns:p15="http://schemas.microsoft.com/office/powerpoint/2012/main" xmlns:ahyp="http://schemas.microsoft.com/office/drawing/2018/hyperlinkcolor" matchingName="Title and body" type="tx">
+<p:sldLayout xmlns:a="http://schemas.openxmlformats.org/drawingml/2006/main" xmlns:r="http://schemas.openxmlformats.org/officeDocument/2006/relationships" xmlns:p="http://schemas.openxmlformats.org/presentationml/2006/main" matchingName="Title and body" type="tx">
   <p:cSld name="TITLE_AND_BODY">
     <p:spTree>
       <p:nvGrpSpPr>
-        <p:cNvPr id="28" name="Shape 28"/>
+        <p:cNvPr id="1" name="Shape 28"/>
         <p:cNvGrpSpPr/>
         <p:nvPr/>
       </p:nvGrpSpPr>
@@ -3673,12 +3738,12 @@
             </a:ln>
           </p:spPr>
           <p:txBody>
-            <a:bodyPr anchorCtr="0" anchor="ctr" bIns="91425" lIns="91425" spcFirstLastPara="1" rIns="91425" wrap="square" tIns="91425">
+            <a:bodyPr spcFirstLastPara="1" wrap="square" lIns="91425" tIns="91425" rIns="91425" bIns="91425" anchor="ctr" anchorCtr="0">
               <a:noAutofit/>
             </a:bodyPr>
             <a:lstStyle/>
             <a:p>
-              <a:pPr indent="0" lvl="0" marL="0" rtl="0" algn="l">
+              <a:pPr marL="0" lvl="0" indent="0" algn="l" rtl="0">
                 <a:spcBef>
                   <a:spcPts val="0"/>
                 </a:spcBef>
@@ -3687,9 +3752,6 @@
                 </a:spcAft>
                 <a:buNone/>
               </a:pPr>
-              <a:r>
-                <a:t/>
-              </a:r>
               <a:endParaRPr/>
             </a:p>
           </p:txBody>
@@ -3716,12 +3778,12 @@
             </a:ln>
           </p:spPr>
           <p:txBody>
-            <a:bodyPr anchorCtr="0" anchor="ctr" bIns="91425" lIns="91425" spcFirstLastPara="1" rIns="91425" wrap="square" tIns="91425">
+            <a:bodyPr spcFirstLastPara="1" wrap="square" lIns="91425" tIns="91425" rIns="91425" bIns="91425" anchor="ctr" anchorCtr="0">
               <a:noAutofit/>
             </a:bodyPr>
             <a:lstStyle/>
             <a:p>
-              <a:pPr indent="0" lvl="0" marL="0" rtl="0" algn="l">
+              <a:pPr marL="0" lvl="0" indent="0" algn="l" rtl="0">
                 <a:spcBef>
                   <a:spcPts val="0"/>
                 </a:spcBef>
@@ -3730,9 +3792,6 @@
                 </a:spcAft>
                 <a:buNone/>
               </a:pPr>
-              <a:r>
-                <a:t/>
-              </a:r>
               <a:endParaRPr/>
             </a:p>
           </p:txBody>
@@ -3759,12 +3818,12 @@
             </a:ln>
           </p:spPr>
           <p:txBody>
-            <a:bodyPr anchorCtr="0" anchor="ctr" bIns="91425" lIns="91425" spcFirstLastPara="1" rIns="91425" wrap="square" tIns="91425">
+            <a:bodyPr spcFirstLastPara="1" wrap="square" lIns="91425" tIns="91425" rIns="91425" bIns="91425" anchor="ctr" anchorCtr="0">
               <a:noAutofit/>
             </a:bodyPr>
             <a:lstStyle/>
             <a:p>
-              <a:pPr indent="0" lvl="0" marL="0" rtl="0" algn="l">
+              <a:pPr marL="0" lvl="0" indent="0" algn="l" rtl="0">
                 <a:spcBef>
                   <a:spcPts val="0"/>
                 </a:spcBef>
@@ -3773,9 +3832,6 @@
                 </a:spcAft>
                 <a:buNone/>
               </a:pPr>
-              <a:r>
-                <a:t/>
-              </a:r>
               <a:endParaRPr/>
             </a:p>
           </p:txBody>
@@ -3802,12 +3858,12 @@
             </a:ln>
           </p:spPr>
           <p:txBody>
-            <a:bodyPr anchorCtr="0" anchor="ctr" bIns="91425" lIns="91425" spcFirstLastPara="1" rIns="91425" wrap="square" tIns="91425">
+            <a:bodyPr spcFirstLastPara="1" wrap="square" lIns="91425" tIns="91425" rIns="91425" bIns="91425" anchor="ctr" anchorCtr="0">
               <a:noAutofit/>
             </a:bodyPr>
             <a:lstStyle/>
             <a:p>
-              <a:pPr indent="0" lvl="0" marL="0" rtl="0" algn="l">
+              <a:pPr marL="0" lvl="0" indent="0" algn="l" rtl="0">
                 <a:spcBef>
                   <a:spcPts val="0"/>
                 </a:spcBef>
@@ -3816,9 +3872,6 @@
                 </a:spcAft>
                 <a:buNone/>
               </a:pPr>
-              <a:r>
-                <a:t/>
-              </a:r>
               <a:endParaRPr/>
             </a:p>
           </p:txBody>
@@ -3845,12 +3898,12 @@
             </a:ln>
           </p:spPr>
           <p:txBody>
-            <a:bodyPr anchorCtr="0" anchor="ctr" bIns="91425" lIns="91425" spcFirstLastPara="1" rIns="91425" wrap="square" tIns="91425">
+            <a:bodyPr spcFirstLastPara="1" wrap="square" lIns="91425" tIns="91425" rIns="91425" bIns="91425" anchor="ctr" anchorCtr="0">
               <a:noAutofit/>
             </a:bodyPr>
             <a:lstStyle/>
             <a:p>
-              <a:pPr indent="0" lvl="0" marL="0" rtl="0" algn="l">
+              <a:pPr marL="0" lvl="0" indent="0" algn="l" rtl="0">
                 <a:spcBef>
                   <a:spcPts val="0"/>
                 </a:spcBef>
@@ -3859,9 +3912,6 @@
                 </a:spcAft>
                 <a:buNone/>
               </a:pPr>
-              <a:r>
-                <a:t/>
-              </a:r>
               <a:endParaRPr/>
             </a:p>
           </p:txBody>
@@ -3870,7 +3920,9 @@
       <p:sp>
         <p:nvSpPr>
           <p:cNvPr id="35" name="Google Shape;35;p4"/>
-          <p:cNvSpPr txBox="1"/>
+          <p:cNvSpPr txBox="1">
+            <a:spLocks noGrp="1"/>
+          </p:cNvSpPr>
           <p:nvPr>
             <p:ph type="title"/>
           </p:nvPr>
@@ -3885,7 +3937,7 @@
           </a:prstGeom>
         </p:spPr>
         <p:txBody>
-          <a:bodyPr anchorCtr="0" anchor="t" bIns="91425" lIns="91425" spcFirstLastPara="1" rIns="91425" wrap="square" tIns="91425">
+          <a:bodyPr spcFirstLastPara="1" wrap="square" lIns="91425" tIns="91425" rIns="91425" bIns="91425" anchor="t" anchorCtr="0">
             <a:normAutofit/>
           </a:bodyPr>
           <a:lstStyle>
@@ -3989,15 +4041,19 @@
               <a:defRPr/>
             </a:lvl9pPr>
           </a:lstStyle>
-          <a:p/>
+          <a:p>
+            <a:endParaRPr/>
+          </a:p>
         </p:txBody>
       </p:sp>
       <p:sp>
         <p:nvSpPr>
           <p:cNvPr id="36" name="Google Shape;36;p4"/>
-          <p:cNvSpPr txBox="1"/>
+          <p:cNvSpPr txBox="1">
+            <a:spLocks noGrp="1"/>
+          </p:cNvSpPr>
           <p:nvPr>
-            <p:ph idx="1" type="body"/>
+            <p:ph type="body" idx="1"/>
           </p:nvPr>
         </p:nvSpPr>
         <p:spPr>
@@ -4010,11 +4066,11 @@
           </a:prstGeom>
         </p:spPr>
         <p:txBody>
-          <a:bodyPr anchorCtr="0" anchor="t" bIns="91425" lIns="91425" spcFirstLastPara="1" rIns="91425" wrap="square" tIns="91425">
+          <a:bodyPr spcFirstLastPara="1" wrap="square" lIns="91425" tIns="91425" rIns="91425" bIns="91425" anchor="t" anchorCtr="0">
             <a:normAutofit/>
           </a:bodyPr>
           <a:lstStyle>
-            <a:lvl1pPr indent="-342900" lvl="0" marL="457200">
+            <a:lvl1pPr marL="457200" lvl="0" indent="-342900">
               <a:spcBef>
                 <a:spcPts val="0"/>
               </a:spcBef>
@@ -4025,7 +4081,7 @@
               <a:buChar char="●"/>
               <a:defRPr/>
             </a:lvl1pPr>
-            <a:lvl2pPr indent="-317500" lvl="1" marL="914400">
+            <a:lvl2pPr marL="914400" lvl="1" indent="-317500">
               <a:spcBef>
                 <a:spcPts val="0"/>
               </a:spcBef>
@@ -4036,7 +4092,7 @@
               <a:buChar char="○"/>
               <a:defRPr/>
             </a:lvl2pPr>
-            <a:lvl3pPr indent="-317500" lvl="2" marL="1371600">
+            <a:lvl3pPr marL="1371600" lvl="2" indent="-317500">
               <a:spcBef>
                 <a:spcPts val="0"/>
               </a:spcBef>
@@ -4047,7 +4103,7 @@
               <a:buChar char="■"/>
               <a:defRPr/>
             </a:lvl3pPr>
-            <a:lvl4pPr indent="-317500" lvl="3" marL="1828800">
+            <a:lvl4pPr marL="1828800" lvl="3" indent="-317500">
               <a:spcBef>
                 <a:spcPts val="0"/>
               </a:spcBef>
@@ -4058,7 +4114,7 @@
               <a:buChar char="●"/>
               <a:defRPr/>
             </a:lvl4pPr>
-            <a:lvl5pPr indent="-317500" lvl="4" marL="2286000">
+            <a:lvl5pPr marL="2286000" lvl="4" indent="-317500">
               <a:spcBef>
                 <a:spcPts val="0"/>
               </a:spcBef>
@@ -4069,7 +4125,7 @@
               <a:buChar char="○"/>
               <a:defRPr/>
             </a:lvl5pPr>
-            <a:lvl6pPr indent="-317500" lvl="5" marL="2743200">
+            <a:lvl6pPr marL="2743200" lvl="5" indent="-317500">
               <a:spcBef>
                 <a:spcPts val="0"/>
               </a:spcBef>
@@ -4080,7 +4136,7 @@
               <a:buChar char="■"/>
               <a:defRPr/>
             </a:lvl6pPr>
-            <a:lvl7pPr indent="-317500" lvl="6" marL="3200400">
+            <a:lvl7pPr marL="3200400" lvl="6" indent="-317500">
               <a:spcBef>
                 <a:spcPts val="0"/>
               </a:spcBef>
@@ -4091,7 +4147,7 @@
               <a:buChar char="●"/>
               <a:defRPr/>
             </a:lvl7pPr>
-            <a:lvl8pPr indent="-317500" lvl="7" marL="3657600">
+            <a:lvl8pPr marL="3657600" lvl="7" indent="-317500">
               <a:spcBef>
                 <a:spcPts val="0"/>
               </a:spcBef>
@@ -4102,7 +4158,7 @@
               <a:buChar char="○"/>
               <a:defRPr/>
             </a:lvl8pPr>
-            <a:lvl9pPr indent="-317500" lvl="8" marL="4114800">
+            <a:lvl9pPr marL="4114800" lvl="8" indent="-317500">
               <a:spcBef>
                 <a:spcPts val="0"/>
               </a:spcBef>
@@ -4114,15 +4170,19 @@
               <a:defRPr/>
             </a:lvl9pPr>
           </a:lstStyle>
-          <a:p/>
+          <a:p>
+            <a:endParaRPr/>
+          </a:p>
         </p:txBody>
       </p:sp>
       <p:sp>
         <p:nvSpPr>
           <p:cNvPr id="37" name="Google Shape;37;p4"/>
-          <p:cNvSpPr txBox="1"/>
+          <p:cNvSpPr txBox="1">
+            <a:spLocks noGrp="1"/>
+          </p:cNvSpPr>
           <p:nvPr>
-            <p:ph idx="12" type="sldNum"/>
+            <p:ph type="sldNum" idx="12"/>
           </p:nvPr>
         </p:nvSpPr>
         <p:spPr>
@@ -4135,7 +4195,7 @@
           </a:prstGeom>
         </p:spPr>
         <p:txBody>
-          <a:bodyPr anchorCtr="0" anchor="ctr" bIns="91425" lIns="91425" spcFirstLastPara="1" rIns="91425" wrap="square" tIns="91425">
+          <a:bodyPr spcFirstLastPara="1" wrap="square" lIns="91425" tIns="91425" rIns="91425" bIns="91425" anchor="ctr" anchorCtr="0">
             <a:normAutofit/>
           </a:bodyPr>
           <a:lstStyle>
@@ -4177,7 +4237,7 @@
             </a:lvl9pPr>
           </a:lstStyle>
           <a:p>
-            <a:pPr indent="0" lvl="0" marL="0" rtl="0" algn="r">
+            <a:pPr marL="0" lvl="0" indent="0" algn="r" rtl="0">
               <a:spcBef>
                 <a:spcPts val="0"/>
               </a:spcBef>
@@ -4203,11 +4263,11 @@
 </file>
 
 <file path=ppt/slideLayouts/slideLayout4.xml><?xml version="1.0" encoding="utf-8"?>
-<p:sldLayout xmlns:a="http://schemas.openxmlformats.org/drawingml/2006/main" xmlns:r="http://schemas.openxmlformats.org/officeDocument/2006/relationships" xmlns:mc="http://schemas.openxmlformats.org/markup-compatibility/2006" xmlns:mv="urn:schemas-microsoft-com:mac:vml" xmlns:p="http://schemas.openxmlformats.org/presentationml/2006/main" xmlns:c="http://schemas.openxmlformats.org/drawingml/2006/chart" xmlns:dgm="http://schemas.openxmlformats.org/drawingml/2006/diagram" xmlns:o="urn:schemas-microsoft-com:office:office" xmlns:v="urn:schemas-microsoft-com:vml" xmlns:pvml="urn:schemas-microsoft-com:office:powerpoint" xmlns:com="http://schemas.openxmlformats.org/drawingml/2006/compatibility" xmlns:p14="http://schemas.microsoft.com/office/powerpoint/2010/main" xmlns:p15="http://schemas.microsoft.com/office/powerpoint/2012/main" xmlns:ahyp="http://schemas.microsoft.com/office/drawing/2018/hyperlinkcolor" matchingName="Title and two columns" type="twoColTx">
+<p:sldLayout xmlns:a="http://schemas.openxmlformats.org/drawingml/2006/main" xmlns:r="http://schemas.openxmlformats.org/officeDocument/2006/relationships" xmlns:p="http://schemas.openxmlformats.org/presentationml/2006/main" matchingName="Title and two columns" type="twoColTx">
   <p:cSld name="TITLE_AND_TWO_COLUMNS">
     <p:spTree>
       <p:nvGrpSpPr>
-        <p:cNvPr id="38" name="Shape 38"/>
+        <p:cNvPr id="1" name="Shape 38"/>
         <p:cNvGrpSpPr/>
         <p:nvPr/>
       </p:nvGrpSpPr>
@@ -4222,7 +4282,9 @@
       <p:sp>
         <p:nvSpPr>
           <p:cNvPr id="39" name="Google Shape;39;p5"/>
-          <p:cNvSpPr txBox="1"/>
+          <p:cNvSpPr txBox="1">
+            <a:spLocks noGrp="1"/>
+          </p:cNvSpPr>
           <p:nvPr>
             <p:ph type="title"/>
           </p:nvPr>
@@ -4237,7 +4299,7 @@
           </a:prstGeom>
         </p:spPr>
         <p:txBody>
-          <a:bodyPr anchorCtr="0" anchor="t" bIns="91425" lIns="91425" spcFirstLastPara="1" rIns="91425" wrap="square" tIns="91425">
+          <a:bodyPr spcFirstLastPara="1" wrap="square" lIns="91425" tIns="91425" rIns="91425" bIns="91425" anchor="t" anchorCtr="0">
             <a:normAutofit/>
           </a:bodyPr>
           <a:lstStyle>
@@ -4341,15 +4403,19 @@
               <a:defRPr/>
             </a:lvl9pPr>
           </a:lstStyle>
-          <a:p/>
+          <a:p>
+            <a:endParaRPr/>
+          </a:p>
         </p:txBody>
       </p:sp>
       <p:sp>
         <p:nvSpPr>
           <p:cNvPr id="40" name="Google Shape;40;p5"/>
-          <p:cNvSpPr txBox="1"/>
+          <p:cNvSpPr txBox="1">
+            <a:spLocks noGrp="1"/>
+          </p:cNvSpPr>
           <p:nvPr>
-            <p:ph idx="1" type="body"/>
+            <p:ph type="body" idx="1"/>
           </p:nvPr>
         </p:nvSpPr>
         <p:spPr>
@@ -4362,11 +4428,11 @@
           </a:prstGeom>
         </p:spPr>
         <p:txBody>
-          <a:bodyPr anchorCtr="0" anchor="t" bIns="91425" lIns="91425" spcFirstLastPara="1" rIns="91425" wrap="square" tIns="91425">
+          <a:bodyPr spcFirstLastPara="1" wrap="square" lIns="91425" tIns="91425" rIns="91425" bIns="91425" anchor="t" anchorCtr="0">
             <a:normAutofit/>
           </a:bodyPr>
           <a:lstStyle>
-            <a:lvl1pPr indent="-317500" lvl="0" marL="457200">
+            <a:lvl1pPr marL="457200" lvl="0" indent="-317500">
               <a:spcBef>
                 <a:spcPts val="0"/>
               </a:spcBef>
@@ -4377,7 +4443,7 @@
               <a:buChar char="●"/>
               <a:defRPr sz="1400"/>
             </a:lvl1pPr>
-            <a:lvl2pPr indent="-304800" lvl="1" marL="914400">
+            <a:lvl2pPr marL="914400" lvl="1" indent="-304800">
               <a:spcBef>
                 <a:spcPts val="0"/>
               </a:spcBef>
@@ -4388,7 +4454,7 @@
               <a:buChar char="○"/>
               <a:defRPr sz="1200"/>
             </a:lvl2pPr>
-            <a:lvl3pPr indent="-304800" lvl="2" marL="1371600">
+            <a:lvl3pPr marL="1371600" lvl="2" indent="-304800">
               <a:spcBef>
                 <a:spcPts val="0"/>
               </a:spcBef>
@@ -4399,7 +4465,7 @@
               <a:buChar char="■"/>
               <a:defRPr sz="1200"/>
             </a:lvl3pPr>
-            <a:lvl4pPr indent="-304800" lvl="3" marL="1828800">
+            <a:lvl4pPr marL="1828800" lvl="3" indent="-304800">
               <a:spcBef>
                 <a:spcPts val="0"/>
               </a:spcBef>
@@ -4410,7 +4476,7 @@
               <a:buChar char="●"/>
               <a:defRPr sz="1200"/>
             </a:lvl4pPr>
-            <a:lvl5pPr indent="-304800" lvl="4" marL="2286000">
+            <a:lvl5pPr marL="2286000" lvl="4" indent="-304800">
               <a:spcBef>
                 <a:spcPts val="0"/>
               </a:spcBef>
@@ -4421,7 +4487,7 @@
               <a:buChar char="○"/>
               <a:defRPr sz="1200"/>
             </a:lvl5pPr>
-            <a:lvl6pPr indent="-304800" lvl="5" marL="2743200">
+            <a:lvl6pPr marL="2743200" lvl="5" indent="-304800">
               <a:spcBef>
                 <a:spcPts val="0"/>
               </a:spcBef>
@@ -4432,7 +4498,7 @@
               <a:buChar char="■"/>
               <a:defRPr sz="1200"/>
             </a:lvl6pPr>
-            <a:lvl7pPr indent="-304800" lvl="6" marL="3200400">
+            <a:lvl7pPr marL="3200400" lvl="6" indent="-304800">
               <a:spcBef>
                 <a:spcPts val="0"/>
               </a:spcBef>
@@ -4443,7 +4509,7 @@
               <a:buChar char="●"/>
               <a:defRPr sz="1200"/>
             </a:lvl7pPr>
-            <a:lvl8pPr indent="-304800" lvl="7" marL="3657600">
+            <a:lvl8pPr marL="3657600" lvl="7" indent="-304800">
               <a:spcBef>
                 <a:spcPts val="0"/>
               </a:spcBef>
@@ -4454,7 +4520,7 @@
               <a:buChar char="○"/>
               <a:defRPr sz="1200"/>
             </a:lvl8pPr>
-            <a:lvl9pPr indent="-304800" lvl="8" marL="4114800">
+            <a:lvl9pPr marL="4114800" lvl="8" indent="-304800">
               <a:spcBef>
                 <a:spcPts val="0"/>
               </a:spcBef>
@@ -4466,15 +4532,19 @@
               <a:defRPr sz="1200"/>
             </a:lvl9pPr>
           </a:lstStyle>
-          <a:p/>
+          <a:p>
+            <a:endParaRPr/>
+          </a:p>
         </p:txBody>
       </p:sp>
       <p:sp>
         <p:nvSpPr>
           <p:cNvPr id="41" name="Google Shape;41;p5"/>
-          <p:cNvSpPr txBox="1"/>
+          <p:cNvSpPr txBox="1">
+            <a:spLocks noGrp="1"/>
+          </p:cNvSpPr>
           <p:nvPr>
-            <p:ph idx="2" type="body"/>
+            <p:ph type="body" idx="2"/>
           </p:nvPr>
         </p:nvSpPr>
         <p:spPr>
@@ -4487,11 +4557,11 @@
           </a:prstGeom>
         </p:spPr>
         <p:txBody>
-          <a:bodyPr anchorCtr="0" anchor="t" bIns="91425" lIns="91425" spcFirstLastPara="1" rIns="91425" wrap="square" tIns="91425">
+          <a:bodyPr spcFirstLastPara="1" wrap="square" lIns="91425" tIns="91425" rIns="91425" bIns="91425" anchor="t" anchorCtr="0">
             <a:normAutofit/>
           </a:bodyPr>
           <a:lstStyle>
-            <a:lvl1pPr indent="-317500" lvl="0" marL="457200">
+            <a:lvl1pPr marL="457200" lvl="0" indent="-317500">
               <a:spcBef>
                 <a:spcPts val="0"/>
               </a:spcBef>
@@ -4502,7 +4572,7 @@
               <a:buChar char="●"/>
               <a:defRPr sz="1400"/>
             </a:lvl1pPr>
-            <a:lvl2pPr indent="-304800" lvl="1" marL="914400">
+            <a:lvl2pPr marL="914400" lvl="1" indent="-304800">
               <a:spcBef>
                 <a:spcPts val="0"/>
               </a:spcBef>
@@ -4513,7 +4583,7 @@
               <a:buChar char="○"/>
               <a:defRPr sz="1200"/>
             </a:lvl2pPr>
-            <a:lvl3pPr indent="-304800" lvl="2" marL="1371600">
+            <a:lvl3pPr marL="1371600" lvl="2" indent="-304800">
               <a:spcBef>
                 <a:spcPts val="0"/>
               </a:spcBef>
@@ -4524,7 +4594,7 @@
               <a:buChar char="■"/>
               <a:defRPr sz="1200"/>
             </a:lvl3pPr>
-            <a:lvl4pPr indent="-304800" lvl="3" marL="1828800">
+            <a:lvl4pPr marL="1828800" lvl="3" indent="-304800">
               <a:spcBef>
                 <a:spcPts val="0"/>
               </a:spcBef>
@@ -4535,7 +4605,7 @@
               <a:buChar char="●"/>
               <a:defRPr sz="1200"/>
             </a:lvl4pPr>
-            <a:lvl5pPr indent="-304800" lvl="4" marL="2286000">
+            <a:lvl5pPr marL="2286000" lvl="4" indent="-304800">
               <a:spcBef>
                 <a:spcPts val="0"/>
               </a:spcBef>
@@ -4546,7 +4616,7 @@
               <a:buChar char="○"/>
               <a:defRPr sz="1200"/>
             </a:lvl5pPr>
-            <a:lvl6pPr indent="-304800" lvl="5" marL="2743200">
+            <a:lvl6pPr marL="2743200" lvl="5" indent="-304800">
               <a:spcBef>
                 <a:spcPts val="0"/>
               </a:spcBef>
@@ -4557,7 +4627,7 @@
               <a:buChar char="■"/>
               <a:defRPr sz="1200"/>
             </a:lvl6pPr>
-            <a:lvl7pPr indent="-304800" lvl="6" marL="3200400">
+            <a:lvl7pPr marL="3200400" lvl="6" indent="-304800">
               <a:spcBef>
                 <a:spcPts val="0"/>
               </a:spcBef>
@@ -4568,7 +4638,7 @@
               <a:buChar char="●"/>
               <a:defRPr sz="1200"/>
             </a:lvl7pPr>
-            <a:lvl8pPr indent="-304800" lvl="7" marL="3657600">
+            <a:lvl8pPr marL="3657600" lvl="7" indent="-304800">
               <a:spcBef>
                 <a:spcPts val="0"/>
               </a:spcBef>
@@ -4579,7 +4649,7 @@
               <a:buChar char="○"/>
               <a:defRPr sz="1200"/>
             </a:lvl8pPr>
-            <a:lvl9pPr indent="-304800" lvl="8" marL="4114800">
+            <a:lvl9pPr marL="4114800" lvl="8" indent="-304800">
               <a:spcBef>
                 <a:spcPts val="0"/>
               </a:spcBef>
@@ -4591,15 +4661,19 @@
               <a:defRPr sz="1200"/>
             </a:lvl9pPr>
           </a:lstStyle>
-          <a:p/>
+          <a:p>
+            <a:endParaRPr/>
+          </a:p>
         </p:txBody>
       </p:sp>
       <p:sp>
         <p:nvSpPr>
           <p:cNvPr id="42" name="Google Shape;42;p5"/>
-          <p:cNvSpPr txBox="1"/>
+          <p:cNvSpPr txBox="1">
+            <a:spLocks noGrp="1"/>
+          </p:cNvSpPr>
           <p:nvPr>
-            <p:ph idx="12" type="sldNum"/>
+            <p:ph type="sldNum" idx="12"/>
           </p:nvPr>
         </p:nvSpPr>
         <p:spPr>
@@ -4612,7 +4686,7 @@
           </a:prstGeom>
         </p:spPr>
         <p:txBody>
-          <a:bodyPr anchorCtr="0" anchor="ctr" bIns="91425" lIns="91425" spcFirstLastPara="1" rIns="91425" wrap="square" tIns="91425">
+          <a:bodyPr spcFirstLastPara="1" wrap="square" lIns="91425" tIns="91425" rIns="91425" bIns="91425" anchor="ctr" anchorCtr="0">
             <a:normAutofit/>
           </a:bodyPr>
           <a:lstStyle>
@@ -4690,7 +4764,7 @@
             </a:lvl9pPr>
           </a:lstStyle>
           <a:p>
-            <a:pPr indent="0" lvl="0" marL="0" rtl="0" algn="r">
+            <a:pPr marL="0" lvl="0" indent="0" algn="r" rtl="0">
               <a:spcBef>
                 <a:spcPts val="0"/>
               </a:spcBef>
@@ -4716,11 +4790,11 @@
 </file>
 
 <file path=ppt/slideLayouts/slideLayout5.xml><?xml version="1.0" encoding="utf-8"?>
-<p:sldLayout xmlns:a="http://schemas.openxmlformats.org/drawingml/2006/main" xmlns:r="http://schemas.openxmlformats.org/officeDocument/2006/relationships" xmlns:mc="http://schemas.openxmlformats.org/markup-compatibility/2006" xmlns:mv="urn:schemas-microsoft-com:mac:vml" xmlns:p="http://schemas.openxmlformats.org/presentationml/2006/main" xmlns:c="http://schemas.openxmlformats.org/drawingml/2006/chart" xmlns:dgm="http://schemas.openxmlformats.org/drawingml/2006/diagram" xmlns:o="urn:schemas-microsoft-com:office:office" xmlns:v="urn:schemas-microsoft-com:vml" xmlns:pvml="urn:schemas-microsoft-com:office:powerpoint" xmlns:com="http://schemas.openxmlformats.org/drawingml/2006/compatibility" xmlns:p14="http://schemas.microsoft.com/office/powerpoint/2010/main" xmlns:p15="http://schemas.microsoft.com/office/powerpoint/2012/main" xmlns:ahyp="http://schemas.microsoft.com/office/drawing/2018/hyperlinkcolor" matchingName="Title only" type="titleOnly">
+<p:sldLayout xmlns:a="http://schemas.openxmlformats.org/drawingml/2006/main" xmlns:r="http://schemas.openxmlformats.org/officeDocument/2006/relationships" xmlns:p="http://schemas.openxmlformats.org/presentationml/2006/main" matchingName="Title only" type="titleOnly">
   <p:cSld name="TITLE_ONLY">
     <p:spTree>
       <p:nvGrpSpPr>
-        <p:cNvPr id="43" name="Shape 43"/>
+        <p:cNvPr id="1" name="Shape 43"/>
         <p:cNvGrpSpPr/>
         <p:nvPr/>
       </p:nvGrpSpPr>
@@ -4735,7 +4809,9 @@
       <p:sp>
         <p:nvSpPr>
           <p:cNvPr id="44" name="Google Shape;44;p6"/>
-          <p:cNvSpPr txBox="1"/>
+          <p:cNvSpPr txBox="1">
+            <a:spLocks noGrp="1"/>
+          </p:cNvSpPr>
           <p:nvPr>
             <p:ph type="title"/>
           </p:nvPr>
@@ -4750,7 +4826,7 @@
           </a:prstGeom>
         </p:spPr>
         <p:txBody>
-          <a:bodyPr anchorCtr="0" anchor="t" bIns="91425" lIns="91425" spcFirstLastPara="1" rIns="91425" wrap="square" tIns="91425">
+          <a:bodyPr spcFirstLastPara="1" wrap="square" lIns="91425" tIns="91425" rIns="91425" bIns="91425" anchor="t" anchorCtr="0">
             <a:normAutofit/>
           </a:bodyPr>
           <a:lstStyle>
@@ -4854,15 +4930,19 @@
               <a:defRPr/>
             </a:lvl9pPr>
           </a:lstStyle>
-          <a:p/>
+          <a:p>
+            <a:endParaRPr/>
+          </a:p>
         </p:txBody>
       </p:sp>
       <p:sp>
         <p:nvSpPr>
           <p:cNvPr id="45" name="Google Shape;45;p6"/>
-          <p:cNvSpPr txBox="1"/>
+          <p:cNvSpPr txBox="1">
+            <a:spLocks noGrp="1"/>
+          </p:cNvSpPr>
           <p:nvPr>
-            <p:ph idx="12" type="sldNum"/>
+            <p:ph type="sldNum" idx="12"/>
           </p:nvPr>
         </p:nvSpPr>
         <p:spPr>
@@ -4875,7 +4955,7 @@
           </a:prstGeom>
         </p:spPr>
         <p:txBody>
-          <a:bodyPr anchorCtr="0" anchor="ctr" bIns="91425" lIns="91425" spcFirstLastPara="1" rIns="91425" wrap="square" tIns="91425">
+          <a:bodyPr spcFirstLastPara="1" wrap="square" lIns="91425" tIns="91425" rIns="91425" bIns="91425" anchor="ctr" anchorCtr="0">
             <a:normAutofit/>
           </a:bodyPr>
           <a:lstStyle>
@@ -4953,7 +5033,7 @@
             </a:lvl9pPr>
           </a:lstStyle>
           <a:p>
-            <a:pPr indent="0" lvl="0" marL="0" rtl="0" algn="r">
+            <a:pPr marL="0" lvl="0" indent="0" algn="r" rtl="0">
               <a:spcBef>
                 <a:spcPts val="0"/>
               </a:spcBef>
@@ -4979,11 +5059,11 @@
 </file>
 
 <file path=ppt/slideLayouts/slideLayout6.xml><?xml version="1.0" encoding="utf-8"?>
-<p:sldLayout xmlns:a="http://schemas.openxmlformats.org/drawingml/2006/main" xmlns:r="http://schemas.openxmlformats.org/officeDocument/2006/relationships" xmlns:mc="http://schemas.openxmlformats.org/markup-compatibility/2006" xmlns:mv="urn:schemas-microsoft-com:mac:vml" xmlns:p="http://schemas.openxmlformats.org/presentationml/2006/main" xmlns:c="http://schemas.openxmlformats.org/drawingml/2006/chart" xmlns:dgm="http://schemas.openxmlformats.org/drawingml/2006/diagram" xmlns:o="urn:schemas-microsoft-com:office:office" xmlns:v="urn:schemas-microsoft-com:vml" xmlns:pvml="urn:schemas-microsoft-com:office:powerpoint" xmlns:com="http://schemas.openxmlformats.org/drawingml/2006/compatibility" xmlns:p14="http://schemas.microsoft.com/office/powerpoint/2010/main" xmlns:p15="http://schemas.microsoft.com/office/powerpoint/2012/main" xmlns:ahyp="http://schemas.microsoft.com/office/drawing/2018/hyperlinkcolor" matchingName="One column text">
+<p:sldLayout xmlns:a="http://schemas.openxmlformats.org/drawingml/2006/main" xmlns:r="http://schemas.openxmlformats.org/officeDocument/2006/relationships" xmlns:p="http://schemas.openxmlformats.org/presentationml/2006/main" matchingName="One column text">
   <p:cSld name="ONE_COLUMN_TEXT">
     <p:spTree>
       <p:nvGrpSpPr>
-        <p:cNvPr id="46" name="Shape 46"/>
+        <p:cNvPr id="1" name="Shape 46"/>
         <p:cNvGrpSpPr/>
         <p:nvPr/>
       </p:nvGrpSpPr>
@@ -4998,7 +5078,9 @@
       <p:sp>
         <p:nvSpPr>
           <p:cNvPr id="47" name="Google Shape;47;p7"/>
-          <p:cNvSpPr txBox="1"/>
+          <p:cNvSpPr txBox="1">
+            <a:spLocks noGrp="1"/>
+          </p:cNvSpPr>
           <p:nvPr>
             <p:ph type="title"/>
           </p:nvPr>
@@ -5013,7 +5095,7 @@
           </a:prstGeom>
         </p:spPr>
         <p:txBody>
-          <a:bodyPr anchorCtr="0" anchor="b" bIns="91425" lIns="91425" spcFirstLastPara="1" rIns="91425" wrap="square" tIns="91425">
+          <a:bodyPr spcFirstLastPara="1" wrap="square" lIns="91425" tIns="91425" rIns="91425" bIns="91425" anchor="b" anchorCtr="0">
             <a:normAutofit/>
           </a:bodyPr>
           <a:lstStyle>
@@ -5117,15 +5199,19 @@
               <a:defRPr sz="2400"/>
             </a:lvl9pPr>
           </a:lstStyle>
-          <a:p/>
+          <a:p>
+            <a:endParaRPr/>
+          </a:p>
         </p:txBody>
       </p:sp>
       <p:sp>
         <p:nvSpPr>
           <p:cNvPr id="48" name="Google Shape;48;p7"/>
-          <p:cNvSpPr txBox="1"/>
+          <p:cNvSpPr txBox="1">
+            <a:spLocks noGrp="1"/>
+          </p:cNvSpPr>
           <p:nvPr>
-            <p:ph idx="1" type="body"/>
+            <p:ph type="body" idx="1"/>
           </p:nvPr>
         </p:nvSpPr>
         <p:spPr>
@@ -5138,11 +5224,11 @@
           </a:prstGeom>
         </p:spPr>
         <p:txBody>
-          <a:bodyPr anchorCtr="0" anchor="t" bIns="91425" lIns="91425" spcFirstLastPara="1" rIns="91425" wrap="square" tIns="91425">
+          <a:bodyPr spcFirstLastPara="1" wrap="square" lIns="91425" tIns="91425" rIns="91425" bIns="91425" anchor="t" anchorCtr="0">
             <a:normAutofit/>
           </a:bodyPr>
           <a:lstStyle>
-            <a:lvl1pPr indent="-304800" lvl="0" marL="457200">
+            <a:lvl1pPr marL="457200" lvl="0" indent="-304800">
               <a:spcBef>
                 <a:spcPts val="0"/>
               </a:spcBef>
@@ -5153,7 +5239,7 @@
               <a:buChar char="●"/>
               <a:defRPr sz="1200"/>
             </a:lvl1pPr>
-            <a:lvl2pPr indent="-304800" lvl="1" marL="914400">
+            <a:lvl2pPr marL="914400" lvl="1" indent="-304800">
               <a:spcBef>
                 <a:spcPts val="0"/>
               </a:spcBef>
@@ -5164,7 +5250,7 @@
               <a:buChar char="○"/>
               <a:defRPr sz="1200"/>
             </a:lvl2pPr>
-            <a:lvl3pPr indent="-304800" lvl="2" marL="1371600">
+            <a:lvl3pPr marL="1371600" lvl="2" indent="-304800">
               <a:spcBef>
                 <a:spcPts val="0"/>
               </a:spcBef>
@@ -5175,7 +5261,7 @@
               <a:buChar char="■"/>
               <a:defRPr sz="1200"/>
             </a:lvl3pPr>
-            <a:lvl4pPr indent="-304800" lvl="3" marL="1828800">
+            <a:lvl4pPr marL="1828800" lvl="3" indent="-304800">
               <a:spcBef>
                 <a:spcPts val="0"/>
               </a:spcBef>
@@ -5186,7 +5272,7 @@
               <a:buChar char="●"/>
               <a:defRPr sz="1200"/>
             </a:lvl4pPr>
-            <a:lvl5pPr indent="-304800" lvl="4" marL="2286000">
+            <a:lvl5pPr marL="2286000" lvl="4" indent="-304800">
               <a:spcBef>
                 <a:spcPts val="0"/>
               </a:spcBef>
@@ -5197,7 +5283,7 @@
               <a:buChar char="○"/>
               <a:defRPr sz="1200"/>
             </a:lvl5pPr>
-            <a:lvl6pPr indent="-304800" lvl="5" marL="2743200">
+            <a:lvl6pPr marL="2743200" lvl="5" indent="-304800">
               <a:spcBef>
                 <a:spcPts val="0"/>
               </a:spcBef>
@@ -5208,7 +5294,7 @@
               <a:buChar char="■"/>
               <a:defRPr sz="1200"/>
             </a:lvl6pPr>
-            <a:lvl7pPr indent="-304800" lvl="6" marL="3200400">
+            <a:lvl7pPr marL="3200400" lvl="6" indent="-304800">
               <a:spcBef>
                 <a:spcPts val="0"/>
               </a:spcBef>
@@ -5219,7 +5305,7 @@
               <a:buChar char="●"/>
               <a:defRPr sz="1200"/>
             </a:lvl7pPr>
-            <a:lvl8pPr indent="-304800" lvl="7" marL="3657600">
+            <a:lvl8pPr marL="3657600" lvl="7" indent="-304800">
               <a:spcBef>
                 <a:spcPts val="0"/>
               </a:spcBef>
@@ -5230,7 +5316,7 @@
               <a:buChar char="○"/>
               <a:defRPr sz="1200"/>
             </a:lvl8pPr>
-            <a:lvl9pPr indent="-304800" lvl="8" marL="4114800">
+            <a:lvl9pPr marL="4114800" lvl="8" indent="-304800">
               <a:spcBef>
                 <a:spcPts val="0"/>
               </a:spcBef>
@@ -5242,15 +5328,19 @@
               <a:defRPr sz="1200"/>
             </a:lvl9pPr>
           </a:lstStyle>
-          <a:p/>
+          <a:p>
+            <a:endParaRPr/>
+          </a:p>
         </p:txBody>
       </p:sp>
       <p:sp>
         <p:nvSpPr>
           <p:cNvPr id="49" name="Google Shape;49;p7"/>
-          <p:cNvSpPr txBox="1"/>
+          <p:cNvSpPr txBox="1">
+            <a:spLocks noGrp="1"/>
+          </p:cNvSpPr>
           <p:nvPr>
-            <p:ph idx="12" type="sldNum"/>
+            <p:ph type="sldNum" idx="12"/>
           </p:nvPr>
         </p:nvSpPr>
         <p:spPr>
@@ -5263,7 +5353,7 @@
           </a:prstGeom>
         </p:spPr>
         <p:txBody>
-          <a:bodyPr anchorCtr="0" anchor="ctr" bIns="91425" lIns="91425" spcFirstLastPara="1" rIns="91425" wrap="square" tIns="91425">
+          <a:bodyPr spcFirstLastPara="1" wrap="square" lIns="91425" tIns="91425" rIns="91425" bIns="91425" anchor="ctr" anchorCtr="0">
             <a:normAutofit/>
           </a:bodyPr>
           <a:lstStyle>
@@ -5341,7 +5431,7 @@
             </a:lvl9pPr>
           </a:lstStyle>
           <a:p>
-            <a:pPr indent="0" lvl="0" marL="0" rtl="0" algn="r">
+            <a:pPr marL="0" lvl="0" indent="0" algn="r" rtl="0">
               <a:spcBef>
                 <a:spcPts val="0"/>
               </a:spcBef>
@@ -5367,18 +5457,19 @@
 </file>
 
 <file path=ppt/slideLayouts/slideLayout7.xml><?xml version="1.0" encoding="utf-8"?>
-<p:sldLayout xmlns:a="http://schemas.openxmlformats.org/drawingml/2006/main" xmlns:r="http://schemas.openxmlformats.org/officeDocument/2006/relationships" xmlns:mc="http://schemas.openxmlformats.org/markup-compatibility/2006" xmlns:mv="urn:schemas-microsoft-com:mac:vml" xmlns:p="http://schemas.openxmlformats.org/presentationml/2006/main" xmlns:c="http://schemas.openxmlformats.org/drawingml/2006/chart" xmlns:dgm="http://schemas.openxmlformats.org/drawingml/2006/diagram" xmlns:o="urn:schemas-microsoft-com:office:office" xmlns:v="urn:schemas-microsoft-com:vml" xmlns:pvml="urn:schemas-microsoft-com:office:powerpoint" xmlns:com="http://schemas.openxmlformats.org/drawingml/2006/compatibility" xmlns:p14="http://schemas.microsoft.com/office/powerpoint/2010/main" xmlns:p15="http://schemas.microsoft.com/office/powerpoint/2012/main" xmlns:ahyp="http://schemas.microsoft.com/office/drawing/2018/hyperlinkcolor" matchingName="Main point">
+<p:sldLayout xmlns:a="http://schemas.openxmlformats.org/drawingml/2006/main" xmlns:r="http://schemas.openxmlformats.org/officeDocument/2006/relationships" xmlns:p="http://schemas.openxmlformats.org/presentationml/2006/main" matchingName="Main point">
   <p:cSld name="MAIN_POINT">
     <p:bg>
       <p:bgPr>
         <a:solidFill>
           <a:schemeClr val="accent4"/>
         </a:solidFill>
+        <a:effectLst/>
       </p:bgPr>
     </p:bg>
     <p:spTree>
       <p:nvGrpSpPr>
-        <p:cNvPr id="50" name="Shape 50"/>
+        <p:cNvPr id="1" name="Shape 50"/>
         <p:cNvGrpSpPr/>
         <p:nvPr/>
       </p:nvGrpSpPr>
@@ -5426,12 +5517,12 @@
             </a:ln>
           </p:spPr>
           <p:txBody>
-            <a:bodyPr anchorCtr="0" anchor="ctr" bIns="91425" lIns="91425" spcFirstLastPara="1" rIns="91425" wrap="square" tIns="91425">
+            <a:bodyPr spcFirstLastPara="1" wrap="square" lIns="91425" tIns="91425" rIns="91425" bIns="91425" anchor="ctr" anchorCtr="0">
               <a:noAutofit/>
             </a:bodyPr>
             <a:lstStyle/>
             <a:p>
-              <a:pPr indent="0" lvl="0" marL="0" rtl="0" algn="l">
+              <a:pPr marL="0" lvl="0" indent="0" algn="l" rtl="0">
                 <a:spcBef>
                   <a:spcPts val="0"/>
                 </a:spcBef>
@@ -5440,9 +5531,6 @@
                 </a:spcAft>
                 <a:buNone/>
               </a:pPr>
-              <a:r>
-                <a:t/>
-              </a:r>
               <a:endParaRPr/>
             </a:p>
           </p:txBody>
@@ -5469,12 +5557,12 @@
             </a:ln>
           </p:spPr>
           <p:txBody>
-            <a:bodyPr anchorCtr="0" anchor="ctr" bIns="91425" lIns="91425" spcFirstLastPara="1" rIns="91425" wrap="square" tIns="91425">
+            <a:bodyPr spcFirstLastPara="1" wrap="square" lIns="91425" tIns="91425" rIns="91425" bIns="91425" anchor="ctr" anchorCtr="0">
               <a:noAutofit/>
             </a:bodyPr>
             <a:lstStyle/>
             <a:p>
-              <a:pPr indent="0" lvl="0" marL="0" rtl="0" algn="l">
+              <a:pPr marL="0" lvl="0" indent="0" algn="l" rtl="0">
                 <a:spcBef>
                   <a:spcPts val="0"/>
                 </a:spcBef>
@@ -5483,9 +5571,6 @@
                 </a:spcAft>
                 <a:buNone/>
               </a:pPr>
-              <a:r>
-                <a:t/>
-              </a:r>
               <a:endParaRPr/>
             </a:p>
           </p:txBody>
@@ -5497,7 +5582,7 @@
             <p:nvPr/>
           </p:nvSpPr>
           <p:spPr>
-            <a:xfrm flipH="1" rot="10800000">
+            <a:xfrm rot="10800000" flipH="1">
               <a:off x="7113588" y="107"/>
               <a:ext cx="1015200" cy="1015200"/>
             </a:xfrm>
@@ -5512,12 +5597,12 @@
             </a:ln>
           </p:spPr>
           <p:txBody>
-            <a:bodyPr anchorCtr="0" anchor="ctr" bIns="91425" lIns="91425" spcFirstLastPara="1" rIns="91425" wrap="square" tIns="91425">
+            <a:bodyPr spcFirstLastPara="1" wrap="square" lIns="91425" tIns="91425" rIns="91425" bIns="91425" anchor="ctr" anchorCtr="0">
               <a:noAutofit/>
             </a:bodyPr>
             <a:lstStyle/>
             <a:p>
-              <a:pPr indent="0" lvl="0" marL="0" rtl="0" algn="l">
+              <a:pPr marL="0" lvl="0" indent="0" algn="l" rtl="0">
                 <a:spcBef>
                   <a:spcPts val="0"/>
                 </a:spcBef>
@@ -5526,9 +5611,6 @@
                 </a:spcAft>
                 <a:buNone/>
               </a:pPr>
-              <a:r>
-                <a:t/>
-              </a:r>
               <a:endParaRPr/>
             </a:p>
           </p:txBody>
@@ -5555,12 +5637,12 @@
             </a:ln>
           </p:spPr>
           <p:txBody>
-            <a:bodyPr anchorCtr="0" anchor="ctr" bIns="91425" lIns="91425" spcFirstLastPara="1" rIns="91425" wrap="square" tIns="91425">
+            <a:bodyPr spcFirstLastPara="1" wrap="square" lIns="91425" tIns="91425" rIns="91425" bIns="91425" anchor="ctr" anchorCtr="0">
               <a:noAutofit/>
             </a:bodyPr>
             <a:lstStyle/>
             <a:p>
-              <a:pPr indent="0" lvl="0" marL="0" rtl="0" algn="l">
+              <a:pPr marL="0" lvl="0" indent="0" algn="l" rtl="0">
                 <a:spcBef>
                   <a:spcPts val="0"/>
                 </a:spcBef>
@@ -5569,9 +5651,6 @@
                 </a:spcAft>
                 <a:buNone/>
               </a:pPr>
-              <a:r>
-                <a:t/>
-              </a:r>
               <a:endParaRPr/>
             </a:p>
           </p:txBody>
@@ -5598,12 +5677,12 @@
             </a:ln>
           </p:spPr>
           <p:txBody>
-            <a:bodyPr anchorCtr="0" anchor="ctr" bIns="91425" lIns="91425" spcFirstLastPara="1" rIns="91425" wrap="square" tIns="91425">
+            <a:bodyPr spcFirstLastPara="1" wrap="square" lIns="91425" tIns="91425" rIns="91425" bIns="91425" anchor="ctr" anchorCtr="0">
               <a:noAutofit/>
             </a:bodyPr>
             <a:lstStyle/>
             <a:p>
-              <a:pPr indent="0" lvl="0" marL="0" rtl="0" algn="l">
+              <a:pPr marL="0" lvl="0" indent="0" algn="l" rtl="0">
                 <a:spcBef>
                   <a:spcPts val="0"/>
                 </a:spcBef>
@@ -5612,9 +5691,6 @@
                 </a:spcAft>
                 <a:buNone/>
               </a:pPr>
-              <a:r>
-                <a:t/>
-              </a:r>
               <a:endParaRPr/>
             </a:p>
           </p:txBody>
@@ -5623,7 +5699,9 @@
       <p:sp>
         <p:nvSpPr>
           <p:cNvPr id="57" name="Google Shape;57;p8"/>
-          <p:cNvSpPr txBox="1"/>
+          <p:cNvSpPr txBox="1">
+            <a:spLocks noGrp="1"/>
+          </p:cNvSpPr>
           <p:nvPr>
             <p:ph type="title"/>
           </p:nvPr>
@@ -5638,7 +5716,7 @@
           </a:prstGeom>
         </p:spPr>
         <p:txBody>
-          <a:bodyPr anchorCtr="0" anchor="ctr" bIns="91425" lIns="91425" spcFirstLastPara="1" rIns="91425" wrap="square" tIns="91425">
+          <a:bodyPr spcFirstLastPara="1" wrap="square" lIns="91425" tIns="91425" rIns="91425" bIns="91425" anchor="ctr" anchorCtr="0">
             <a:normAutofit/>
           </a:bodyPr>
           <a:lstStyle>
@@ -5805,15 +5883,19 @@
               </a:defRPr>
             </a:lvl9pPr>
           </a:lstStyle>
-          <a:p/>
+          <a:p>
+            <a:endParaRPr/>
+          </a:p>
         </p:txBody>
       </p:sp>
       <p:sp>
         <p:nvSpPr>
           <p:cNvPr id="58" name="Google Shape;58;p8"/>
-          <p:cNvSpPr txBox="1"/>
+          <p:cNvSpPr txBox="1">
+            <a:spLocks noGrp="1"/>
+          </p:cNvSpPr>
           <p:nvPr>
-            <p:ph idx="12" type="sldNum"/>
+            <p:ph type="sldNum" idx="12"/>
           </p:nvPr>
         </p:nvSpPr>
         <p:spPr>
@@ -5826,7 +5908,7 @@
           </a:prstGeom>
         </p:spPr>
         <p:txBody>
-          <a:bodyPr anchorCtr="0" anchor="ctr" bIns="91425" lIns="91425" spcFirstLastPara="1" rIns="91425" wrap="square" tIns="91425">
+          <a:bodyPr spcFirstLastPara="1" wrap="square" lIns="91425" tIns="91425" rIns="91425" bIns="91425" anchor="ctr" anchorCtr="0">
             <a:normAutofit/>
           </a:bodyPr>
           <a:lstStyle>
@@ -5868,7 +5950,7 @@
             </a:lvl9pPr>
           </a:lstStyle>
           <a:p>
-            <a:pPr indent="0" lvl="0" marL="0" rtl="0" algn="r">
+            <a:pPr marL="0" lvl="0" indent="0" algn="r" rtl="0">
               <a:spcBef>
                 <a:spcPts val="0"/>
               </a:spcBef>
@@ -5894,11 +5976,11 @@
 </file>
 
 <file path=ppt/slideLayouts/slideLayout8.xml><?xml version="1.0" encoding="utf-8"?>
-<p:sldLayout xmlns:a="http://schemas.openxmlformats.org/drawingml/2006/main" xmlns:r="http://schemas.openxmlformats.org/officeDocument/2006/relationships" xmlns:mc="http://schemas.openxmlformats.org/markup-compatibility/2006" xmlns:mv="urn:schemas-microsoft-com:mac:vml" xmlns:p="http://schemas.openxmlformats.org/presentationml/2006/main" xmlns:c="http://schemas.openxmlformats.org/drawingml/2006/chart" xmlns:dgm="http://schemas.openxmlformats.org/drawingml/2006/diagram" xmlns:o="urn:schemas-microsoft-com:office:office" xmlns:v="urn:schemas-microsoft-com:vml" xmlns:pvml="urn:schemas-microsoft-com:office:powerpoint" xmlns:com="http://schemas.openxmlformats.org/drawingml/2006/compatibility" xmlns:p14="http://schemas.microsoft.com/office/powerpoint/2010/main" xmlns:p15="http://schemas.microsoft.com/office/powerpoint/2012/main" xmlns:ahyp="http://schemas.microsoft.com/office/drawing/2018/hyperlinkcolor" matchingName="Section title and description">
+<p:sldLayout xmlns:a="http://schemas.openxmlformats.org/drawingml/2006/main" xmlns:r="http://schemas.openxmlformats.org/officeDocument/2006/relationships" xmlns:p="http://schemas.openxmlformats.org/presentationml/2006/main" matchingName="Section title and description">
   <p:cSld name="SECTION_TITLE_AND_DESCRIPTION">
     <p:spTree>
       <p:nvGrpSpPr>
-        <p:cNvPr id="59" name="Shape 59"/>
+        <p:cNvPr id="1" name="Shape 59"/>
         <p:cNvGrpSpPr/>
         <p:nvPr/>
       </p:nvGrpSpPr>
@@ -5932,12 +6014,12 @@
           </a:ln>
         </p:spPr>
         <p:txBody>
-          <a:bodyPr anchorCtr="0" anchor="ctr" bIns="91425" lIns="91425" spcFirstLastPara="1" rIns="91425" wrap="square" tIns="91425">
+          <a:bodyPr spcFirstLastPara="1" wrap="square" lIns="91425" tIns="91425" rIns="91425" bIns="91425" anchor="ctr" anchorCtr="0">
             <a:noAutofit/>
           </a:bodyPr>
           <a:lstStyle/>
           <a:p>
-            <a:pPr indent="0" lvl="0" marL="0" rtl="0" algn="l">
+            <a:pPr marL="0" lvl="0" indent="0" algn="l" rtl="0">
               <a:spcBef>
                 <a:spcPts val="0"/>
               </a:spcBef>
@@ -5946,9 +6028,6 @@
               </a:spcAft>
               <a:buNone/>
             </a:pPr>
-            <a:r>
-              <a:t/>
-            </a:r>
             <a:endParaRPr/>
           </a:p>
         </p:txBody>
@@ -5968,21 +6047,23 @@
             <a:avLst/>
           </a:prstGeom>
           <a:noFill/>
-          <a:ln cap="flat" cmpd="sng" w="19050">
+          <a:ln w="19050" cap="flat" cmpd="sng">
             <a:solidFill>
               <a:schemeClr val="lt1"/>
             </a:solidFill>
             <a:prstDash val="solid"/>
             <a:round/>
-            <a:headEnd len="sm" w="sm" type="none"/>
-            <a:tailEnd len="sm" w="sm" type="none"/>
+            <a:headEnd type="none" w="sm" len="sm"/>
+            <a:tailEnd type="none" w="sm" len="sm"/>
           </a:ln>
         </p:spPr>
       </p:cxnSp>
       <p:sp>
         <p:nvSpPr>
           <p:cNvPr id="62" name="Google Shape;62;p9"/>
-          <p:cNvSpPr txBox="1"/>
+          <p:cNvSpPr txBox="1">
+            <a:spLocks noGrp="1"/>
+          </p:cNvSpPr>
           <p:nvPr>
             <p:ph type="title"/>
           </p:nvPr>
@@ -5997,7 +6078,7 @@
           </a:prstGeom>
         </p:spPr>
         <p:txBody>
-          <a:bodyPr anchorCtr="0" anchor="b" bIns="91425" lIns="91425" spcFirstLastPara="1" rIns="91425" wrap="square" tIns="91425">
+          <a:bodyPr spcFirstLastPara="1" wrap="square" lIns="91425" tIns="91425" rIns="91425" bIns="91425" anchor="b" anchorCtr="0">
             <a:normAutofit/>
           </a:bodyPr>
           <a:lstStyle>
@@ -6101,15 +6182,19 @@
               <a:defRPr sz="4200"/>
             </a:lvl9pPr>
           </a:lstStyle>
-          <a:p/>
+          <a:p>
+            <a:endParaRPr/>
+          </a:p>
         </p:txBody>
       </p:sp>
       <p:sp>
         <p:nvSpPr>
           <p:cNvPr id="63" name="Google Shape;63;p9"/>
-          <p:cNvSpPr txBox="1"/>
+          <p:cNvSpPr txBox="1">
+            <a:spLocks noGrp="1"/>
+          </p:cNvSpPr>
           <p:nvPr>
-            <p:ph idx="1" type="subTitle"/>
+            <p:ph type="subTitle" idx="1"/>
           </p:nvPr>
         </p:nvSpPr>
         <p:spPr>
@@ -6122,7 +6207,7 @@
           </a:prstGeom>
         </p:spPr>
         <p:txBody>
-          <a:bodyPr anchorCtr="0" anchor="t" bIns="91425" lIns="91425" spcFirstLastPara="1" rIns="91425" wrap="square" tIns="91425">
+          <a:bodyPr spcFirstLastPara="1" wrap="square" lIns="91425" tIns="91425" rIns="91425" bIns="91425" anchor="t" anchorCtr="0">
             <a:normAutofit/>
           </a:bodyPr>
           <a:lstStyle>
@@ -6253,15 +6338,19 @@
               <a:defRPr sz="2100"/>
             </a:lvl9pPr>
           </a:lstStyle>
-          <a:p/>
+          <a:p>
+            <a:endParaRPr/>
+          </a:p>
         </p:txBody>
       </p:sp>
       <p:sp>
         <p:nvSpPr>
           <p:cNvPr id="64" name="Google Shape;64;p9"/>
-          <p:cNvSpPr txBox="1"/>
+          <p:cNvSpPr txBox="1">
+            <a:spLocks noGrp="1"/>
+          </p:cNvSpPr>
           <p:nvPr>
-            <p:ph idx="2" type="body"/>
+            <p:ph type="body" idx="2"/>
           </p:nvPr>
         </p:nvSpPr>
         <p:spPr>
@@ -6274,11 +6363,11 @@
           </a:prstGeom>
         </p:spPr>
         <p:txBody>
-          <a:bodyPr anchorCtr="0" anchor="ctr" bIns="91425" lIns="91425" spcFirstLastPara="1" rIns="91425" wrap="square" tIns="91425">
+          <a:bodyPr spcFirstLastPara="1" wrap="square" lIns="91425" tIns="91425" rIns="91425" bIns="91425" anchor="ctr" anchorCtr="0">
             <a:normAutofit/>
           </a:bodyPr>
           <a:lstStyle>
-            <a:lvl1pPr indent="-342900" lvl="0" marL="457200">
+            <a:lvl1pPr marL="457200" lvl="0" indent="-342900">
               <a:spcBef>
                 <a:spcPts val="0"/>
               </a:spcBef>
@@ -6296,7 +6385,7 @@
                 </a:solidFill>
               </a:defRPr>
             </a:lvl1pPr>
-            <a:lvl2pPr indent="-317500" lvl="1" marL="914400">
+            <a:lvl2pPr marL="914400" lvl="1" indent="-317500">
               <a:spcBef>
                 <a:spcPts val="0"/>
               </a:spcBef>
@@ -6314,7 +6403,7 @@
                 </a:solidFill>
               </a:defRPr>
             </a:lvl2pPr>
-            <a:lvl3pPr indent="-317500" lvl="2" marL="1371600">
+            <a:lvl3pPr marL="1371600" lvl="2" indent="-317500">
               <a:spcBef>
                 <a:spcPts val="0"/>
               </a:spcBef>
@@ -6332,7 +6421,7 @@
                 </a:solidFill>
               </a:defRPr>
             </a:lvl3pPr>
-            <a:lvl4pPr indent="-317500" lvl="3" marL="1828800">
+            <a:lvl4pPr marL="1828800" lvl="3" indent="-317500">
               <a:spcBef>
                 <a:spcPts val="0"/>
               </a:spcBef>
@@ -6350,7 +6439,7 @@
                 </a:solidFill>
               </a:defRPr>
             </a:lvl4pPr>
-            <a:lvl5pPr indent="-317500" lvl="4" marL="2286000">
+            <a:lvl5pPr marL="2286000" lvl="4" indent="-317500">
               <a:spcBef>
                 <a:spcPts val="0"/>
               </a:spcBef>
@@ -6368,7 +6457,7 @@
                 </a:solidFill>
               </a:defRPr>
             </a:lvl5pPr>
-            <a:lvl6pPr indent="-317500" lvl="5" marL="2743200">
+            <a:lvl6pPr marL="2743200" lvl="5" indent="-317500">
               <a:spcBef>
                 <a:spcPts val="0"/>
               </a:spcBef>
@@ -6386,7 +6475,7 @@
                 </a:solidFill>
               </a:defRPr>
             </a:lvl6pPr>
-            <a:lvl7pPr indent="-317500" lvl="6" marL="3200400">
+            <a:lvl7pPr marL="3200400" lvl="6" indent="-317500">
               <a:spcBef>
                 <a:spcPts val="0"/>
               </a:spcBef>
@@ -6404,7 +6493,7 @@
                 </a:solidFill>
               </a:defRPr>
             </a:lvl7pPr>
-            <a:lvl8pPr indent="-317500" lvl="7" marL="3657600">
+            <a:lvl8pPr marL="3657600" lvl="7" indent="-317500">
               <a:spcBef>
                 <a:spcPts val="0"/>
               </a:spcBef>
@@ -6422,7 +6511,7 @@
                 </a:solidFill>
               </a:defRPr>
             </a:lvl8pPr>
-            <a:lvl9pPr indent="-317500" lvl="8" marL="4114800">
+            <a:lvl9pPr marL="4114800" lvl="8" indent="-317500">
               <a:spcBef>
                 <a:spcPts val="0"/>
               </a:spcBef>
@@ -6441,15 +6530,19 @@
               </a:defRPr>
             </a:lvl9pPr>
           </a:lstStyle>
-          <a:p/>
+          <a:p>
+            <a:endParaRPr/>
+          </a:p>
         </p:txBody>
       </p:sp>
       <p:sp>
         <p:nvSpPr>
           <p:cNvPr id="65" name="Google Shape;65;p9"/>
-          <p:cNvSpPr txBox="1"/>
+          <p:cNvSpPr txBox="1">
+            <a:spLocks noGrp="1"/>
+          </p:cNvSpPr>
           <p:nvPr>
-            <p:ph idx="12" type="sldNum"/>
+            <p:ph type="sldNum" idx="12"/>
           </p:nvPr>
         </p:nvSpPr>
         <p:spPr>
@@ -6462,7 +6555,7 @@
           </a:prstGeom>
         </p:spPr>
         <p:txBody>
-          <a:bodyPr anchorCtr="0" anchor="ctr" bIns="91425" lIns="91425" spcFirstLastPara="1" rIns="91425" wrap="square" tIns="91425">
+          <a:bodyPr spcFirstLastPara="1" wrap="square" lIns="91425" tIns="91425" rIns="91425" bIns="91425" anchor="ctr" anchorCtr="0">
             <a:normAutofit/>
           </a:bodyPr>
           <a:lstStyle>
@@ -6504,7 +6597,7 @@
             </a:lvl9pPr>
           </a:lstStyle>
           <a:p>
-            <a:pPr indent="0" lvl="0" marL="0" rtl="0" algn="r">
+            <a:pPr marL="0" lvl="0" indent="0" algn="r" rtl="0">
               <a:spcBef>
                 <a:spcPts val="0"/>
               </a:spcBef>
@@ -6530,11 +6623,11 @@
 </file>
 
 <file path=ppt/slideLayouts/slideLayout9.xml><?xml version="1.0" encoding="utf-8"?>
-<p:sldLayout xmlns:a="http://schemas.openxmlformats.org/drawingml/2006/main" xmlns:r="http://schemas.openxmlformats.org/officeDocument/2006/relationships" xmlns:mc="http://schemas.openxmlformats.org/markup-compatibility/2006" xmlns:mv="urn:schemas-microsoft-com:mac:vml" xmlns:p="http://schemas.openxmlformats.org/presentationml/2006/main" xmlns:c="http://schemas.openxmlformats.org/drawingml/2006/chart" xmlns:dgm="http://schemas.openxmlformats.org/drawingml/2006/diagram" xmlns:o="urn:schemas-microsoft-com:office:office" xmlns:v="urn:schemas-microsoft-com:vml" xmlns:pvml="urn:schemas-microsoft-com:office:powerpoint" xmlns:com="http://schemas.openxmlformats.org/drawingml/2006/compatibility" xmlns:p14="http://schemas.microsoft.com/office/powerpoint/2010/main" xmlns:p15="http://schemas.microsoft.com/office/powerpoint/2012/main" xmlns:ahyp="http://schemas.microsoft.com/office/drawing/2018/hyperlinkcolor" matchingName="Caption">
+<p:sldLayout xmlns:a="http://schemas.openxmlformats.org/drawingml/2006/main" xmlns:r="http://schemas.openxmlformats.org/officeDocument/2006/relationships" xmlns:p="http://schemas.openxmlformats.org/presentationml/2006/main" matchingName="Caption">
   <p:cSld name="CAPTION_ONLY">
     <p:spTree>
       <p:nvGrpSpPr>
-        <p:cNvPr id="66" name="Shape 66"/>
+        <p:cNvPr id="1" name="Shape 66"/>
         <p:cNvGrpSpPr/>
         <p:nvPr/>
       </p:nvGrpSpPr>
@@ -6549,9 +6642,11 @@
       <p:sp>
         <p:nvSpPr>
           <p:cNvPr id="67" name="Google Shape;67;p10"/>
-          <p:cNvSpPr txBox="1"/>
+          <p:cNvSpPr txBox="1">
+            <a:spLocks noGrp="1"/>
+          </p:cNvSpPr>
           <p:nvPr>
-            <p:ph idx="1" type="body"/>
+            <p:ph type="body" idx="1"/>
           </p:nvPr>
         </p:nvSpPr>
         <p:spPr>
@@ -6564,11 +6659,11 @@
           </a:prstGeom>
         </p:spPr>
         <p:txBody>
-          <a:bodyPr anchorCtr="0" anchor="ctr" bIns="91425" lIns="91425" spcFirstLastPara="1" rIns="91425" wrap="square" tIns="91425">
+          <a:bodyPr spcFirstLastPara="1" wrap="square" lIns="91425" tIns="91425" rIns="91425" bIns="91425" anchor="ctr" anchorCtr="0">
             <a:normAutofit/>
           </a:bodyPr>
           <a:lstStyle>
-            <a:lvl1pPr indent="-228600" lvl="0" marL="457200">
+            <a:lvl1pPr marL="457200" lvl="0" indent="-228600">
               <a:lnSpc>
                 <a:spcPct val="100000"/>
               </a:lnSpc>
@@ -6583,15 +6678,19 @@
               <a:defRPr/>
             </a:lvl1pPr>
           </a:lstStyle>
-          <a:p/>
+          <a:p>
+            <a:endParaRPr/>
+          </a:p>
         </p:txBody>
       </p:sp>
       <p:sp>
         <p:nvSpPr>
           <p:cNvPr id="68" name="Google Shape;68;p10"/>
-          <p:cNvSpPr txBox="1"/>
+          <p:cNvSpPr txBox="1">
+            <a:spLocks noGrp="1"/>
+          </p:cNvSpPr>
           <p:nvPr>
-            <p:ph idx="12" type="sldNum"/>
+            <p:ph type="sldNum" idx="12"/>
           </p:nvPr>
         </p:nvSpPr>
         <p:spPr>
@@ -6604,7 +6703,7 @@
           </a:prstGeom>
         </p:spPr>
         <p:txBody>
-          <a:bodyPr anchorCtr="0" anchor="ctr" bIns="91425" lIns="91425" spcFirstLastPara="1" rIns="91425" wrap="square" tIns="91425">
+          <a:bodyPr spcFirstLastPara="1" wrap="square" lIns="91425" tIns="91425" rIns="91425" bIns="91425" anchor="ctr" anchorCtr="0">
             <a:normAutofit/>
           </a:bodyPr>
           <a:lstStyle>
@@ -6682,7 +6781,7 @@
             </a:lvl9pPr>
           </a:lstStyle>
           <a:p>
-            <a:pPr indent="0" lvl="0" marL="0" rtl="0" algn="r">
+            <a:pPr marL="0" lvl="0" indent="0" algn="r" rtl="0">
               <a:spcBef>
                 <a:spcPts val="0"/>
               </a:spcBef>
@@ -6708,18 +6807,19 @@
 </file>
 
 <file path=ppt/slideMasters/slideMaster1.xml><?xml version="1.0" encoding="utf-8"?>
-<p:sldMaster xmlns:a="http://schemas.openxmlformats.org/drawingml/2006/main" xmlns:r="http://schemas.openxmlformats.org/officeDocument/2006/relationships" xmlns:mc="http://schemas.openxmlformats.org/markup-compatibility/2006" xmlns:mv="urn:schemas-microsoft-com:mac:vml" xmlns:p="http://schemas.openxmlformats.org/presentationml/2006/main" xmlns:c="http://schemas.openxmlformats.org/drawingml/2006/chart" xmlns:dgm="http://schemas.openxmlformats.org/drawingml/2006/diagram" xmlns:o="urn:schemas-microsoft-com:office:office" xmlns:v="urn:schemas-microsoft-com:vml" xmlns:pvml="urn:schemas-microsoft-com:office:powerpoint" xmlns:com="http://schemas.openxmlformats.org/drawingml/2006/compatibility" xmlns:p14="http://schemas.microsoft.com/office/powerpoint/2010/main" xmlns:p15="http://schemas.microsoft.com/office/powerpoint/2012/main" xmlns:ahyp="http://schemas.microsoft.com/office/drawing/2018/hyperlinkcolor">
+<p:sldMaster xmlns:a="http://schemas.openxmlformats.org/drawingml/2006/main" xmlns:r="http://schemas.openxmlformats.org/officeDocument/2006/relationships" xmlns:p="http://schemas.openxmlformats.org/presentationml/2006/main">
   <p:cSld name="geometric">
     <p:bg>
       <p:bgPr>
         <a:solidFill>
           <a:schemeClr val="lt1"/>
         </a:solidFill>
+        <a:effectLst/>
       </p:bgPr>
     </p:bg>
     <p:spTree>
       <p:nvGrpSpPr>
-        <p:cNvPr id="5" name="Shape 5"/>
+        <p:cNvPr id="1" name="Shape 5"/>
         <p:cNvGrpSpPr/>
         <p:nvPr/>
       </p:nvGrpSpPr>
@@ -6734,7 +6834,9 @@
       <p:sp>
         <p:nvSpPr>
           <p:cNvPr id="6" name="Google Shape;6;p1"/>
-          <p:cNvSpPr txBox="1"/>
+          <p:cNvSpPr txBox="1">
+            <a:spLocks noGrp="1"/>
+          </p:cNvSpPr>
           <p:nvPr>
             <p:ph type="title"/>
           </p:nvPr>
@@ -6753,7 +6855,7 @@
           </a:ln>
         </p:spPr>
         <p:txBody>
-          <a:bodyPr anchorCtr="0" anchor="t" bIns="91425" lIns="91425" spcFirstLastPara="1" rIns="91425" wrap="square" tIns="91425">
+          <a:bodyPr spcFirstLastPara="1" wrap="square" lIns="91425" tIns="91425" rIns="91425" bIns="91425" anchor="t" anchorCtr="0">
             <a:normAutofit/>
           </a:bodyPr>
           <a:lstStyle>
@@ -6965,15 +7067,19 @@
               </a:defRPr>
             </a:lvl9pPr>
           </a:lstStyle>
-          <a:p/>
+          <a:p>
+            <a:endParaRPr/>
+          </a:p>
         </p:txBody>
       </p:sp>
       <p:sp>
         <p:nvSpPr>
           <p:cNvPr id="7" name="Google Shape;7;p1"/>
-          <p:cNvSpPr txBox="1"/>
+          <p:cNvSpPr txBox="1">
+            <a:spLocks noGrp="1"/>
+          </p:cNvSpPr>
           <p:nvPr>
-            <p:ph idx="1" type="body"/>
+            <p:ph type="body" idx="1"/>
           </p:nvPr>
         </p:nvSpPr>
         <p:spPr>
@@ -6990,11 +7096,11 @@
           </a:ln>
         </p:spPr>
         <p:txBody>
-          <a:bodyPr anchorCtr="0" anchor="t" bIns="91425" lIns="91425" spcFirstLastPara="1" rIns="91425" wrap="square" tIns="91425">
+          <a:bodyPr spcFirstLastPara="1" wrap="square" lIns="91425" tIns="91425" rIns="91425" bIns="91425" anchor="t" anchorCtr="0">
             <a:normAutofit/>
           </a:bodyPr>
           <a:lstStyle>
-            <a:lvl1pPr indent="-342900" lvl="0" marL="457200">
+            <a:lvl1pPr marL="457200" lvl="0" indent="-342900">
               <a:lnSpc>
                 <a:spcPct val="115000"/>
               </a:lnSpc>
@@ -7020,7 +7126,7 @@
                 <a:sym typeface="Roboto"/>
               </a:defRPr>
             </a:lvl1pPr>
-            <a:lvl2pPr indent="-317500" lvl="1" marL="914400">
+            <a:lvl2pPr marL="914400" lvl="1" indent="-317500">
               <a:lnSpc>
                 <a:spcPct val="115000"/>
               </a:lnSpc>
@@ -7046,7 +7152,7 @@
                 <a:sym typeface="Roboto"/>
               </a:defRPr>
             </a:lvl2pPr>
-            <a:lvl3pPr indent="-317500" lvl="2" marL="1371600">
+            <a:lvl3pPr marL="1371600" lvl="2" indent="-317500">
               <a:lnSpc>
                 <a:spcPct val="115000"/>
               </a:lnSpc>
@@ -7072,7 +7178,7 @@
                 <a:sym typeface="Roboto"/>
               </a:defRPr>
             </a:lvl3pPr>
-            <a:lvl4pPr indent="-317500" lvl="3" marL="1828800">
+            <a:lvl4pPr marL="1828800" lvl="3" indent="-317500">
               <a:lnSpc>
                 <a:spcPct val="115000"/>
               </a:lnSpc>
@@ -7098,7 +7204,7 @@
                 <a:sym typeface="Roboto"/>
               </a:defRPr>
             </a:lvl4pPr>
-            <a:lvl5pPr indent="-317500" lvl="4" marL="2286000">
+            <a:lvl5pPr marL="2286000" lvl="4" indent="-317500">
               <a:lnSpc>
                 <a:spcPct val="115000"/>
               </a:lnSpc>
@@ -7124,7 +7230,7 @@
                 <a:sym typeface="Roboto"/>
               </a:defRPr>
             </a:lvl5pPr>
-            <a:lvl6pPr indent="-317500" lvl="5" marL="2743200">
+            <a:lvl6pPr marL="2743200" lvl="5" indent="-317500">
               <a:lnSpc>
                 <a:spcPct val="115000"/>
               </a:lnSpc>
@@ -7150,7 +7256,7 @@
                 <a:sym typeface="Roboto"/>
               </a:defRPr>
             </a:lvl6pPr>
-            <a:lvl7pPr indent="-317500" lvl="6" marL="3200400">
+            <a:lvl7pPr marL="3200400" lvl="6" indent="-317500">
               <a:lnSpc>
                 <a:spcPct val="115000"/>
               </a:lnSpc>
@@ -7176,7 +7282,7 @@
                 <a:sym typeface="Roboto"/>
               </a:defRPr>
             </a:lvl7pPr>
-            <a:lvl8pPr indent="-317500" lvl="7" marL="3657600">
+            <a:lvl8pPr marL="3657600" lvl="7" indent="-317500">
               <a:lnSpc>
                 <a:spcPct val="115000"/>
               </a:lnSpc>
@@ -7202,7 +7308,7 @@
                 <a:sym typeface="Roboto"/>
               </a:defRPr>
             </a:lvl8pPr>
-            <a:lvl9pPr indent="-317500" lvl="8" marL="4114800">
+            <a:lvl9pPr marL="4114800" lvl="8" indent="-317500">
               <a:lnSpc>
                 <a:spcPct val="115000"/>
               </a:lnSpc>
@@ -7229,15 +7335,19 @@
               </a:defRPr>
             </a:lvl9pPr>
           </a:lstStyle>
-          <a:p/>
+          <a:p>
+            <a:endParaRPr/>
+          </a:p>
         </p:txBody>
       </p:sp>
       <p:sp>
         <p:nvSpPr>
           <p:cNvPr id="8" name="Google Shape;8;p1"/>
-          <p:cNvSpPr txBox="1"/>
+          <p:cNvSpPr txBox="1">
+            <a:spLocks noGrp="1"/>
+          </p:cNvSpPr>
           <p:nvPr>
-            <p:ph idx="12" type="sldNum"/>
+            <p:ph type="sldNum" idx="12"/>
           </p:nvPr>
         </p:nvSpPr>
         <p:spPr>
@@ -7254,7 +7364,7 @@
           </a:ln>
         </p:spPr>
         <p:txBody>
-          <a:bodyPr anchorCtr="0" anchor="ctr" bIns="91425" lIns="91425" spcFirstLastPara="1" rIns="91425" wrap="square" tIns="91425">
+          <a:bodyPr spcFirstLastPara="1" wrap="square" lIns="91425" tIns="91425" rIns="91425" bIns="91425" anchor="ctr" anchorCtr="0">
             <a:normAutofit/>
           </a:bodyPr>
           <a:lstStyle>
@@ -7368,7 +7478,7 @@
             </a:lvl9pPr>
           </a:lstStyle>
           <a:p>
-            <a:pPr indent="0" lvl="0" marL="0" rtl="0" algn="r">
+            <a:pPr marL="0" lvl="0" indent="0" algn="r" rtl="0">
               <a:spcBef>
                 <a:spcPts val="0"/>
               </a:spcBef>
@@ -7387,7 +7497,7 @@
       </p:sp>
     </p:spTree>
   </p:cSld>
-  <p:clrMap accent1="accent1" accent2="accent2" accent3="accent3" accent4="accent4" accent5="accent5" accent6="accent6" bg1="lt1" bg2="dk2" tx1="dk1" tx2="lt2" folHlink="folHlink" hlink="hlink"/>
+  <p:clrMap bg1="lt1" tx1="dk1" bg2="dk2" tx2="lt2" accent1="accent1" accent2="accent2" accent3="accent3" accent4="accent4" accent5="accent5" accent6="accent6" hlink="hlink" folHlink="folHlink"/>
   <p:sldLayoutIdLst>
     <p:sldLayoutId id="2147483648" r:id="rId1"/>
     <p:sldLayoutId id="2147483649" r:id="rId2"/>
@@ -7401,10 +7511,10 @@
     <p:sldLayoutId id="2147483657" r:id="rId10"/>
     <p:sldLayoutId id="2147483658" r:id="rId11"/>
   </p:sldLayoutIdLst>
-  <p:hf dt="0" ftr="0" hdr="0" sldNum="0"/>
+  <p:hf sldNum="0" hdr="0" ftr="0" dt="0"/>
   <p:txStyles>
     <p:titleStyle>
-      <a:defPPr lvl="0" marR="0" rtl="0" algn="l">
+      <a:defPPr marR="0" lvl="0" algn="l" rtl="0">
         <a:lnSpc>
           <a:spcPct val="100000"/>
         </a:lnSpc>
@@ -7415,7 +7525,7 @@
           <a:spcPts val="0"/>
         </a:spcAft>
       </a:defPPr>
-      <a:lvl1pPr lvl="0" marR="0" rtl="0" algn="l">
+      <a:lvl1pPr marR="0" lvl="0" algn="l" rtl="0">
         <a:lnSpc>
           <a:spcPct val="100000"/>
         </a:lnSpc>
@@ -7429,7 +7539,7 @@
           <a:srgbClr val="000000"/>
         </a:buClr>
         <a:buFont typeface="Arial"/>
-        <a:defRPr b="0" i="0" sz="1400" u="none" cap="none" strike="noStrike">
+        <a:defRPr sz="1400" b="0" i="0" u="none" strike="noStrike" cap="none">
           <a:solidFill>
             <a:srgbClr val="000000"/>
           </a:solidFill>
@@ -7439,7 +7549,7 @@
           <a:sym typeface="Arial"/>
         </a:defRPr>
       </a:lvl1pPr>
-      <a:lvl2pPr lvl="1" marR="0" rtl="0" algn="l">
+      <a:lvl2pPr marR="0" lvl="1" algn="l" rtl="0">
         <a:lnSpc>
           <a:spcPct val="100000"/>
         </a:lnSpc>
@@ -7453,7 +7563,7 @@
           <a:srgbClr val="000000"/>
         </a:buClr>
         <a:buFont typeface="Arial"/>
-        <a:defRPr b="0" i="0" sz="1400" u="none" cap="none" strike="noStrike">
+        <a:defRPr sz="1400" b="0" i="0" u="none" strike="noStrike" cap="none">
           <a:solidFill>
             <a:srgbClr val="000000"/>
           </a:solidFill>
@@ -7463,7 +7573,7 @@
           <a:sym typeface="Arial"/>
         </a:defRPr>
       </a:lvl2pPr>
-      <a:lvl3pPr lvl="2" marR="0" rtl="0" algn="l">
+      <a:lvl3pPr marR="0" lvl="2" algn="l" rtl="0">
         <a:lnSpc>
           <a:spcPct val="100000"/>
         </a:lnSpc>
@@ -7477,7 +7587,7 @@
           <a:srgbClr val="000000"/>
         </a:buClr>
         <a:buFont typeface="Arial"/>
-        <a:defRPr b="0" i="0" sz="1400" u="none" cap="none" strike="noStrike">
+        <a:defRPr sz="1400" b="0" i="0" u="none" strike="noStrike" cap="none">
           <a:solidFill>
             <a:srgbClr val="000000"/>
           </a:solidFill>
@@ -7487,7 +7597,7 @@
           <a:sym typeface="Arial"/>
         </a:defRPr>
       </a:lvl3pPr>
-      <a:lvl4pPr lvl="3" marR="0" rtl="0" algn="l">
+      <a:lvl4pPr marR="0" lvl="3" algn="l" rtl="0">
         <a:lnSpc>
           <a:spcPct val="100000"/>
         </a:lnSpc>
@@ -7501,7 +7611,7 @@
           <a:srgbClr val="000000"/>
         </a:buClr>
         <a:buFont typeface="Arial"/>
-        <a:defRPr b="0" i="0" sz="1400" u="none" cap="none" strike="noStrike">
+        <a:defRPr sz="1400" b="0" i="0" u="none" strike="noStrike" cap="none">
           <a:solidFill>
             <a:srgbClr val="000000"/>
           </a:solidFill>
@@ -7511,7 +7621,7 @@
           <a:sym typeface="Arial"/>
         </a:defRPr>
       </a:lvl4pPr>
-      <a:lvl5pPr lvl="4" marR="0" rtl="0" algn="l">
+      <a:lvl5pPr marR="0" lvl="4" algn="l" rtl="0">
         <a:lnSpc>
           <a:spcPct val="100000"/>
         </a:lnSpc>
@@ -7525,7 +7635,7 @@
           <a:srgbClr val="000000"/>
         </a:buClr>
         <a:buFont typeface="Arial"/>
-        <a:defRPr b="0" i="0" sz="1400" u="none" cap="none" strike="noStrike">
+        <a:defRPr sz="1400" b="0" i="0" u="none" strike="noStrike" cap="none">
           <a:solidFill>
             <a:srgbClr val="000000"/>
           </a:solidFill>
@@ -7535,7 +7645,7 @@
           <a:sym typeface="Arial"/>
         </a:defRPr>
       </a:lvl5pPr>
-      <a:lvl6pPr lvl="5" marR="0" rtl="0" algn="l">
+      <a:lvl6pPr marR="0" lvl="5" algn="l" rtl="0">
         <a:lnSpc>
           <a:spcPct val="100000"/>
         </a:lnSpc>
@@ -7549,7 +7659,7 @@
           <a:srgbClr val="000000"/>
         </a:buClr>
         <a:buFont typeface="Arial"/>
-        <a:defRPr b="0" i="0" sz="1400" u="none" cap="none" strike="noStrike">
+        <a:defRPr sz="1400" b="0" i="0" u="none" strike="noStrike" cap="none">
           <a:solidFill>
             <a:srgbClr val="000000"/>
           </a:solidFill>
@@ -7559,7 +7669,7 @@
           <a:sym typeface="Arial"/>
         </a:defRPr>
       </a:lvl6pPr>
-      <a:lvl7pPr lvl="6" marR="0" rtl="0" algn="l">
+      <a:lvl7pPr marR="0" lvl="6" algn="l" rtl="0">
         <a:lnSpc>
           <a:spcPct val="100000"/>
         </a:lnSpc>
@@ -7573,7 +7683,7 @@
           <a:srgbClr val="000000"/>
         </a:buClr>
         <a:buFont typeface="Arial"/>
-        <a:defRPr b="0" i="0" sz="1400" u="none" cap="none" strike="noStrike">
+        <a:defRPr sz="1400" b="0" i="0" u="none" strike="noStrike" cap="none">
           <a:solidFill>
             <a:srgbClr val="000000"/>
           </a:solidFill>
@@ -7583,7 +7693,7 @@
           <a:sym typeface="Arial"/>
         </a:defRPr>
       </a:lvl7pPr>
-      <a:lvl8pPr lvl="7" marR="0" rtl="0" algn="l">
+      <a:lvl8pPr marR="0" lvl="7" algn="l" rtl="0">
         <a:lnSpc>
           <a:spcPct val="100000"/>
         </a:lnSpc>
@@ -7597,7 +7707,7 @@
           <a:srgbClr val="000000"/>
         </a:buClr>
         <a:buFont typeface="Arial"/>
-        <a:defRPr b="0" i="0" sz="1400" u="none" cap="none" strike="noStrike">
+        <a:defRPr sz="1400" b="0" i="0" u="none" strike="noStrike" cap="none">
           <a:solidFill>
             <a:srgbClr val="000000"/>
           </a:solidFill>
@@ -7607,7 +7717,7 @@
           <a:sym typeface="Arial"/>
         </a:defRPr>
       </a:lvl8pPr>
-      <a:lvl9pPr lvl="8" marR="0" rtl="0" algn="l">
+      <a:lvl9pPr marR="0" lvl="8" algn="l" rtl="0">
         <a:lnSpc>
           <a:spcPct val="100000"/>
         </a:lnSpc>
@@ -7621,7 +7731,7 @@
           <a:srgbClr val="000000"/>
         </a:buClr>
         <a:buFont typeface="Arial"/>
-        <a:defRPr b="0" i="0" sz="1400" u="none" cap="none" strike="noStrike">
+        <a:defRPr sz="1400" b="0" i="0" u="none" strike="noStrike" cap="none">
           <a:solidFill>
             <a:srgbClr val="000000"/>
           </a:solidFill>
@@ -7633,7 +7743,7 @@
       </a:lvl9pPr>
     </p:titleStyle>
     <p:bodyStyle>
-      <a:defPPr lvl="0" marR="0" rtl="0" algn="l">
+      <a:defPPr marR="0" lvl="0" algn="l" rtl="0">
         <a:lnSpc>
           <a:spcPct val="100000"/>
         </a:lnSpc>
@@ -7644,7 +7754,7 @@
           <a:spcPts val="0"/>
         </a:spcAft>
       </a:defPPr>
-      <a:lvl1pPr lvl="0" marR="0" rtl="0" algn="l">
+      <a:lvl1pPr marR="0" lvl="0" algn="l" rtl="0">
         <a:lnSpc>
           <a:spcPct val="100000"/>
         </a:lnSpc>
@@ -7658,7 +7768,7 @@
           <a:srgbClr val="000000"/>
         </a:buClr>
         <a:buFont typeface="Arial"/>
-        <a:defRPr b="0" i="0" sz="1400" u="none" cap="none" strike="noStrike">
+        <a:defRPr sz="1400" b="0" i="0" u="none" strike="noStrike" cap="none">
           <a:solidFill>
             <a:srgbClr val="000000"/>
           </a:solidFill>
@@ -7668,7 +7778,7 @@
           <a:sym typeface="Arial"/>
         </a:defRPr>
       </a:lvl1pPr>
-      <a:lvl2pPr lvl="1" marR="0" rtl="0" algn="l">
+      <a:lvl2pPr marR="0" lvl="1" algn="l" rtl="0">
         <a:lnSpc>
           <a:spcPct val="100000"/>
         </a:lnSpc>
@@ -7682,7 +7792,7 @@
           <a:srgbClr val="000000"/>
         </a:buClr>
         <a:buFont typeface="Arial"/>
-        <a:defRPr b="0" i="0" sz="1400" u="none" cap="none" strike="noStrike">
+        <a:defRPr sz="1400" b="0" i="0" u="none" strike="noStrike" cap="none">
           <a:solidFill>
             <a:srgbClr val="000000"/>
           </a:solidFill>
@@ -7692,7 +7802,7 @@
           <a:sym typeface="Arial"/>
         </a:defRPr>
       </a:lvl2pPr>
-      <a:lvl3pPr lvl="2" marR="0" rtl="0" algn="l">
+      <a:lvl3pPr marR="0" lvl="2" algn="l" rtl="0">
         <a:lnSpc>
           <a:spcPct val="100000"/>
         </a:lnSpc>
@@ -7706,7 +7816,7 @@
           <a:srgbClr val="000000"/>
         </a:buClr>
         <a:buFont typeface="Arial"/>
-        <a:defRPr b="0" i="0" sz="1400" u="none" cap="none" strike="noStrike">
+        <a:defRPr sz="1400" b="0" i="0" u="none" strike="noStrike" cap="none">
           <a:solidFill>
             <a:srgbClr val="000000"/>
           </a:solidFill>
@@ -7716,7 +7826,7 @@
           <a:sym typeface="Arial"/>
         </a:defRPr>
       </a:lvl3pPr>
-      <a:lvl4pPr lvl="3" marR="0" rtl="0" algn="l">
+      <a:lvl4pPr marR="0" lvl="3" algn="l" rtl="0">
         <a:lnSpc>
           <a:spcPct val="100000"/>
         </a:lnSpc>
@@ -7730,7 +7840,7 @@
           <a:srgbClr val="000000"/>
         </a:buClr>
         <a:buFont typeface="Arial"/>
-        <a:defRPr b="0" i="0" sz="1400" u="none" cap="none" strike="noStrike">
+        <a:defRPr sz="1400" b="0" i="0" u="none" strike="noStrike" cap="none">
           <a:solidFill>
             <a:srgbClr val="000000"/>
           </a:solidFill>
@@ -7740,7 +7850,7 @@
           <a:sym typeface="Arial"/>
         </a:defRPr>
       </a:lvl4pPr>
-      <a:lvl5pPr lvl="4" marR="0" rtl="0" algn="l">
+      <a:lvl5pPr marR="0" lvl="4" algn="l" rtl="0">
         <a:lnSpc>
           <a:spcPct val="100000"/>
         </a:lnSpc>
@@ -7754,7 +7864,7 @@
           <a:srgbClr val="000000"/>
         </a:buClr>
         <a:buFont typeface="Arial"/>
-        <a:defRPr b="0" i="0" sz="1400" u="none" cap="none" strike="noStrike">
+        <a:defRPr sz="1400" b="0" i="0" u="none" strike="noStrike" cap="none">
           <a:solidFill>
             <a:srgbClr val="000000"/>
           </a:solidFill>
@@ -7764,7 +7874,7 @@
           <a:sym typeface="Arial"/>
         </a:defRPr>
       </a:lvl5pPr>
-      <a:lvl6pPr lvl="5" marR="0" rtl="0" algn="l">
+      <a:lvl6pPr marR="0" lvl="5" algn="l" rtl="0">
         <a:lnSpc>
           <a:spcPct val="100000"/>
         </a:lnSpc>
@@ -7778,7 +7888,7 @@
           <a:srgbClr val="000000"/>
         </a:buClr>
         <a:buFont typeface="Arial"/>
-        <a:defRPr b="0" i="0" sz="1400" u="none" cap="none" strike="noStrike">
+        <a:defRPr sz="1400" b="0" i="0" u="none" strike="noStrike" cap="none">
           <a:solidFill>
             <a:srgbClr val="000000"/>
           </a:solidFill>
@@ -7788,7 +7898,7 @@
           <a:sym typeface="Arial"/>
         </a:defRPr>
       </a:lvl6pPr>
-      <a:lvl7pPr lvl="6" marR="0" rtl="0" algn="l">
+      <a:lvl7pPr marR="0" lvl="6" algn="l" rtl="0">
         <a:lnSpc>
           <a:spcPct val="100000"/>
         </a:lnSpc>
@@ -7802,7 +7912,7 @@
           <a:srgbClr val="000000"/>
         </a:buClr>
         <a:buFont typeface="Arial"/>
-        <a:defRPr b="0" i="0" sz="1400" u="none" cap="none" strike="noStrike">
+        <a:defRPr sz="1400" b="0" i="0" u="none" strike="noStrike" cap="none">
           <a:solidFill>
             <a:srgbClr val="000000"/>
           </a:solidFill>
@@ -7812,7 +7922,7 @@
           <a:sym typeface="Arial"/>
         </a:defRPr>
       </a:lvl7pPr>
-      <a:lvl8pPr lvl="7" marR="0" rtl="0" algn="l">
+      <a:lvl8pPr marR="0" lvl="7" algn="l" rtl="0">
         <a:lnSpc>
           <a:spcPct val="100000"/>
         </a:lnSpc>
@@ -7826,7 +7936,7 @@
           <a:srgbClr val="000000"/>
         </a:buClr>
         <a:buFont typeface="Arial"/>
-        <a:defRPr b="0" i="0" sz="1400" u="none" cap="none" strike="noStrike">
+        <a:defRPr sz="1400" b="0" i="0" u="none" strike="noStrike" cap="none">
           <a:solidFill>
             <a:srgbClr val="000000"/>
           </a:solidFill>
@@ -7836,7 +7946,7 @@
           <a:sym typeface="Arial"/>
         </a:defRPr>
       </a:lvl8pPr>
-      <a:lvl9pPr lvl="8" marR="0" rtl="0" algn="l">
+      <a:lvl9pPr marR="0" lvl="8" algn="l" rtl="0">
         <a:lnSpc>
           <a:spcPct val="100000"/>
         </a:lnSpc>
@@ -7850,7 +7960,7 @@
           <a:srgbClr val="000000"/>
         </a:buClr>
         <a:buFont typeface="Arial"/>
-        <a:defRPr b="0" i="0" sz="1400" u="none" cap="none" strike="noStrike">
+        <a:defRPr sz="1400" b="0" i="0" u="none" strike="noStrike" cap="none">
           <a:solidFill>
             <a:srgbClr val="000000"/>
           </a:solidFill>
@@ -7862,7 +7972,7 @@
       </a:lvl9pPr>
     </p:bodyStyle>
     <p:otherStyle>
-      <a:defPPr lvl="0" marR="0" rtl="0" algn="l">
+      <a:defPPr marR="0" lvl="0" algn="l" rtl="0">
         <a:lnSpc>
           <a:spcPct val="100000"/>
         </a:lnSpc>
@@ -7873,7 +7983,7 @@
           <a:spcPts val="0"/>
         </a:spcAft>
       </a:defPPr>
-      <a:lvl1pPr lvl="0" marR="0" rtl="0" algn="l">
+      <a:lvl1pPr marR="0" lvl="0" algn="l" rtl="0">
         <a:lnSpc>
           <a:spcPct val="100000"/>
         </a:lnSpc>
@@ -7887,7 +7997,7 @@
           <a:srgbClr val="000000"/>
         </a:buClr>
         <a:buFont typeface="Arial"/>
-        <a:defRPr b="0" i="0" sz="1400" u="none" cap="none" strike="noStrike">
+        <a:defRPr sz="1400" b="0" i="0" u="none" strike="noStrike" cap="none">
           <a:solidFill>
             <a:srgbClr val="000000"/>
           </a:solidFill>
@@ -7897,7 +8007,7 @@
           <a:sym typeface="Arial"/>
         </a:defRPr>
       </a:lvl1pPr>
-      <a:lvl2pPr lvl="1" marR="0" rtl="0" algn="l">
+      <a:lvl2pPr marR="0" lvl="1" algn="l" rtl="0">
         <a:lnSpc>
           <a:spcPct val="100000"/>
         </a:lnSpc>
@@ -7911,7 +8021,7 @@
           <a:srgbClr val="000000"/>
         </a:buClr>
         <a:buFont typeface="Arial"/>
-        <a:defRPr b="0" i="0" sz="1400" u="none" cap="none" strike="noStrike">
+        <a:defRPr sz="1400" b="0" i="0" u="none" strike="noStrike" cap="none">
           <a:solidFill>
             <a:srgbClr val="000000"/>
           </a:solidFill>
@@ -7921,7 +8031,7 @@
           <a:sym typeface="Arial"/>
         </a:defRPr>
       </a:lvl2pPr>
-      <a:lvl3pPr lvl="2" marR="0" rtl="0" algn="l">
+      <a:lvl3pPr marR="0" lvl="2" algn="l" rtl="0">
         <a:lnSpc>
           <a:spcPct val="100000"/>
         </a:lnSpc>
@@ -7935,7 +8045,7 @@
           <a:srgbClr val="000000"/>
         </a:buClr>
         <a:buFont typeface="Arial"/>
-        <a:defRPr b="0" i="0" sz="1400" u="none" cap="none" strike="noStrike">
+        <a:defRPr sz="1400" b="0" i="0" u="none" strike="noStrike" cap="none">
           <a:solidFill>
             <a:srgbClr val="000000"/>
           </a:solidFill>
@@ -7945,7 +8055,7 @@
           <a:sym typeface="Arial"/>
         </a:defRPr>
       </a:lvl3pPr>
-      <a:lvl4pPr lvl="3" marR="0" rtl="0" algn="l">
+      <a:lvl4pPr marR="0" lvl="3" algn="l" rtl="0">
         <a:lnSpc>
           <a:spcPct val="100000"/>
         </a:lnSpc>
@@ -7959,7 +8069,7 @@
           <a:srgbClr val="000000"/>
         </a:buClr>
         <a:buFont typeface="Arial"/>
-        <a:defRPr b="0" i="0" sz="1400" u="none" cap="none" strike="noStrike">
+        <a:defRPr sz="1400" b="0" i="0" u="none" strike="noStrike" cap="none">
           <a:solidFill>
             <a:srgbClr val="000000"/>
           </a:solidFill>
@@ -7969,7 +8079,7 @@
           <a:sym typeface="Arial"/>
         </a:defRPr>
       </a:lvl4pPr>
-      <a:lvl5pPr lvl="4" marR="0" rtl="0" algn="l">
+      <a:lvl5pPr marR="0" lvl="4" algn="l" rtl="0">
         <a:lnSpc>
           <a:spcPct val="100000"/>
         </a:lnSpc>
@@ -7983,7 +8093,7 @@
           <a:srgbClr val="000000"/>
         </a:buClr>
         <a:buFont typeface="Arial"/>
-        <a:defRPr b="0" i="0" sz="1400" u="none" cap="none" strike="noStrike">
+        <a:defRPr sz="1400" b="0" i="0" u="none" strike="noStrike" cap="none">
           <a:solidFill>
             <a:srgbClr val="000000"/>
           </a:solidFill>
@@ -7993,7 +8103,7 @@
           <a:sym typeface="Arial"/>
         </a:defRPr>
       </a:lvl5pPr>
-      <a:lvl6pPr lvl="5" marR="0" rtl="0" algn="l">
+      <a:lvl6pPr marR="0" lvl="5" algn="l" rtl="0">
         <a:lnSpc>
           <a:spcPct val="100000"/>
         </a:lnSpc>
@@ -8007,7 +8117,7 @@
           <a:srgbClr val="000000"/>
         </a:buClr>
         <a:buFont typeface="Arial"/>
-        <a:defRPr b="0" i="0" sz="1400" u="none" cap="none" strike="noStrike">
+        <a:defRPr sz="1400" b="0" i="0" u="none" strike="noStrike" cap="none">
           <a:solidFill>
             <a:srgbClr val="000000"/>
           </a:solidFill>
@@ -8017,7 +8127,7 @@
           <a:sym typeface="Arial"/>
         </a:defRPr>
       </a:lvl6pPr>
-      <a:lvl7pPr lvl="6" marR="0" rtl="0" algn="l">
+      <a:lvl7pPr marR="0" lvl="6" algn="l" rtl="0">
         <a:lnSpc>
           <a:spcPct val="100000"/>
         </a:lnSpc>
@@ -8031,7 +8141,7 @@
           <a:srgbClr val="000000"/>
         </a:buClr>
         <a:buFont typeface="Arial"/>
-        <a:defRPr b="0" i="0" sz="1400" u="none" cap="none" strike="noStrike">
+        <a:defRPr sz="1400" b="0" i="0" u="none" strike="noStrike" cap="none">
           <a:solidFill>
             <a:srgbClr val="000000"/>
           </a:solidFill>
@@ -8041,7 +8151,7 @@
           <a:sym typeface="Arial"/>
         </a:defRPr>
       </a:lvl7pPr>
-      <a:lvl8pPr lvl="7" marR="0" rtl="0" algn="l">
+      <a:lvl8pPr marR="0" lvl="7" algn="l" rtl="0">
         <a:lnSpc>
           <a:spcPct val="100000"/>
         </a:lnSpc>
@@ -8055,7 +8165,7 @@
           <a:srgbClr val="000000"/>
         </a:buClr>
         <a:buFont typeface="Arial"/>
-        <a:defRPr b="0" i="0" sz="1400" u="none" cap="none" strike="noStrike">
+        <a:defRPr sz="1400" b="0" i="0" u="none" strike="noStrike" cap="none">
           <a:solidFill>
             <a:srgbClr val="000000"/>
           </a:solidFill>
@@ -8065,7 +8175,7 @@
           <a:sym typeface="Arial"/>
         </a:defRPr>
       </a:lvl8pPr>
-      <a:lvl9pPr lvl="8" marR="0" rtl="0" algn="l">
+      <a:lvl9pPr marR="0" lvl="8" algn="l" rtl="0">
         <a:lnSpc>
           <a:spcPct val="100000"/>
         </a:lnSpc>
@@ -8079,7 +8189,7 @@
           <a:srgbClr val="000000"/>
         </a:buClr>
         <a:buFont typeface="Arial"/>
-        <a:defRPr b="0" i="0" sz="1400" u="none" cap="none" strike="noStrike">
+        <a:defRPr sz="1400" b="0" i="0" u="none" strike="noStrike" cap="none">
           <a:solidFill>
             <a:srgbClr val="000000"/>
           </a:solidFill>
@@ -8095,11 +8205,11 @@
 </file>
 
 <file path=ppt/slides/slide1.xml><?xml version="1.0" encoding="utf-8"?>
-<p:sld xmlns:a="http://schemas.openxmlformats.org/drawingml/2006/main" xmlns:r="http://schemas.openxmlformats.org/officeDocument/2006/relationships" xmlns:mc="http://schemas.openxmlformats.org/markup-compatibility/2006" xmlns:mv="urn:schemas-microsoft-com:mac:vml" xmlns:p="http://schemas.openxmlformats.org/presentationml/2006/main" xmlns:c="http://schemas.openxmlformats.org/drawingml/2006/chart" xmlns:dgm="http://schemas.openxmlformats.org/drawingml/2006/diagram" xmlns:o="urn:schemas-microsoft-com:office:office" xmlns:v="urn:schemas-microsoft-com:vml" xmlns:pvml="urn:schemas-microsoft-com:office:powerpoint" xmlns:com="http://schemas.openxmlformats.org/drawingml/2006/compatibility" xmlns:p14="http://schemas.microsoft.com/office/powerpoint/2010/main" xmlns:p15="http://schemas.microsoft.com/office/powerpoint/2012/main" xmlns:ahyp="http://schemas.microsoft.com/office/drawing/2018/hyperlinkcolor">
+<p:sld xmlns:a="http://schemas.openxmlformats.org/drawingml/2006/main" xmlns:r="http://schemas.openxmlformats.org/officeDocument/2006/relationships" xmlns:p="http://schemas.openxmlformats.org/presentationml/2006/main">
   <p:cSld>
     <p:spTree>
       <p:nvGrpSpPr>
-        <p:cNvPr id="84" name="Shape 84"/>
+        <p:cNvPr id="1" name="Shape 84"/>
         <p:cNvGrpSpPr/>
         <p:nvPr/>
       </p:nvGrpSpPr>
@@ -8114,7 +8224,9 @@
       <p:sp>
         <p:nvSpPr>
           <p:cNvPr id="85" name="Google Shape;85;p13"/>
-          <p:cNvSpPr txBox="1"/>
+          <p:cNvSpPr txBox="1">
+            <a:spLocks noGrp="1"/>
+          </p:cNvSpPr>
           <p:nvPr>
             <p:ph type="ctrTitle"/>
           </p:nvPr>
@@ -8129,12 +8241,12 @@
           </a:prstGeom>
         </p:spPr>
         <p:txBody>
-          <a:bodyPr anchorCtr="0" anchor="b" bIns="91425" lIns="91425" spcFirstLastPara="1" rIns="91425" wrap="square" tIns="91425">
+          <a:bodyPr spcFirstLastPara="1" wrap="square" lIns="91425" tIns="91425" rIns="91425" bIns="91425" anchor="b" anchorCtr="0">
             <a:normAutofit/>
           </a:bodyPr>
           <a:lstStyle/>
           <a:p>
-            <a:pPr indent="0" lvl="0" marL="0" rtl="0" algn="l">
+            <a:pPr marL="0" lvl="0" indent="0" algn="l" rtl="0">
               <a:spcBef>
                 <a:spcPts val="0"/>
               </a:spcBef>
@@ -8144,19 +8256,21 @@
               <a:buNone/>
             </a:pPr>
             <a:r>
-              <a:rPr lang="pl"/>
-              <a:t>AI4Youth</a:t>
+              <a:rPr lang="pl" dirty="0"/>
+              <a:t>beHappy</a:t>
             </a:r>
-            <a:endParaRPr/>
+            <a:endParaRPr dirty="0"/>
           </a:p>
         </p:txBody>
       </p:sp>
       <p:sp>
         <p:nvSpPr>
           <p:cNvPr id="86" name="Google Shape;86;p13"/>
-          <p:cNvSpPr txBox="1"/>
+          <p:cNvSpPr txBox="1">
+            <a:spLocks noGrp="1"/>
+          </p:cNvSpPr>
           <p:nvPr>
-            <p:ph idx="1" type="subTitle"/>
+            <p:ph type="subTitle" idx="1"/>
           </p:nvPr>
         </p:nvSpPr>
         <p:spPr>
@@ -8169,12 +8283,12 @@
           </a:prstGeom>
         </p:spPr>
         <p:txBody>
-          <a:bodyPr anchorCtr="0" anchor="t" bIns="91425" lIns="91425" spcFirstLastPara="1" rIns="91425" wrap="square" tIns="91425">
+          <a:bodyPr spcFirstLastPara="1" wrap="square" lIns="91425" tIns="91425" rIns="91425" bIns="91425" anchor="t" anchorCtr="0">
             <a:normAutofit lnSpcReduction="10000"/>
           </a:bodyPr>
           <a:lstStyle/>
           <a:p>
-            <a:pPr indent="0" lvl="0" marL="0" rtl="0" algn="l">
+            <a:pPr marL="0" lvl="0" indent="0" algn="l" rtl="0">
               <a:spcBef>
                 <a:spcPts val="0"/>
               </a:spcBef>
@@ -8190,7 +8304,7 @@
             <a:endParaRPr sz="1400"/>
           </a:p>
           <a:p>
-            <a:pPr indent="0" lvl="0" marL="0" rtl="0" algn="l">
+            <a:pPr marL="0" lvl="0" indent="0" algn="l" rtl="0">
               <a:spcBef>
                 <a:spcPts val="0"/>
               </a:spcBef>
@@ -8206,7 +8320,7 @@
             <a:endParaRPr sz="1400"/>
           </a:p>
           <a:p>
-            <a:pPr indent="0" lvl="0" marL="0" rtl="0" algn="l">
+            <a:pPr marL="0" lvl="0" indent="0" algn="l" rtl="0">
               <a:spcBef>
                 <a:spcPts val="0"/>
               </a:spcBef>
@@ -8222,7 +8336,7 @@
             <a:endParaRPr sz="1400"/>
           </a:p>
           <a:p>
-            <a:pPr indent="0" lvl="0" marL="0" rtl="0" algn="l">
+            <a:pPr marL="0" lvl="0" indent="0" algn="l" rtl="0">
               <a:spcBef>
                 <a:spcPts val="0"/>
               </a:spcBef>
@@ -8242,9 +8356,11 @@
       <p:sp>
         <p:nvSpPr>
           <p:cNvPr id="87" name="Google Shape;87;p13"/>
-          <p:cNvSpPr txBox="1"/>
+          <p:cNvSpPr txBox="1">
+            <a:spLocks noGrp="1"/>
+          </p:cNvSpPr>
           <p:nvPr>
-            <p:ph idx="1" type="subTitle"/>
+            <p:ph type="subTitle" idx="1"/>
           </p:nvPr>
         </p:nvSpPr>
         <p:spPr>
@@ -8257,12 +8373,12 @@
           </a:prstGeom>
         </p:spPr>
         <p:txBody>
-          <a:bodyPr anchorCtr="0" anchor="t" bIns="91425" lIns="91425" spcFirstLastPara="1" rIns="91425" wrap="square" tIns="91425">
+          <a:bodyPr spcFirstLastPara="1" wrap="square" lIns="91425" tIns="91425" rIns="91425" bIns="91425" anchor="t" anchorCtr="0">
             <a:normAutofit/>
           </a:bodyPr>
           <a:lstStyle/>
           <a:p>
-            <a:pPr indent="0" lvl="0" marL="0" rtl="0" algn="l">
+            <a:pPr marL="0" lvl="0" indent="0" algn="l" rtl="0">
               <a:spcBef>
                 <a:spcPts val="0"/>
               </a:spcBef>
@@ -8278,7 +8394,7 @@
             <a:endParaRPr sz="1400"/>
           </a:p>
           <a:p>
-            <a:pPr indent="0" lvl="0" marL="0" rtl="0" algn="l">
+            <a:pPr marL="0" lvl="0" indent="0" algn="l" rtl="0">
               <a:spcBef>
                 <a:spcPts val="0"/>
               </a:spcBef>
@@ -8295,20 +8411,64 @@
           </a:p>
         </p:txBody>
       </p:sp>
+      <p:sp>
+        <p:nvSpPr>
+          <p:cNvPr id="2" name="pole tekstowe 1">
+            <a:extLst>
+              <a:ext uri="{FF2B5EF4-FFF2-40B4-BE49-F238E27FC236}">
+                <a16:creationId xmlns:a16="http://schemas.microsoft.com/office/drawing/2014/main" id="{C411DA4F-3587-2A78-3718-317287CF423A}"/>
+              </a:ext>
+            </a:extLst>
+          </p:cNvPr>
+          <p:cNvSpPr txBox="1"/>
+          <p:nvPr/>
+        </p:nvSpPr>
+        <p:spPr>
+          <a:xfrm>
+            <a:off x="598100" y="3018282"/>
+            <a:ext cx="1244049" cy="400110"/>
+          </a:xfrm>
+          <a:prstGeom prst="rect">
+            <a:avLst/>
+          </a:prstGeom>
+          <a:noFill/>
+        </p:spPr>
+        <p:txBody>
+          <a:bodyPr wrap="square" rtlCol="0">
+            <a:spAutoFit/>
+          </a:bodyPr>
+          <a:lstStyle/>
+          <a:p>
+            <a:r>
+              <a:rPr lang="pl-PL" sz="2000" dirty="0">
+                <a:solidFill>
+                  <a:schemeClr val="bg1"/>
+                </a:solidFill>
+                <a:latin typeface="Roboto" panose="02000000000000000000" pitchFamily="2" charset="0"/>
+                <a:ea typeface="Roboto" panose="02000000000000000000" pitchFamily="2" charset="0"/>
+              </a:rPr>
+              <a:t>AI4Youth</a:t>
+            </a:r>
+          </a:p>
+        </p:txBody>
+      </p:sp>
     </p:spTree>
   </p:cSld>
   <p:clrMapOvr>
     <a:masterClrMapping/>
   </p:clrMapOvr>
+  <p:transition spd="slow">
+    <p:wipe/>
+  </p:transition>
 </p:sld>
 </file>
 
 <file path=ppt/slides/slide2.xml><?xml version="1.0" encoding="utf-8"?>
-<p:sld xmlns:a="http://schemas.openxmlformats.org/drawingml/2006/main" xmlns:r="http://schemas.openxmlformats.org/officeDocument/2006/relationships" xmlns:mc="http://schemas.openxmlformats.org/markup-compatibility/2006" xmlns:mv="urn:schemas-microsoft-com:mac:vml" xmlns:p="http://schemas.openxmlformats.org/presentationml/2006/main" xmlns:c="http://schemas.openxmlformats.org/drawingml/2006/chart" xmlns:dgm="http://schemas.openxmlformats.org/drawingml/2006/diagram" xmlns:o="urn:schemas-microsoft-com:office:office" xmlns:v="urn:schemas-microsoft-com:vml" xmlns:pvml="urn:schemas-microsoft-com:office:powerpoint" xmlns:com="http://schemas.openxmlformats.org/drawingml/2006/compatibility" xmlns:p14="http://schemas.microsoft.com/office/powerpoint/2010/main" xmlns:p15="http://schemas.microsoft.com/office/powerpoint/2012/main" xmlns:ahyp="http://schemas.microsoft.com/office/drawing/2018/hyperlinkcolor">
+<p:sld xmlns:a="http://schemas.openxmlformats.org/drawingml/2006/main" xmlns:r="http://schemas.openxmlformats.org/officeDocument/2006/relationships" xmlns:p="http://schemas.openxmlformats.org/presentationml/2006/main">
   <p:cSld>
     <p:spTree>
       <p:nvGrpSpPr>
-        <p:cNvPr id="91" name="Shape 91"/>
+        <p:cNvPr id="1" name="Shape 91"/>
         <p:cNvGrpSpPr/>
         <p:nvPr/>
       </p:nvGrpSpPr>
@@ -8323,7 +8483,9 @@
       <p:sp>
         <p:nvSpPr>
           <p:cNvPr id="92" name="Google Shape;92;p14"/>
-          <p:cNvSpPr txBox="1"/>
+          <p:cNvSpPr txBox="1">
+            <a:spLocks noGrp="1"/>
+          </p:cNvSpPr>
           <p:nvPr>
             <p:ph type="title"/>
           </p:nvPr>
@@ -8338,12 +8500,12 @@
           </a:prstGeom>
         </p:spPr>
         <p:txBody>
-          <a:bodyPr anchorCtr="0" anchor="t" bIns="91425" lIns="91425" spcFirstLastPara="1" rIns="91425" wrap="square" tIns="91425">
+          <a:bodyPr spcFirstLastPara="1" wrap="square" lIns="91425" tIns="91425" rIns="91425" bIns="91425" anchor="t" anchorCtr="0">
             <a:normAutofit fontScale="90000"/>
           </a:bodyPr>
           <a:lstStyle/>
           <a:p>
-            <a:pPr indent="0" lvl="0" marL="0" rtl="0" algn="l">
+            <a:pPr marL="0" lvl="0" indent="0" algn="l" rtl="0">
               <a:spcBef>
                 <a:spcPts val="0"/>
               </a:spcBef>
@@ -8353,19 +8515,21 @@
               <a:buNone/>
             </a:pPr>
             <a:r>
-              <a:rPr lang="pl"/>
+              <a:rPr lang="pl" dirty="0"/>
               <a:t>Informacje o projekcie</a:t>
             </a:r>
-            <a:endParaRPr/>
+            <a:endParaRPr dirty="0"/>
           </a:p>
         </p:txBody>
       </p:sp>
       <p:sp>
         <p:nvSpPr>
           <p:cNvPr id="93" name="Google Shape;93;p14"/>
-          <p:cNvSpPr txBox="1"/>
+          <p:cNvSpPr txBox="1">
+            <a:spLocks noGrp="1"/>
+          </p:cNvSpPr>
           <p:nvPr>
-            <p:ph idx="1" type="body"/>
+            <p:ph type="body" idx="1"/>
           </p:nvPr>
         </p:nvSpPr>
         <p:spPr>
@@ -8378,12 +8542,12 @@
           </a:prstGeom>
         </p:spPr>
         <p:txBody>
-          <a:bodyPr anchorCtr="0" anchor="t" bIns="91425" lIns="91425" spcFirstLastPara="1" rIns="91425" wrap="square" tIns="91425">
+          <a:bodyPr spcFirstLastPara="1" wrap="square" lIns="91425" tIns="91425" rIns="91425" bIns="91425" anchor="t" anchorCtr="0">
             <a:normAutofit/>
           </a:bodyPr>
           <a:lstStyle/>
           <a:p>
-            <a:pPr indent="0" lvl="0" marL="0" rtl="0" algn="l">
+            <a:pPr marL="0" lvl="0" indent="0" algn="l" rtl="0">
               <a:spcBef>
                 <a:spcPts val="0"/>
               </a:spcBef>
@@ -8393,18 +8557,10 @@
               <a:buNone/>
             </a:pPr>
             <a:r>
-              <a:rPr lang="pl"/>
-              <a:t>Projekt ma na celu wykrywanie hejtu i negatywnych emocji w serwisach społecznościowych w celu ochrony jego użytkowników w </a:t>
+              <a:rPr lang="pl" dirty="0"/>
+              <a:t>Projekt ma na celu wykrywanie hejtu i negatywnych emocji w serwisach społecznościowych w celu ochrony jego Użytkowników.</a:t>
             </a:r>
-            <a:r>
-              <a:rPr lang="pl"/>
-              <a:t>języku</a:t>
-            </a:r>
-            <a:r>
-              <a:rPr lang="pl"/>
-              <a:t> angielskim</a:t>
-            </a:r>
-            <a:endParaRPr/>
+            <a:endParaRPr dirty="0"/>
           </a:p>
         </p:txBody>
       </p:sp>
@@ -8456,12 +8612,12 @@
           </a:ln>
         </p:spPr>
         <p:txBody>
-          <a:bodyPr anchorCtr="0" anchor="t" bIns="91425" lIns="91425" spcFirstLastPara="1" rIns="91425" wrap="square" tIns="91425">
+          <a:bodyPr spcFirstLastPara="1" wrap="square" lIns="91425" tIns="91425" rIns="91425" bIns="91425" anchor="t" anchorCtr="0">
             <a:spAutoFit/>
           </a:bodyPr>
           <a:lstStyle/>
           <a:p>
-            <a:pPr indent="0" lvl="0" marL="0" rtl="0" algn="r">
+            <a:pPr marL="0" lvl="0" indent="0" algn="r" rtl="0">
               <a:spcBef>
                 <a:spcPts val="0"/>
               </a:spcBef>
@@ -8499,15 +8655,18 @@
   <p:clrMapOvr>
     <a:masterClrMapping/>
   </p:clrMapOvr>
+  <p:transition spd="slow">
+    <p:wipe/>
+  </p:transition>
 </p:sld>
 </file>
 
 <file path=ppt/slides/slide3.xml><?xml version="1.0" encoding="utf-8"?>
-<p:sld xmlns:a="http://schemas.openxmlformats.org/drawingml/2006/main" xmlns:r="http://schemas.openxmlformats.org/officeDocument/2006/relationships" xmlns:mc="http://schemas.openxmlformats.org/markup-compatibility/2006" xmlns:mv="urn:schemas-microsoft-com:mac:vml" xmlns:p="http://schemas.openxmlformats.org/presentationml/2006/main" xmlns:c="http://schemas.openxmlformats.org/drawingml/2006/chart" xmlns:dgm="http://schemas.openxmlformats.org/drawingml/2006/diagram" xmlns:o="urn:schemas-microsoft-com:office:office" xmlns:v="urn:schemas-microsoft-com:vml" xmlns:pvml="urn:schemas-microsoft-com:office:powerpoint" xmlns:com="http://schemas.openxmlformats.org/drawingml/2006/compatibility" xmlns:p14="http://schemas.microsoft.com/office/powerpoint/2010/main" xmlns:p15="http://schemas.microsoft.com/office/powerpoint/2012/main" xmlns:ahyp="http://schemas.microsoft.com/office/drawing/2018/hyperlinkcolor">
+<p:sld xmlns:a="http://schemas.openxmlformats.org/drawingml/2006/main" xmlns:r="http://schemas.openxmlformats.org/officeDocument/2006/relationships" xmlns:p="http://schemas.openxmlformats.org/presentationml/2006/main">
   <p:cSld>
     <p:spTree>
       <p:nvGrpSpPr>
-        <p:cNvPr id="99" name="Shape 99"/>
+        <p:cNvPr id="1" name="Shape 99"/>
         <p:cNvGrpSpPr/>
         <p:nvPr/>
       </p:nvGrpSpPr>
@@ -8522,7 +8681,9 @@
       <p:sp>
         <p:nvSpPr>
           <p:cNvPr id="100" name="Google Shape;100;p15"/>
-          <p:cNvSpPr txBox="1"/>
+          <p:cNvSpPr txBox="1">
+            <a:spLocks noGrp="1"/>
+          </p:cNvSpPr>
           <p:nvPr>
             <p:ph type="title"/>
           </p:nvPr>
@@ -8537,12 +8698,12 @@
           </a:prstGeom>
         </p:spPr>
         <p:txBody>
-          <a:bodyPr anchorCtr="0" anchor="t" bIns="91425" lIns="91425" spcFirstLastPara="1" rIns="91425" wrap="square" tIns="91425">
+          <a:bodyPr spcFirstLastPara="1" wrap="square" lIns="91425" tIns="91425" rIns="91425" bIns="91425" anchor="t" anchorCtr="0">
             <a:normAutofit fontScale="90000"/>
           </a:bodyPr>
           <a:lstStyle/>
           <a:p>
-            <a:pPr indent="0" lvl="0" marL="0" rtl="0" algn="l">
+            <a:pPr marL="0" lvl="0" indent="0" algn="l" rtl="0">
               <a:spcBef>
                 <a:spcPts val="0"/>
               </a:spcBef>
@@ -8552,13 +8713,13 @@
               <a:buNone/>
             </a:pPr>
             <a:r>
-              <a:rPr lang="pl"/>
-              <a:t>Dlaczego ten temat</a:t>
+              <a:rPr lang="pl" dirty="0"/>
+              <a:t>Dlaczego ten temat?</a:t>
             </a:r>
-            <a:endParaRPr/>
+            <a:endParaRPr dirty="0"/>
           </a:p>
           <a:p>
-            <a:pPr indent="0" lvl="0" marL="0" rtl="0" algn="l">
+            <a:pPr marL="0" lvl="0" indent="0" algn="l" rtl="0">
               <a:spcBef>
                 <a:spcPts val="0"/>
               </a:spcBef>
@@ -8567,19 +8728,18 @@
               </a:spcAft>
               <a:buNone/>
             </a:pPr>
-            <a:r>
-              <a:t/>
-            </a:r>
-            <a:endParaRPr/>
+            <a:endParaRPr dirty="0"/>
           </a:p>
         </p:txBody>
       </p:sp>
       <p:sp>
         <p:nvSpPr>
           <p:cNvPr id="101" name="Google Shape;101;p15"/>
-          <p:cNvSpPr txBox="1"/>
+          <p:cNvSpPr txBox="1">
+            <a:spLocks noGrp="1"/>
+          </p:cNvSpPr>
           <p:nvPr>
-            <p:ph idx="1" type="body"/>
+            <p:ph type="body" idx="1"/>
           </p:nvPr>
         </p:nvSpPr>
         <p:spPr>
@@ -8592,12 +8752,12 @@
           </a:prstGeom>
         </p:spPr>
         <p:txBody>
-          <a:bodyPr anchorCtr="0" anchor="t" bIns="91425" lIns="91425" spcFirstLastPara="1" rIns="91425" wrap="square" tIns="91425">
+          <a:bodyPr spcFirstLastPara="1" wrap="square" lIns="91425" tIns="91425" rIns="91425" bIns="91425" anchor="t" anchorCtr="0">
             <a:normAutofit/>
           </a:bodyPr>
           <a:lstStyle/>
           <a:p>
-            <a:pPr indent="0" lvl="0" marL="0" rtl="0" algn="l">
+            <a:pPr marL="0" lvl="0" indent="0" algn="l" rtl="0">
               <a:spcBef>
                 <a:spcPts val="0"/>
               </a:spcBef>
@@ -8607,15 +8767,14 @@
               <a:buNone/>
             </a:pPr>
             <a:r>
-              <a:rPr lang="pl"/>
-              <a:t>Hejt w Internecie jest bardzo powszechnym problemem w popularnych serwisach społecznościowych, z których korzysta wielu użytkowników Internetu.</a:t>
+              <a:rPr lang="pl" dirty="0"/>
+              <a:t>Hejt w Internecie jest bardzo powszechnym problemem w popularnych serwisach społecznościowych, z których korzysta wielu Użytkowników Internetu.</a:t>
             </a:r>
-            <a:endParaRPr/>
           </a:p>
           <a:p>
-            <a:pPr indent="0" lvl="0" marL="0" rtl="0" algn="l">
-              <a:spcBef>
-                <a:spcPts val="1200"/>
+            <a:pPr marL="0" lvl="0" indent="0" algn="l" rtl="0">
+              <a:spcBef>
+                <a:spcPts val="0"/>
               </a:spcBef>
               <a:spcAft>
                 <a:spcPts val="0"/>
@@ -8623,17 +8782,17 @@
               <a:buNone/>
             </a:pPr>
             <a:r>
-              <a:rPr lang="pl"/>
-              <a:t>Negatywne emocje mocno oddziaływają na psychikę wrażliwego użytkownika Internetu, co może mieć wpływ na jego późniejsze emocje i nastawienie</a:t>
+              <a:rPr lang="pl" dirty="0"/>
+              <a:t>Negatywne emocje mocno oddziaływają na psychikę wrażliwych osób, co może mieć negatywny wpływ na jego późniejsze emocje i nastawienie.</a:t>
             </a:r>
-            <a:endParaRPr sz="3400">
+            <a:endParaRPr sz="3400" dirty="0">
               <a:solidFill>
                 <a:schemeClr val="dk1"/>
               </a:solidFill>
             </a:endParaRPr>
           </a:p>
           <a:p>
-            <a:pPr indent="0" lvl="0" marL="0" rtl="0" algn="l">
+            <a:pPr marL="0" lvl="0" indent="0" algn="l" rtl="0">
               <a:spcBef>
                 <a:spcPts val="1200"/>
               </a:spcBef>
@@ -8642,10 +8801,7 @@
               </a:spcAft>
               <a:buNone/>
             </a:pPr>
-            <a:r>
-              <a:t/>
-            </a:r>
-            <a:endParaRPr/>
+            <a:endParaRPr dirty="0"/>
           </a:p>
         </p:txBody>
       </p:sp>
@@ -8669,12 +8825,12 @@
           </a:ln>
         </p:spPr>
         <p:txBody>
-          <a:bodyPr anchorCtr="0" anchor="t" bIns="91425" lIns="91425" spcFirstLastPara="1" rIns="91425" wrap="square" tIns="91425">
+          <a:bodyPr spcFirstLastPara="1" wrap="square" lIns="91425" tIns="91425" rIns="91425" bIns="91425" anchor="t" anchorCtr="0">
             <a:spAutoFit/>
           </a:bodyPr>
           <a:lstStyle/>
           <a:p>
-            <a:pPr indent="0" lvl="0" marL="0" rtl="0" algn="r">
+            <a:pPr marL="0" lvl="0" indent="0" algn="r" rtl="0">
               <a:spcBef>
                 <a:spcPts val="0"/>
               </a:spcBef>
@@ -8734,15 +8890,18 @@
   <p:clrMapOvr>
     <a:masterClrMapping/>
   </p:clrMapOvr>
+  <p:transition spd="slow">
+    <p:wipe/>
+  </p:transition>
 </p:sld>
 </file>
 
 <file path=ppt/slides/slide4.xml><?xml version="1.0" encoding="utf-8"?>
-<p:sld xmlns:a="http://schemas.openxmlformats.org/drawingml/2006/main" xmlns:r="http://schemas.openxmlformats.org/officeDocument/2006/relationships" xmlns:mc="http://schemas.openxmlformats.org/markup-compatibility/2006" xmlns:mv="urn:schemas-microsoft-com:mac:vml" xmlns:p="http://schemas.openxmlformats.org/presentationml/2006/main" xmlns:c="http://schemas.openxmlformats.org/drawingml/2006/chart" xmlns:dgm="http://schemas.openxmlformats.org/drawingml/2006/diagram" xmlns:o="urn:schemas-microsoft-com:office:office" xmlns:v="urn:schemas-microsoft-com:vml" xmlns:pvml="urn:schemas-microsoft-com:office:powerpoint" xmlns:com="http://schemas.openxmlformats.org/drawingml/2006/compatibility" xmlns:p14="http://schemas.microsoft.com/office/powerpoint/2010/main" xmlns:p15="http://schemas.microsoft.com/office/powerpoint/2012/main" xmlns:ahyp="http://schemas.microsoft.com/office/drawing/2018/hyperlinkcolor">
+<p:sld xmlns:a="http://schemas.openxmlformats.org/drawingml/2006/main" xmlns:r="http://schemas.openxmlformats.org/officeDocument/2006/relationships" xmlns:p="http://schemas.openxmlformats.org/presentationml/2006/main">
   <p:cSld>
     <p:spTree>
       <p:nvGrpSpPr>
-        <p:cNvPr id="107" name="Shape 107"/>
+        <p:cNvPr id="1" name="Shape 107"/>
         <p:cNvGrpSpPr/>
         <p:nvPr/>
       </p:nvGrpSpPr>
@@ -8757,7 +8916,9 @@
       <p:sp>
         <p:nvSpPr>
           <p:cNvPr id="108" name="Google Shape;108;p16"/>
-          <p:cNvSpPr txBox="1"/>
+          <p:cNvSpPr txBox="1">
+            <a:spLocks noGrp="1"/>
+          </p:cNvSpPr>
           <p:nvPr>
             <p:ph type="title"/>
           </p:nvPr>
@@ -8772,12 +8933,12 @@
           </a:prstGeom>
         </p:spPr>
         <p:txBody>
-          <a:bodyPr anchorCtr="0" anchor="t" bIns="91425" lIns="91425" spcFirstLastPara="1" rIns="91425" wrap="square" tIns="91425">
+          <a:bodyPr spcFirstLastPara="1" wrap="square" lIns="91425" tIns="91425" rIns="91425" bIns="91425" anchor="t" anchorCtr="0">
             <a:normAutofit fontScale="90000"/>
           </a:bodyPr>
           <a:lstStyle/>
           <a:p>
-            <a:pPr indent="0" lvl="0" marL="0" rtl="0" algn="l">
+            <a:pPr marL="0" lvl="0" indent="0" algn="l" rtl="0">
               <a:spcBef>
                 <a:spcPts val="0"/>
               </a:spcBef>
@@ -8797,9 +8958,11 @@
       <p:sp>
         <p:nvSpPr>
           <p:cNvPr id="109" name="Google Shape;109;p16"/>
-          <p:cNvSpPr txBox="1"/>
+          <p:cNvSpPr txBox="1">
+            <a:spLocks noGrp="1"/>
+          </p:cNvSpPr>
           <p:nvPr>
-            <p:ph idx="1" type="body"/>
+            <p:ph type="body" idx="1"/>
           </p:nvPr>
         </p:nvSpPr>
         <p:spPr>
@@ -8812,12 +8975,12 @@
           </a:prstGeom>
         </p:spPr>
         <p:txBody>
-          <a:bodyPr anchorCtr="0" anchor="t" bIns="91425" lIns="91425" spcFirstLastPara="1" rIns="91425" wrap="square" tIns="91425">
+          <a:bodyPr spcFirstLastPara="1" wrap="square" lIns="91425" tIns="91425" rIns="91425" bIns="91425" anchor="t" anchorCtr="0">
             <a:normAutofit/>
           </a:bodyPr>
           <a:lstStyle/>
           <a:p>
-            <a:pPr indent="0" lvl="0" marL="0" rtl="0" algn="l">
+            <a:pPr marL="0" lvl="0" indent="0" algn="l" rtl="0">
               <a:spcBef>
                 <a:spcPts val="0"/>
               </a:spcBef>
@@ -8827,13 +8990,13 @@
               <a:buNone/>
             </a:pPr>
             <a:r>
-              <a:rPr lang="pl"/>
-              <a:t>Projekt ten ma na celu jak najbardziej precyzyjne wykrywanie mowy nienawiści i ostrzeganiu przed nim użytkownika aplikacji.</a:t>
+              <a:rPr lang="pl-PL" dirty="0"/>
+              <a:t>Nasz Projekt precyzyjnie wykrywa mowę nienawiści i ostrzega przed nią Użytkownika.</a:t>
             </a:r>
-            <a:endParaRPr/>
+            <a:endParaRPr dirty="0"/>
           </a:p>
           <a:p>
-            <a:pPr indent="0" lvl="0" marL="0" rtl="0" algn="l">
+            <a:pPr marL="0" lvl="0" indent="0" algn="l" rtl="0">
               <a:spcBef>
                 <a:spcPts val="1200"/>
               </a:spcBef>
@@ -8843,10 +9006,10 @@
               <a:buNone/>
             </a:pPr>
             <a:r>
-              <a:rPr lang="pl"/>
-              <a:t> Ochrona użytkownika w mediach społecznościowych jest bardzo ważna, ponieważ pewne zachowania toksycznych użytkowników Internetu może odbijać się na całym ogóle.</a:t>
+              <a:rPr lang="pl" dirty="0"/>
+              <a:t>Ochrona Użytkownika w mediach społecznościowych jest niezwykle ważna, ponieważ toksyczne zachowania w Internecie odbijają się na Nas wszystkich.</a:t>
             </a:r>
-            <a:endParaRPr/>
+            <a:endParaRPr dirty="0"/>
           </a:p>
         </p:txBody>
       </p:sp>
@@ -8898,12 +9061,12 @@
           </a:ln>
         </p:spPr>
         <p:txBody>
-          <a:bodyPr anchorCtr="0" anchor="t" bIns="91425" lIns="91425" spcFirstLastPara="1" rIns="91425" wrap="square" tIns="91425">
+          <a:bodyPr spcFirstLastPara="1" wrap="square" lIns="91425" tIns="91425" rIns="91425" bIns="91425" anchor="t" anchorCtr="0">
             <a:spAutoFit/>
           </a:bodyPr>
           <a:lstStyle/>
           <a:p>
-            <a:pPr indent="0" lvl="0" marL="0" rtl="0" algn="r">
+            <a:pPr marL="0" lvl="0" indent="0" algn="r" rtl="0">
               <a:spcBef>
                 <a:spcPts val="0"/>
               </a:spcBef>
@@ -8941,15 +9104,18 @@
   <p:clrMapOvr>
     <a:masterClrMapping/>
   </p:clrMapOvr>
+  <p:transition spd="slow">
+    <p:wipe/>
+  </p:transition>
 </p:sld>
 </file>
 
 <file path=ppt/slides/slide5.xml><?xml version="1.0" encoding="utf-8"?>
-<p:sld xmlns:a="http://schemas.openxmlformats.org/drawingml/2006/main" xmlns:r="http://schemas.openxmlformats.org/officeDocument/2006/relationships" xmlns:mc="http://schemas.openxmlformats.org/markup-compatibility/2006" xmlns:mv="urn:schemas-microsoft-com:mac:vml" xmlns:p="http://schemas.openxmlformats.org/presentationml/2006/main" xmlns:c="http://schemas.openxmlformats.org/drawingml/2006/chart" xmlns:dgm="http://schemas.openxmlformats.org/drawingml/2006/diagram" xmlns:o="urn:schemas-microsoft-com:office:office" xmlns:v="urn:schemas-microsoft-com:vml" xmlns:pvml="urn:schemas-microsoft-com:office:powerpoint" xmlns:com="http://schemas.openxmlformats.org/drawingml/2006/compatibility" xmlns:p14="http://schemas.microsoft.com/office/powerpoint/2010/main" xmlns:p15="http://schemas.microsoft.com/office/powerpoint/2012/main" xmlns:ahyp="http://schemas.microsoft.com/office/drawing/2018/hyperlinkcolor">
+<p:sld xmlns:a="http://schemas.openxmlformats.org/drawingml/2006/main" xmlns:r="http://schemas.openxmlformats.org/officeDocument/2006/relationships" xmlns:p="http://schemas.openxmlformats.org/presentationml/2006/main">
   <p:cSld>
     <p:spTree>
       <p:nvGrpSpPr>
-        <p:cNvPr id="115" name="Shape 115"/>
+        <p:cNvPr id="1" name="Shape 115"/>
         <p:cNvGrpSpPr/>
         <p:nvPr/>
       </p:nvGrpSpPr>
@@ -8964,7 +9130,9 @@
       <p:sp>
         <p:nvSpPr>
           <p:cNvPr id="116" name="Google Shape;116;p17"/>
-          <p:cNvSpPr txBox="1"/>
+          <p:cNvSpPr txBox="1">
+            <a:spLocks noGrp="1"/>
+          </p:cNvSpPr>
           <p:nvPr>
             <p:ph type="title"/>
           </p:nvPr>
@@ -8979,12 +9147,12 @@
           </a:prstGeom>
         </p:spPr>
         <p:txBody>
-          <a:bodyPr anchorCtr="0" anchor="t" bIns="91425" lIns="91425" spcFirstLastPara="1" rIns="91425" wrap="square" tIns="91425">
+          <a:bodyPr spcFirstLastPara="1" wrap="square" lIns="91425" tIns="91425" rIns="91425" bIns="91425" anchor="t" anchorCtr="0">
             <a:normAutofit fontScale="90000"/>
           </a:bodyPr>
           <a:lstStyle/>
           <a:p>
-            <a:pPr indent="0" lvl="0" marL="0" rtl="0" algn="l">
+            <a:pPr marL="0" lvl="0" indent="0" algn="l" rtl="0">
               <a:spcBef>
                 <a:spcPts val="0"/>
               </a:spcBef>
@@ -9004,9 +9172,11 @@
       <p:sp>
         <p:nvSpPr>
           <p:cNvPr id="117" name="Google Shape;117;p17"/>
-          <p:cNvSpPr txBox="1"/>
+          <p:cNvSpPr txBox="1">
+            <a:spLocks noGrp="1"/>
+          </p:cNvSpPr>
           <p:nvPr>
-            <p:ph idx="1" type="body"/>
+            <p:ph type="body" idx="1"/>
           </p:nvPr>
         </p:nvSpPr>
         <p:spPr>
@@ -9019,12 +9189,15 @@
           </a:prstGeom>
         </p:spPr>
         <p:txBody>
-          <a:bodyPr anchorCtr="0" anchor="t" bIns="91425" lIns="91425" spcFirstLastPara="1" rIns="91425" wrap="square" tIns="91425">
-            <a:normAutofit/>
+          <a:bodyPr spcFirstLastPara="1" wrap="square" lIns="91425" tIns="91425" rIns="91425" bIns="91425" anchor="t" anchorCtr="0">
+            <a:normAutofit fontScale="92500" lnSpcReduction="20000"/>
           </a:bodyPr>
           <a:lstStyle/>
           <a:p>
-            <a:pPr indent="0" lvl="0" marL="0" rtl="0" algn="l">
+            <a:pPr marL="0" lvl="0" indent="0" algn="l" rtl="0">
+              <a:lnSpc>
+                <a:spcPct val="120000"/>
+              </a:lnSpc>
               <a:spcBef>
                 <a:spcPts val="0"/>
               </a:spcBef>
@@ -9034,78 +9207,105 @@
               <a:buNone/>
             </a:pPr>
             <a:r>
-              <a:rPr lang="pl"/>
-              <a:t>Obecnie projekt funkcjonuje na portalu społecznościowym reddit</a:t>
+              <a:rPr lang="pl" dirty="0"/>
+              <a:t>Obecnie projekt funkcjonuje na portalu społecznościowym </a:t>
             </a:r>
-            <a:endParaRPr/>
+            <a:r>
+              <a:rPr lang="pl-PL" dirty="0"/>
+              <a:t>Reddit.</a:t>
+            </a:r>
+            <a:endParaRPr dirty="0"/>
           </a:p>
           <a:p>
-            <a:pPr indent="0" lvl="0" marL="0" rtl="0" algn="l">
+            <a:pPr marL="285750" indent="-285750">
+              <a:lnSpc>
+                <a:spcPct val="120000"/>
+              </a:lnSpc>
               <a:spcBef>
                 <a:spcPts val="1200"/>
               </a:spcBef>
-              <a:spcAft>
-                <a:spcPts val="0"/>
-              </a:spcAft>
-              <a:buNone/>
+              <a:buFont typeface="Arial" panose="020B0604020202020204" pitchFamily="34" charset="0"/>
+              <a:buChar char="•"/>
             </a:pPr>
             <a:r>
-              <a:rPr lang="pl"/>
+              <a:rPr lang="pl" dirty="0"/>
               <a:t>Projekt dzieli się na 2 moduły:</a:t>
             </a:r>
             <a:br>
-              <a:rPr lang="pl"/>
+              <a:rPr lang="pl" dirty="0"/>
             </a:br>
             <a:r>
-              <a:rPr lang="pl"/>
-              <a:t>- </a:t>
+              <a:rPr lang="pl" dirty="0"/>
+              <a:t>Rozszerzenie w przeglądarce Internetowej (Google Chrome)</a:t>
             </a:r>
-            <a:r>
-              <a:rPr lang="pl"/>
-              <a:t>Rozszerzenie</a:t>
-            </a:r>
-            <a:r>
-              <a:rPr lang="pl"/>
-              <a:t> w przeglądarce Internetowej (Google Chrome)</a:t>
-            </a:r>
-            <a:br>
-              <a:rPr lang="pl"/>
-            </a:br>
-            <a:r>
-              <a:rPr lang="pl"/>
-              <a:t>- Sztuczna inteligencja analizująca dane tekstowe, która dostarcza mu rozszerzenie</a:t>
-            </a:r>
-            <a:endParaRPr/>
           </a:p>
           <a:p>
-            <a:pPr indent="0" lvl="0" marL="0" rtl="0" algn="l">
+            <a:pPr marL="285750" indent="-285750">
+              <a:lnSpc>
+                <a:spcPct val="120000"/>
+              </a:lnSpc>
               <a:spcBef>
                 <a:spcPts val="1200"/>
               </a:spcBef>
-              <a:spcAft>
-                <a:spcPts val="1200"/>
-              </a:spcAft>
-              <a:buNone/>
+              <a:buFont typeface="Arial" panose="020B0604020202020204" pitchFamily="34" charset="0"/>
+              <a:buChar char="•"/>
             </a:pPr>
             <a:r>
-              <a:rPr lang="pl"/>
+              <a:rPr lang="pl" dirty="0"/>
+              <a:t>Sztuczna inteligencja analizująca dane tekstowe, dostarczone przez rozszerzenie.</a:t>
+            </a:r>
+            <a:endParaRPr dirty="0"/>
+          </a:p>
+          <a:p>
+            <a:pPr marL="0" indent="0">
+              <a:lnSpc>
+                <a:spcPct val="120000"/>
+              </a:lnSpc>
+              <a:spcBef>
+                <a:spcPts val="200"/>
+              </a:spcBef>
+              <a:spcAft>
+                <a:spcPts val="1200"/>
+              </a:spcAft>
+              <a:buNone/>
+            </a:pPr>
+            <a:r>
+              <a:rPr lang="pl" dirty="0"/>
               <a:t>Aplikacja realizuje Cele Zrównoważonego Rozwoju:</a:t>
             </a:r>
-            <a:br>
-              <a:rPr lang="pl"/>
-            </a:br>
+          </a:p>
+          <a:p>
+            <a:pPr marL="285750" indent="-285750">
+              <a:lnSpc>
+                <a:spcPct val="120000"/>
+              </a:lnSpc>
+              <a:spcAft>
+                <a:spcPts val="1200"/>
+              </a:spcAft>
+              <a:buFont typeface="Arial" panose="020B0604020202020204" pitchFamily="34" charset="0"/>
+              <a:buChar char="•"/>
+            </a:pPr>
             <a:r>
-              <a:rPr lang="pl"/>
-              <a:t>- 3 - Dobre zdrowie i jakość życia</a:t>
+              <a:rPr lang="pl" dirty="0"/>
+              <a:t>3 - Dobre zdrowie i jakość życia</a:t>
             </a:r>
-            <a:br>
-              <a:rPr lang="pl"/>
-            </a:br>
+          </a:p>
+          <a:p>
+            <a:pPr marL="285750" indent="-285750">
+              <a:lnSpc>
+                <a:spcPct val="120000"/>
+              </a:lnSpc>
+              <a:spcAft>
+                <a:spcPts val="1200"/>
+              </a:spcAft>
+              <a:buFont typeface="Arial" panose="020B0604020202020204" pitchFamily="34" charset="0"/>
+              <a:buChar char="•"/>
+            </a:pPr>
             <a:r>
-              <a:rPr lang="pl"/>
-              <a:t>- 16 - Pokój, sprawiedliwość i silne instytucje</a:t>
+              <a:rPr lang="pl" dirty="0"/>
+              <a:t>16 - Pokój, sprawiedliwość i silne instytucje</a:t>
             </a:r>
-            <a:endParaRPr/>
+            <a:endParaRPr dirty="0"/>
           </a:p>
         </p:txBody>
       </p:sp>
@@ -9157,12 +9357,12 @@
           </a:ln>
         </p:spPr>
         <p:txBody>
-          <a:bodyPr anchorCtr="0" anchor="t" bIns="91425" lIns="91425" spcFirstLastPara="1" rIns="91425" wrap="square" tIns="91425">
+          <a:bodyPr spcFirstLastPara="1" wrap="square" lIns="91425" tIns="91425" rIns="91425" bIns="91425" anchor="t" anchorCtr="0">
             <a:spAutoFit/>
           </a:bodyPr>
           <a:lstStyle/>
           <a:p>
-            <a:pPr indent="0" lvl="0" marL="0" rtl="0" algn="r">
+            <a:pPr marL="0" lvl="0" indent="0" algn="r" rtl="0">
               <a:spcBef>
                 <a:spcPts val="0"/>
               </a:spcBef>
@@ -9178,16 +9378,7 @@
                 <a:cs typeface="Roboto"/>
                 <a:sym typeface="Roboto"/>
               </a:rPr>
-              <a:t>źródło: </a:t>
-            </a:r>
-            <a:r>
-              <a:rPr lang="pl" sz="600">
-                <a:latin typeface="Roboto"/>
-                <a:ea typeface="Roboto"/>
-                <a:cs typeface="Roboto"/>
-                <a:sym typeface="Roboto"/>
-              </a:rPr>
-              <a:t>https://www.reddit.com/</a:t>
+              <a:t>źródło: https://www.reddit.com/</a:t>
             </a:r>
             <a:endParaRPr sz="600">
               <a:latin typeface="Roboto"/>
@@ -9259,15 +9450,18 @@
   <p:clrMapOvr>
     <a:masterClrMapping/>
   </p:clrMapOvr>
+  <p:transition spd="slow">
+    <p:wipe/>
+  </p:transition>
 </p:sld>
 </file>
 
 <file path=ppt/slides/slide6.xml><?xml version="1.0" encoding="utf-8"?>
-<p:sld xmlns:a="http://schemas.openxmlformats.org/drawingml/2006/main" xmlns:r="http://schemas.openxmlformats.org/officeDocument/2006/relationships" xmlns:mc="http://schemas.openxmlformats.org/markup-compatibility/2006" xmlns:mv="urn:schemas-microsoft-com:mac:vml" xmlns:p="http://schemas.openxmlformats.org/presentationml/2006/main" xmlns:c="http://schemas.openxmlformats.org/drawingml/2006/chart" xmlns:dgm="http://schemas.openxmlformats.org/drawingml/2006/diagram" xmlns:o="urn:schemas-microsoft-com:office:office" xmlns:v="urn:schemas-microsoft-com:vml" xmlns:pvml="urn:schemas-microsoft-com:office:powerpoint" xmlns:com="http://schemas.openxmlformats.org/drawingml/2006/compatibility" xmlns:p14="http://schemas.microsoft.com/office/powerpoint/2010/main" xmlns:p15="http://schemas.microsoft.com/office/powerpoint/2012/main" xmlns:ahyp="http://schemas.microsoft.com/office/drawing/2018/hyperlinkcolor">
+<p:sld xmlns:a="http://schemas.openxmlformats.org/drawingml/2006/main" xmlns:r="http://schemas.openxmlformats.org/officeDocument/2006/relationships" xmlns:p="http://schemas.openxmlformats.org/presentationml/2006/main">
   <p:cSld>
     <p:spTree>
       <p:nvGrpSpPr>
-        <p:cNvPr id="125" name="Shape 125"/>
+        <p:cNvPr id="1" name="Shape 125"/>
         <p:cNvGrpSpPr/>
         <p:nvPr/>
       </p:nvGrpSpPr>
@@ -9282,7 +9476,9 @@
       <p:sp>
         <p:nvSpPr>
           <p:cNvPr id="126" name="Google Shape;126;p18"/>
-          <p:cNvSpPr txBox="1"/>
+          <p:cNvSpPr txBox="1">
+            <a:spLocks noGrp="1"/>
+          </p:cNvSpPr>
           <p:nvPr>
             <p:ph type="title"/>
           </p:nvPr>
@@ -9297,12 +9493,12 @@
           </a:prstGeom>
         </p:spPr>
         <p:txBody>
-          <a:bodyPr anchorCtr="0" anchor="t" bIns="91425" lIns="91425" spcFirstLastPara="1" rIns="91425" wrap="square" tIns="91425">
+          <a:bodyPr spcFirstLastPara="1" wrap="square" lIns="91425" tIns="91425" rIns="91425" bIns="91425" anchor="t" anchorCtr="0">
             <a:normAutofit fontScale="90000"/>
           </a:bodyPr>
           <a:lstStyle/>
           <a:p>
-            <a:pPr indent="0" lvl="0" marL="0" rtl="0" algn="l">
+            <a:pPr marL="0" lvl="0" indent="0" algn="l" rtl="0">
               <a:spcBef>
                 <a:spcPts val="0"/>
               </a:spcBef>
@@ -9322,9 +9518,11 @@
       <p:sp>
         <p:nvSpPr>
           <p:cNvPr id="127" name="Google Shape;127;p18"/>
-          <p:cNvSpPr txBox="1"/>
+          <p:cNvSpPr txBox="1">
+            <a:spLocks noGrp="1"/>
+          </p:cNvSpPr>
           <p:nvPr>
-            <p:ph idx="1" type="body"/>
+            <p:ph type="body" idx="1"/>
           </p:nvPr>
         </p:nvSpPr>
         <p:spPr>
@@ -9337,12 +9535,12 @@
           </a:prstGeom>
         </p:spPr>
         <p:txBody>
-          <a:bodyPr anchorCtr="0" anchor="t" bIns="91425" lIns="91425" spcFirstLastPara="1" rIns="91425" wrap="square" tIns="91425">
+          <a:bodyPr spcFirstLastPara="1" wrap="square" lIns="91425" tIns="91425" rIns="91425" bIns="91425" anchor="t" anchorCtr="0">
             <a:normAutofit/>
           </a:bodyPr>
           <a:lstStyle/>
           <a:p>
-            <a:pPr indent="0" lvl="0" marL="0" rtl="0" algn="l">
+            <a:pPr marL="0" lvl="0" indent="0" algn="l" rtl="0">
               <a:spcBef>
                 <a:spcPts val="0"/>
               </a:spcBef>
@@ -9352,13 +9550,13 @@
               <a:buNone/>
             </a:pPr>
             <a:r>
-              <a:rPr lang="pl"/>
+              <a:rPr lang="pl" dirty="0"/>
               <a:t>Aplikacja ma za zadanie:</a:t>
             </a:r>
-            <a:endParaRPr/>
+            <a:endParaRPr dirty="0"/>
           </a:p>
           <a:p>
-            <a:pPr indent="-342900" lvl="0" marL="457200" rtl="0" algn="l">
+            <a:pPr lvl="0" algn="l" rtl="0">
               <a:spcBef>
                 <a:spcPts val="1200"/>
               </a:spcBef>
@@ -9366,20 +9564,17 @@
                 <a:spcPts val="0"/>
               </a:spcAft>
               <a:buSzPts val="1800"/>
-              <a:buChar char="-"/>
+              <a:buFont typeface="Arial" panose="020B0604020202020204" pitchFamily="34" charset="0"/>
+              <a:buChar char="•"/>
             </a:pPr>
             <a:r>
-              <a:rPr lang="pl"/>
-              <a:t>zmniejszyć poziom negatywnych emocji dostarczanych </a:t>
+              <a:rPr lang="pl" dirty="0"/>
+              <a:t>zmniejszyć poziom negatywnych, emocji dostarczanych przeciętnemu użytkownikowi Internetu,</a:t>
             </a:r>
-            <a:r>
-              <a:rPr lang="pl"/>
-              <a:t>przeciętnemu użytkownikowi Internetu</a:t>
-            </a:r>
-            <a:endParaRPr/>
+            <a:endParaRPr dirty="0"/>
           </a:p>
           <a:p>
-            <a:pPr indent="-342900" lvl="0" marL="457200" rtl="0" algn="l">
+            <a:pPr lvl="0" algn="l" rtl="0">
               <a:spcBef>
                 <a:spcPts val="0"/>
               </a:spcBef>
@@ -9387,16 +9582,17 @@
                 <a:spcPts val="0"/>
               </a:spcAft>
               <a:buSzPts val="1800"/>
-              <a:buChar char="-"/>
+              <a:buFont typeface="Arial" panose="020B0604020202020204" pitchFamily="34" charset="0"/>
+              <a:buChar char="•"/>
             </a:pPr>
             <a:r>
-              <a:rPr lang="pl"/>
-              <a:t>Ograniczyć wirtualną przemoc</a:t>
+              <a:rPr lang="pl" dirty="0"/>
+              <a:t>ograniczyć wirtualną przemoc,</a:t>
             </a:r>
-            <a:endParaRPr/>
+            <a:endParaRPr dirty="0"/>
           </a:p>
           <a:p>
-            <a:pPr indent="-342900" lvl="0" marL="457200" rtl="0" algn="l">
+            <a:pPr lvl="0" algn="l" rtl="0">
               <a:spcBef>
                 <a:spcPts val="0"/>
               </a:spcBef>
@@ -9404,13 +9600,14 @@
                 <a:spcPts val="0"/>
               </a:spcAft>
               <a:buSzPts val="1800"/>
-              <a:buChar char="-"/>
+              <a:buFont typeface="Arial" panose="020B0604020202020204" pitchFamily="34" charset="0"/>
+              <a:buChar char="•"/>
             </a:pPr>
             <a:r>
-              <a:rPr lang="pl"/>
-              <a:t> Zwiększyć komfort użytkownika przy korzystaniu z portali Internetowych</a:t>
+              <a:rPr lang="pl" dirty="0"/>
+              <a:t>zwiększyć komfort użytkownika przy korzystaniu z portali Internetowych.</a:t>
             </a:r>
-            <a:endParaRPr/>
+            <a:endParaRPr dirty="0"/>
           </a:p>
         </p:txBody>
       </p:sp>
@@ -9462,12 +9659,12 @@
           </a:ln>
         </p:spPr>
         <p:txBody>
-          <a:bodyPr anchorCtr="0" anchor="t" bIns="91425" lIns="91425" spcFirstLastPara="1" rIns="91425" wrap="square" tIns="91425">
+          <a:bodyPr spcFirstLastPara="1" wrap="square" lIns="91425" tIns="91425" rIns="91425" bIns="91425" anchor="t" anchorCtr="0">
             <a:spAutoFit/>
           </a:bodyPr>
           <a:lstStyle/>
           <a:p>
-            <a:pPr indent="0" lvl="0" marL="0" rtl="0" algn="r">
+            <a:pPr marL="0" lvl="0" indent="0" algn="r" rtl="0">
               <a:spcBef>
                 <a:spcPts val="0"/>
               </a:spcBef>
@@ -9486,19 +9683,7 @@
                 <a:cs typeface="Roboto"/>
                 <a:sym typeface="Roboto"/>
               </a:rPr>
-              <a:t>źródło: </a:t>
-            </a:r>
-            <a:r>
-              <a:rPr lang="pl" sz="600">
-                <a:solidFill>
-                  <a:schemeClr val="lt1"/>
-                </a:solidFill>
-                <a:latin typeface="Roboto"/>
-                <a:ea typeface="Roboto"/>
-                <a:cs typeface="Roboto"/>
-                <a:sym typeface="Roboto"/>
-              </a:rPr>
-              <a:t>https://www.surveyrock.com/</a:t>
+              <a:t>źródło: https://www.surveyrock.com/</a:t>
             </a:r>
             <a:endParaRPr sz="600">
               <a:solidFill>
@@ -9517,15 +9702,18 @@
   <p:clrMapOvr>
     <a:masterClrMapping/>
   </p:clrMapOvr>
+  <p:transition spd="slow">
+    <p:wipe/>
+  </p:transition>
 </p:sld>
 </file>
 
 <file path=ppt/slides/slide7.xml><?xml version="1.0" encoding="utf-8"?>
-<p:sld xmlns:a="http://schemas.openxmlformats.org/drawingml/2006/main" xmlns:r="http://schemas.openxmlformats.org/officeDocument/2006/relationships" xmlns:mc="http://schemas.openxmlformats.org/markup-compatibility/2006" xmlns:mv="urn:schemas-microsoft-com:mac:vml" xmlns:p="http://schemas.openxmlformats.org/presentationml/2006/main" xmlns:c="http://schemas.openxmlformats.org/drawingml/2006/chart" xmlns:dgm="http://schemas.openxmlformats.org/drawingml/2006/diagram" xmlns:o="urn:schemas-microsoft-com:office:office" xmlns:v="urn:schemas-microsoft-com:vml" xmlns:pvml="urn:schemas-microsoft-com:office:powerpoint" xmlns:com="http://schemas.openxmlformats.org/drawingml/2006/compatibility" xmlns:p14="http://schemas.microsoft.com/office/powerpoint/2010/main" xmlns:p15="http://schemas.microsoft.com/office/powerpoint/2012/main" xmlns:ahyp="http://schemas.microsoft.com/office/drawing/2018/hyperlinkcolor">
+<p:sld xmlns:a="http://schemas.openxmlformats.org/drawingml/2006/main" xmlns:r="http://schemas.openxmlformats.org/officeDocument/2006/relationships" xmlns:p="http://schemas.openxmlformats.org/presentationml/2006/main">
   <p:cSld>
     <p:spTree>
       <p:nvGrpSpPr>
-        <p:cNvPr id="133" name="Shape 133"/>
+        <p:cNvPr id="1" name="Shape 133"/>
         <p:cNvGrpSpPr/>
         <p:nvPr/>
       </p:nvGrpSpPr>
@@ -9540,7 +9728,9 @@
       <p:sp>
         <p:nvSpPr>
           <p:cNvPr id="134" name="Google Shape;134;p19"/>
-          <p:cNvSpPr txBox="1"/>
+          <p:cNvSpPr txBox="1">
+            <a:spLocks noGrp="1"/>
+          </p:cNvSpPr>
           <p:nvPr>
             <p:ph type="title"/>
           </p:nvPr>
@@ -9555,12 +9745,12 @@
           </a:prstGeom>
         </p:spPr>
         <p:txBody>
-          <a:bodyPr anchorCtr="0" anchor="t" bIns="91425" lIns="91425" spcFirstLastPara="1" rIns="91425" wrap="square" tIns="91425">
+          <a:bodyPr spcFirstLastPara="1" wrap="square" lIns="91425" tIns="91425" rIns="91425" bIns="91425" anchor="t" anchorCtr="0">
             <a:normAutofit fontScale="90000"/>
           </a:bodyPr>
           <a:lstStyle/>
           <a:p>
-            <a:pPr indent="0" lvl="0" marL="0" rtl="0" algn="l">
+            <a:pPr marL="0" lvl="0" indent="0" algn="l" rtl="0">
               <a:spcBef>
                 <a:spcPts val="0"/>
               </a:spcBef>
@@ -9580,9 +9770,11 @@
       <p:sp>
         <p:nvSpPr>
           <p:cNvPr id="135" name="Google Shape;135;p19"/>
-          <p:cNvSpPr txBox="1"/>
+          <p:cNvSpPr txBox="1">
+            <a:spLocks noGrp="1"/>
+          </p:cNvSpPr>
           <p:nvPr>
-            <p:ph idx="1" type="body"/>
+            <p:ph type="body" idx="1"/>
           </p:nvPr>
         </p:nvSpPr>
         <p:spPr>
@@ -9595,12 +9787,12 @@
           </a:prstGeom>
         </p:spPr>
         <p:txBody>
-          <a:bodyPr anchorCtr="0" anchor="t" bIns="91425" lIns="91425" spcFirstLastPara="1" rIns="91425" wrap="square" tIns="91425">
+          <a:bodyPr spcFirstLastPara="1" wrap="square" lIns="91425" tIns="91425" rIns="91425" bIns="91425" anchor="t" anchorCtr="0">
             <a:normAutofit/>
           </a:bodyPr>
           <a:lstStyle/>
           <a:p>
-            <a:pPr indent="0" lvl="0" marL="0" rtl="0" algn="l">
+            <a:pPr marL="0" lvl="0" indent="0" algn="l" rtl="0">
               <a:spcBef>
                 <a:spcPts val="0"/>
               </a:spcBef>
@@ -9609,9 +9801,6 @@
               </a:spcAft>
               <a:buNone/>
             </a:pPr>
-            <a:r>
-              <a:t/>
-            </a:r>
             <a:endParaRPr/>
           </a:p>
         </p:txBody>
@@ -9621,15 +9810,18 @@
   <p:clrMapOvr>
     <a:masterClrMapping/>
   </p:clrMapOvr>
+  <p:transition spd="slow">
+    <p:wipe/>
+  </p:transition>
 </p:sld>
 </file>
 
 <file path=ppt/slides/slide8.xml><?xml version="1.0" encoding="utf-8"?>
-<p:sld xmlns:a="http://schemas.openxmlformats.org/drawingml/2006/main" xmlns:r="http://schemas.openxmlformats.org/officeDocument/2006/relationships" xmlns:mc="http://schemas.openxmlformats.org/markup-compatibility/2006" xmlns:mv="urn:schemas-microsoft-com:mac:vml" xmlns:p="http://schemas.openxmlformats.org/presentationml/2006/main" xmlns:c="http://schemas.openxmlformats.org/drawingml/2006/chart" xmlns:dgm="http://schemas.openxmlformats.org/drawingml/2006/diagram" xmlns:o="urn:schemas-microsoft-com:office:office" xmlns:v="urn:schemas-microsoft-com:vml" xmlns:pvml="urn:schemas-microsoft-com:office:powerpoint" xmlns:com="http://schemas.openxmlformats.org/drawingml/2006/compatibility" xmlns:p14="http://schemas.microsoft.com/office/powerpoint/2010/main" xmlns:p15="http://schemas.microsoft.com/office/powerpoint/2012/main" xmlns:ahyp="http://schemas.microsoft.com/office/drawing/2018/hyperlinkcolor">
+<p:sld xmlns:a="http://schemas.openxmlformats.org/drawingml/2006/main" xmlns:r="http://schemas.openxmlformats.org/officeDocument/2006/relationships" xmlns:p="http://schemas.openxmlformats.org/presentationml/2006/main">
   <p:cSld>
     <p:spTree>
       <p:nvGrpSpPr>
-        <p:cNvPr id="139" name="Shape 139"/>
+        <p:cNvPr id="1" name="Shape 139"/>
         <p:cNvGrpSpPr/>
         <p:nvPr/>
       </p:nvGrpSpPr>
@@ -9644,7 +9836,9 @@
       <p:sp>
         <p:nvSpPr>
           <p:cNvPr id="140" name="Google Shape;140;p20"/>
-          <p:cNvSpPr txBox="1"/>
+          <p:cNvSpPr txBox="1">
+            <a:spLocks noGrp="1"/>
+          </p:cNvSpPr>
           <p:nvPr>
             <p:ph type="title"/>
           </p:nvPr>
@@ -9659,12 +9853,12 @@
           </a:prstGeom>
         </p:spPr>
         <p:txBody>
-          <a:bodyPr anchorCtr="0" anchor="t" bIns="91425" lIns="91425" spcFirstLastPara="1" rIns="91425" wrap="square" tIns="91425">
+          <a:bodyPr spcFirstLastPara="1" wrap="square" lIns="91425" tIns="91425" rIns="91425" bIns="91425" anchor="t" anchorCtr="0">
             <a:normAutofit fontScale="90000"/>
           </a:bodyPr>
           <a:lstStyle/>
           <a:p>
-            <a:pPr indent="0" lvl="0" marL="0" rtl="0" algn="l">
+            <a:pPr marL="0" lvl="0" indent="0" algn="l" rtl="0">
               <a:spcBef>
                 <a:spcPts val="0"/>
               </a:spcBef>
@@ -9684,9 +9878,11 @@
       <p:sp>
         <p:nvSpPr>
           <p:cNvPr id="141" name="Google Shape;141;p20"/>
-          <p:cNvSpPr txBox="1"/>
+          <p:cNvSpPr txBox="1">
+            <a:spLocks noGrp="1"/>
+          </p:cNvSpPr>
           <p:nvPr>
-            <p:ph idx="1" type="body"/>
+            <p:ph type="body" idx="1"/>
           </p:nvPr>
         </p:nvSpPr>
         <p:spPr>
@@ -9699,12 +9895,12 @@
           </a:prstGeom>
         </p:spPr>
         <p:txBody>
-          <a:bodyPr anchorCtr="0" anchor="t" bIns="91425" lIns="91425" spcFirstLastPara="1" rIns="91425" wrap="square" tIns="91425">
+          <a:bodyPr spcFirstLastPara="1" wrap="square" lIns="91425" tIns="91425" rIns="91425" bIns="91425" anchor="t" anchorCtr="0">
             <a:normAutofit/>
           </a:bodyPr>
           <a:lstStyle/>
           <a:p>
-            <a:pPr indent="0" lvl="0" marL="0" rtl="0" algn="l">
+            <a:pPr marL="0" lvl="0" indent="0" algn="l" rtl="0">
               <a:spcBef>
                 <a:spcPts val="0"/>
               </a:spcBef>
@@ -9714,13 +9910,13 @@
               <a:buNone/>
             </a:pPr>
             <a:r>
-              <a:rPr lang="pl"/>
-              <a:t>Aplikacja zostanie rozszerzona na popularne serwisy społecznościowe</a:t>
+              <a:rPr lang="pl" dirty="0"/>
+              <a:t>Aplikacja w przyszłości zostanie rozszerzona na popularne serwisy społecznościowe.</a:t>
             </a:r>
-            <a:endParaRPr/>
+            <a:endParaRPr dirty="0"/>
           </a:p>
           <a:p>
-            <a:pPr indent="0" lvl="0" marL="0" rtl="0" algn="l">
+            <a:pPr marL="0" lvl="0" indent="0" algn="l" rtl="0">
               <a:spcBef>
                 <a:spcPts val="1200"/>
               </a:spcBef>
@@ -9730,10 +9926,10 @@
               <a:buNone/>
             </a:pPr>
             <a:r>
-              <a:rPr lang="pl"/>
-              <a:t>Celem jest stworzenie uniwersalnego systemu sztucznej inteligencji, aby ona mogła działać w wielu językach w zależności od potrzeb</a:t>
+              <a:rPr lang="pl" dirty="0"/>
+              <a:t>Celem jest stworzenie uniwersalnego systemu sztucznej inteligencji działającej w wielu językach nie tylko na Reddicie.</a:t>
             </a:r>
-            <a:endParaRPr/>
+            <a:endParaRPr dirty="0"/>
           </a:p>
         </p:txBody>
       </p:sp>
@@ -9742,11 +9938,14 @@
   <p:clrMapOvr>
     <a:masterClrMapping/>
   </p:clrMapOvr>
+  <p:transition spd="slow">
+    <p:wipe/>
+  </p:transition>
 </p:sld>
 </file>
 
 <file path=ppt/theme/theme1.xml><?xml version="1.0" encoding="utf-8"?>
-<a:theme xmlns:a="http://schemas.openxmlformats.org/drawingml/2006/main" xmlns:r="http://schemas.openxmlformats.org/officeDocument/2006/relationships" name="Geometric">
+<a:theme xmlns:a="http://schemas.openxmlformats.org/drawingml/2006/main" name="Geometric">
   <a:themeElements>
     <a:clrScheme name="Geometric">
       <a:dk1>
@@ -10021,11 +10220,13 @@
       </a:bgFillStyleLst>
     </a:fmtScheme>
   </a:themeElements>
+  <a:objectDefaults/>
+  <a:extraClrSchemeLst/>
 </a:theme>
 </file>
 
 <file path=ppt/theme/theme2.xml><?xml version="1.0" encoding="utf-8"?>
-<a:theme xmlns:a="http://schemas.openxmlformats.org/drawingml/2006/main" xmlns:r="http://schemas.openxmlformats.org/officeDocument/2006/relationships">
+<a:theme xmlns:a="http://schemas.openxmlformats.org/drawingml/2006/main">
   <a:themeElements>
     <a:clrScheme name="Default">
       <a:dk1>
@@ -10300,5 +10501,7 @@
       </a:bgFillStyleLst>
     </a:fmtScheme>
   </a:themeElements>
+  <a:objectDefaults/>
+  <a:extraClrSchemeLst/>
 </a:theme>
 </file>